--- a/c-network-programming-pptx.pptx
+++ b/c-network-programming-pptx.pptx
@@ -26,6 +26,8 @@
     <p:sldId id="270" r:id="rId19"/>
     <p:sldId id="271" r:id="rId20"/>
     <p:sldId id="272" r:id="rId21"/>
+    <p:sldId id="273" r:id="rId22"/>
+    <p:sldId id="274" r:id="rId23"/>
   </p:sldIdLst>
   <p:sldSz cx="10080625" cy="7559675"/>
   <p:notesSz cx="7559675" cy="10691812"/>
@@ -79,16 +81,7 @@
                 </a:solidFill>
                 <a:latin typeface="Arial"/>
               </a:rPr>
-              <a:t>单击鼠标移动</a:t>
-            </a:r>
-            <a:r>
-              <a:rPr b="0" lang="en-US" sz="5860" spc="-1" strike="noStrike">
-                <a:solidFill>
-                  <a:srgbClr val="ffffff"/>
-                </a:solidFill>
-                <a:latin typeface="Arial"/>
-              </a:rPr>
-              <a:t>幻灯片</a:t>
+              <a:t>单击鼠标移动幻灯片</a:t>
             </a:r>
             <a:endParaRPr b="0" lang="en-US" sz="5860" spc="-1" strike="noStrike">
               <a:solidFill>
@@ -125,43 +118,7 @@
               <a:rPr b="0" lang="en-US" sz="2000" spc="-1" strike="noStrike">
                 <a:latin typeface="Arial"/>
               </a:rPr>
-              <a:t>单击</a:t>
-            </a:r>
-            <a:r>
-              <a:rPr b="0" lang="en-US" sz="2000" spc="-1" strike="noStrike">
-                <a:latin typeface="Arial"/>
-              </a:rPr>
-              <a:t>编</a:t>
-            </a:r>
-            <a:r>
-              <a:rPr b="0" lang="en-US" sz="2000" spc="-1" strike="noStrike">
-                <a:latin typeface="Arial"/>
-              </a:rPr>
-              <a:t>辑</a:t>
-            </a:r>
-            <a:r>
-              <a:rPr b="0" lang="en-US" sz="2000" spc="-1" strike="noStrike">
-                <a:latin typeface="Arial"/>
-              </a:rPr>
-              <a:t>备</a:t>
-            </a:r>
-            <a:r>
-              <a:rPr b="0" lang="en-US" sz="2000" spc="-1" strike="noStrike">
-                <a:latin typeface="Arial"/>
-              </a:rPr>
-              <a:t>注</a:t>
-            </a:r>
-            <a:r>
-              <a:rPr b="0" lang="en-US" sz="2000" spc="-1" strike="noStrike">
-                <a:latin typeface="Arial"/>
-              </a:rPr>
-              <a:t>格</a:t>
-            </a:r>
-            <a:r>
-              <a:rPr b="0" lang="en-US" sz="2000" spc="-1" strike="noStrike">
-                <a:latin typeface="Arial"/>
-              </a:rPr>
-              <a:t>式</a:t>
+              <a:t>单击编辑备注格式</a:t>
             </a:r>
             <a:endParaRPr b="0" lang="en-US" sz="2000" spc="-1" strike="noStrike">
               <a:latin typeface="Arial"/>
@@ -195,7 +152,7 @@
               <a:rPr b="0" lang="en-US" sz="1400" spc="-1" strike="noStrike">
                 <a:latin typeface="Times New Roman"/>
               </a:rPr>
-              <a:t> </a:t>
+              <a:t>&lt;页眉&gt;</a:t>
             </a:r>
             <a:endParaRPr b="0" lang="en-US" sz="1400" spc="-1" strike="noStrike">
               <a:latin typeface="Times New Roman"/>
@@ -230,7 +187,7 @@
               <a:rPr b="0" lang="en-US" sz="1400" spc="-1" strike="noStrike">
                 <a:latin typeface="Times New Roman"/>
               </a:rPr>
-              <a:t> </a:t>
+              <a:t>&lt;日期/时间&gt;</a:t>
             </a:r>
             <a:endParaRPr b="0" lang="en-US" sz="1400" spc="-1" strike="noStrike">
               <a:latin typeface="Times New Roman"/>
@@ -264,7 +221,7 @@
               <a:rPr b="0" lang="en-US" sz="1400" spc="-1" strike="noStrike">
                 <a:latin typeface="Times New Roman"/>
               </a:rPr>
-              <a:t> </a:t>
+              <a:t>&lt;页脚&gt;</a:t>
             </a:r>
             <a:endParaRPr b="0" lang="en-US" sz="1400" spc="-1" strike="noStrike">
               <a:latin typeface="Times New Roman"/>
@@ -295,11 +252,11 @@
           <a:bodyPr lIns="0" rIns="0" tIns="0" bIns="0" anchor="b"/>
           <a:p>
             <a:pPr algn="r"/>
-            <a:fld id="{F5EE5D15-F0B2-4D53-A48B-1468725ABC20}" type="slidenum">
+            <a:fld id="{99370D4B-8109-435B-9738-05392F89087A}" type="slidenum">
               <a:rPr b="0" lang="en-US" sz="1400" spc="-1" strike="noStrike">
                 <a:latin typeface="Times New Roman"/>
               </a:rPr>
-              <a:t>1</a:t>
+              <a:t>&lt;编号&gt;</a:t>
             </a:fld>
             <a:endParaRPr b="0" lang="en-US" sz="1400" spc="-1" strike="noStrike">
               <a:latin typeface="Times New Roman"/>
@@ -3478,7 +3435,106 @@
                 </a:solidFill>
                 <a:latin typeface="Arial"/>
               </a:rPr>
-              <a:t>单击鼠标编辑标题文字格式</a:t>
+              <a:t>单</a:t>
+            </a:r>
+            <a:r>
+              <a:rPr b="0" lang="en-US" sz="5860" spc="-1" strike="noStrike">
+                <a:solidFill>
+                  <a:srgbClr val="ffffff"/>
+                </a:solidFill>
+                <a:latin typeface="Arial"/>
+              </a:rPr>
+              <a:t>击</a:t>
+            </a:r>
+            <a:r>
+              <a:rPr b="0" lang="en-US" sz="5860" spc="-1" strike="noStrike">
+                <a:solidFill>
+                  <a:srgbClr val="ffffff"/>
+                </a:solidFill>
+                <a:latin typeface="Arial"/>
+              </a:rPr>
+              <a:t>鼠</a:t>
+            </a:r>
+            <a:r>
+              <a:rPr b="0" lang="en-US" sz="5860" spc="-1" strike="noStrike">
+                <a:solidFill>
+                  <a:srgbClr val="ffffff"/>
+                </a:solidFill>
+                <a:latin typeface="Arial"/>
+              </a:rPr>
+              <a:t>标</a:t>
+            </a:r>
+            <a:r>
+              <a:rPr b="0" lang="en-US" sz="5860" spc="-1" strike="noStrike">
+                <a:solidFill>
+                  <a:srgbClr val="ffffff"/>
+                </a:solidFill>
+                <a:latin typeface="Arial"/>
+              </a:rPr>
+              <a:t>编</a:t>
+            </a:r>
+            <a:r>
+              <a:rPr b="0" lang="en-US" sz="5860" spc="-1" strike="noStrike">
+                <a:solidFill>
+                  <a:srgbClr val="ffffff"/>
+                </a:solidFill>
+                <a:latin typeface="Arial"/>
+              </a:rPr>
+              <a:t>辑</a:t>
+            </a:r>
+            <a:r>
+              <a:rPr b="0" lang="en-US" sz="5860" spc="-1" strike="noStrike">
+                <a:solidFill>
+                  <a:srgbClr val="ffffff"/>
+                </a:solidFill>
+                <a:latin typeface="Arial"/>
+              </a:rPr>
+              <a:t>标</a:t>
+            </a:r>
+            <a:r>
+              <a:rPr b="0" lang="en-US" sz="5860" spc="-1" strike="noStrike">
+                <a:solidFill>
+                  <a:srgbClr val="ffffff"/>
+                </a:solidFill>
+                <a:latin typeface="Arial"/>
+              </a:rPr>
+              <a:t>题</a:t>
+            </a:r>
+            <a:r>
+              <a:rPr b="0" lang="en-US" sz="5860" spc="-1" strike="noStrike">
+                <a:solidFill>
+                  <a:srgbClr val="ffffff"/>
+                </a:solidFill>
+                <a:latin typeface="Arial"/>
+              </a:rPr>
+              <a:t>文</a:t>
+            </a:r>
+            <a:r>
+              <a:rPr b="0" lang="en-US" sz="5860" spc="-1" strike="noStrike">
+                <a:solidFill>
+                  <a:srgbClr val="ffffff"/>
+                </a:solidFill>
+                <a:latin typeface="Arial"/>
+              </a:rPr>
+              <a:t>字</a:t>
+            </a:r>
+            <a:r>
+              <a:rPr b="0" lang="en-US" sz="5860" spc="-1" strike="noStrike">
+                <a:solidFill>
+                  <a:srgbClr val="ffffff"/>
+                </a:solidFill>
+                <a:latin typeface="Arial"/>
+              </a:rPr>
+              <a:t>格</a:t>
+            </a:r>
+            <a:r>
+              <a:rPr b="0" lang="en-US" sz="5860" spc="-1" strike="noStrike">
+                <a:solidFill>
+                  <a:srgbClr val="ffffff"/>
+                </a:solidFill>
+                <a:latin typeface="Arial"/>
+              </a:rPr>
+              <a:t>式</a:t>
             </a:r>
             <a:endParaRPr b="0" lang="en-US" sz="5860" spc="-1" strike="noStrike">
               <a:solidFill>
@@ -3814,7 +3870,7 @@
           <a:bodyPr lIns="0" rIns="0" tIns="0" bIns="0"/>
           <a:p>
             <a:pPr algn="r"/>
-            <a:fld id="{2225A54F-C4E4-4AF7-8E13-E63D1E2A4CEB}" type="slidenum">
+            <a:fld id="{83CBE879-02B6-4F8A-B422-53D21F269DEB}" type="slidenum">
               <a:rPr b="0" lang="en-US" sz="1400" spc="-1" strike="noStrike">
                 <a:solidFill>
                   <a:srgbClr val="ffffff"/>
@@ -3906,19 +3962,7 @@
               <a:rPr b="0" lang="en-US" sz="4400" spc="-1" strike="noStrike">
                 <a:latin typeface="Arial"/>
               </a:rPr>
-              <a:t>单击鼠标编</a:t>
-            </a:r>
-            <a:r>
-              <a:rPr b="0" lang="en-US" sz="4400" spc="-1" strike="noStrike">
-                <a:latin typeface="Arial"/>
-              </a:rPr>
-              <a:t>辑标题文字</a:t>
-            </a:r>
-            <a:r>
-              <a:rPr b="0" lang="en-US" sz="4400" spc="-1" strike="noStrike">
-                <a:latin typeface="Arial"/>
-              </a:rPr>
-              <a:t>格式</a:t>
+              <a:t>单击鼠标编辑标题文字格式</a:t>
             </a:r>
             <a:endParaRPr b="0" lang="en-US" sz="4400" spc="-1" strike="noStrike">
               <a:latin typeface="Arial"/>
@@ -4131,7 +4175,7 @@
               <a:rPr b="0" lang="en-US" sz="1400" spc="-1" strike="noStrike">
                 <a:latin typeface="Times New Roman"/>
               </a:rPr>
-              <a:t> </a:t>
+              <a:t>&lt;日期/时间&gt;</a:t>
             </a:r>
             <a:endParaRPr b="0" lang="en-US" sz="1400" spc="-1" strike="noStrike">
               <a:latin typeface="Times New Roman"/>
@@ -4166,7 +4210,7 @@
               <a:rPr b="0" lang="en-US" sz="1400" spc="-1" strike="noStrike">
                 <a:latin typeface="Times New Roman"/>
               </a:rPr>
-              <a:t> </a:t>
+              <a:t>&lt;页脚&gt;</a:t>
             </a:r>
             <a:endParaRPr b="0" lang="en-US" sz="1400" spc="-1" strike="noStrike">
               <a:latin typeface="Times New Roman"/>
@@ -4197,11 +4241,11 @@
           <a:bodyPr lIns="0" rIns="0" tIns="0" bIns="0"/>
           <a:p>
             <a:pPr algn="r"/>
-            <a:fld id="{DAB8C84D-3E95-4565-AD13-C442005830C4}" type="slidenum">
+            <a:fld id="{0CC4E1D1-B64C-4739-A4A7-18F5B841DA30}" type="slidenum">
               <a:rPr b="0" lang="en-US" sz="1400" spc="-1" strike="noStrike">
                 <a:latin typeface="Times New Roman"/>
               </a:rPr>
-              <a:t>1</a:t>
+              <a:t>&lt;编号&gt;</a:t>
             </a:fld>
             <a:endParaRPr b="0" lang="en-US" sz="1400" spc="-1" strike="noStrike">
               <a:latin typeface="Times New Roman"/>
@@ -6428,8 +6472,8 @@
         </p:nvSpPr>
         <p:spPr>
           <a:xfrm>
-            <a:off x="1368000" y="1080000"/>
-            <a:ext cx="6840000" cy="12720600"/>
+            <a:off x="532440" y="1042560"/>
+            <a:ext cx="9979560" cy="5869440"/>
           </a:xfrm>
           <a:prstGeom prst="rect">
             <a:avLst/>
@@ -6449,522 +6493,426 @@
                 </a:solidFill>
                 <a:latin typeface="Arial"/>
               </a:rPr>
-              <a:t>讨论几个常用</a:t>
-            </a:r>
-            <a:r>
-              <a:rPr b="0" lang="en-US" sz="1800" spc="-1" strike="noStrike">
-                <a:solidFill>
-                  <a:srgbClr val="ffffff"/>
-                </a:solidFill>
-                <a:latin typeface="Arial"/>
-              </a:rPr>
-              <a:t>的系统检测工</a:t>
-            </a:r>
-            <a:r>
-              <a:rPr b="0" lang="en-US" sz="1800" spc="-1" strike="noStrike">
-                <a:solidFill>
-                  <a:srgbClr val="ffffff"/>
-                </a:solidFill>
-                <a:latin typeface="Arial"/>
-              </a:rPr>
-              <a:t>具：</a:t>
-            </a:r>
-            <a:endParaRPr b="0" lang="en-US" sz="1800" spc="-1" strike="noStrike">
-              <a:latin typeface="Arial"/>
-            </a:endParaRPr>
-          </a:p>
-          <a:p>
-            <a:r>
-              <a:rPr b="0" lang="en-US" sz="1800" spc="-1" strike="noStrike">
-                <a:solidFill>
-                  <a:srgbClr val="ffffff"/>
-                </a:solidFill>
-                <a:latin typeface="Arial"/>
-              </a:rPr>
-              <a:t>1. tcpdump</a:t>
-            </a:r>
-            <a:r>
-              <a:rPr b="0" lang="en-US" sz="1800" spc="-1" strike="noStrike">
-                <a:solidFill>
-                  <a:srgbClr val="ffffff"/>
-                </a:solidFill>
-                <a:latin typeface="Arial"/>
-              </a:rPr>
-              <a:t>：经</a:t>
-            </a:r>
-            <a:r>
-              <a:rPr b="0" lang="en-US" sz="1800" spc="-1" strike="noStrike">
-                <a:solidFill>
-                  <a:srgbClr val="ffffff"/>
-                </a:solidFill>
-                <a:latin typeface="Arial"/>
-              </a:rPr>
-              <a:t>典的网络抓包</a:t>
-            </a:r>
-            <a:r>
-              <a:rPr b="0" lang="en-US" sz="1800" spc="-1" strike="noStrike">
-                <a:solidFill>
-                  <a:srgbClr val="ffffff"/>
-                </a:solidFill>
-                <a:latin typeface="Arial"/>
-              </a:rPr>
-              <a:t>工具</a:t>
-            </a:r>
-            <a:endParaRPr b="0" lang="en-US" sz="1800" spc="-1" strike="noStrike">
-              <a:latin typeface="Arial"/>
-            </a:endParaRPr>
-          </a:p>
-          <a:p>
-            <a:endParaRPr b="0" lang="en-US" sz="1800" spc="-1" strike="noStrike">
-              <a:latin typeface="Arial"/>
-            </a:endParaRPr>
-          </a:p>
-          <a:p>
-            <a:r>
-              <a:rPr b="0" lang="en-US" sz="1800" spc="-1" strike="noStrike">
-                <a:solidFill>
-                  <a:srgbClr val="ffffff"/>
-                </a:solidFill>
-                <a:latin typeface="Arial"/>
-              </a:rPr>
-              <a:t>2. lsof</a:t>
-            </a:r>
-            <a:r>
-              <a:rPr b="0" lang="en-US" sz="1800" spc="-1" strike="noStrike">
-                <a:solidFill>
-                  <a:srgbClr val="ffffff"/>
-                </a:solidFill>
-                <a:latin typeface="Arial"/>
-              </a:rPr>
-              <a:t>：列出当</a:t>
-            </a:r>
-            <a:r>
-              <a:rPr b="0" lang="en-US" sz="1800" spc="-1" strike="noStrike">
-                <a:solidFill>
-                  <a:srgbClr val="ffffff"/>
-                </a:solidFill>
-                <a:latin typeface="Arial"/>
-              </a:rPr>
-              <a:t>前系统打开的</a:t>
-            </a:r>
-            <a:r>
-              <a:rPr b="0" lang="en-US" sz="1800" spc="-1" strike="noStrike">
-                <a:solidFill>
-                  <a:srgbClr val="ffffff"/>
-                </a:solidFill>
-                <a:latin typeface="Arial"/>
-              </a:rPr>
-              <a:t>文件描述符的</a:t>
-            </a:r>
-            <a:r>
-              <a:rPr b="0" lang="en-US" sz="1800" spc="-1" strike="noStrike">
-                <a:solidFill>
-                  <a:srgbClr val="ffffff"/>
-                </a:solidFill>
-                <a:latin typeface="Arial"/>
-              </a:rPr>
-              <a:t>工具</a:t>
-            </a:r>
-            <a:endParaRPr b="0" lang="en-US" sz="1800" spc="-1" strike="noStrike">
-              <a:latin typeface="Arial"/>
-            </a:endParaRPr>
-          </a:p>
-          <a:p>
-            <a:endParaRPr b="0" lang="en-US" sz="1800" spc="-1" strike="noStrike">
-              <a:latin typeface="Arial"/>
-            </a:endParaRPr>
-          </a:p>
-          <a:p>
-            <a:r>
-              <a:rPr b="0" lang="en-US" sz="1800" spc="-1" strike="noStrike">
-                <a:solidFill>
-                  <a:srgbClr val="ffffff"/>
-                </a:solidFill>
-                <a:latin typeface="Arial"/>
-              </a:rPr>
-              <a:t>3. strace</a:t>
-            </a:r>
-            <a:r>
-              <a:rPr b="0" lang="en-US" sz="1800" spc="-1" strike="noStrike">
-                <a:solidFill>
-                  <a:srgbClr val="ffffff"/>
-                </a:solidFill>
-                <a:latin typeface="Arial"/>
-              </a:rPr>
-              <a:t>：跟踪</a:t>
-            </a:r>
-            <a:r>
-              <a:rPr b="0" lang="en-US" sz="1800" spc="-1" strike="noStrike">
-                <a:solidFill>
-                  <a:srgbClr val="ffffff"/>
-                </a:solidFill>
-                <a:latin typeface="Arial"/>
-              </a:rPr>
-              <a:t>程序运行过程</a:t>
-            </a:r>
-            <a:r>
-              <a:rPr b="0" lang="en-US" sz="1800" spc="-1" strike="noStrike">
-                <a:solidFill>
-                  <a:srgbClr val="ffffff"/>
-                </a:solidFill>
-                <a:latin typeface="Arial"/>
-              </a:rPr>
-              <a:t>中执行的系统</a:t>
-            </a:r>
-            <a:r>
-              <a:rPr b="0" lang="en-US" sz="1800" spc="-1" strike="noStrike">
-                <a:solidFill>
-                  <a:srgbClr val="ffffff"/>
-                </a:solidFill>
-                <a:latin typeface="Arial"/>
-              </a:rPr>
-              <a:t>调用和</a:t>
-            </a:r>
-            <a:endParaRPr b="0" lang="en-US" sz="1800" spc="-1" strike="noStrike">
-              <a:latin typeface="Arial"/>
-            </a:endParaRPr>
-          </a:p>
-          <a:p>
-            <a:r>
-              <a:rPr b="0" lang="en-US" sz="1800" spc="-1" strike="noStrike">
-                <a:solidFill>
-                  <a:srgbClr val="ffffff"/>
-                </a:solidFill>
-                <a:latin typeface="Arial"/>
-              </a:rPr>
-              <a:t>接受到的信</a:t>
-            </a:r>
-            <a:r>
-              <a:rPr b="0" lang="en-US" sz="1800" spc="-1" strike="noStrike">
-                <a:solidFill>
-                  <a:srgbClr val="ffffff"/>
-                </a:solidFill>
-                <a:latin typeface="Arial"/>
-              </a:rPr>
-              <a:t>号，并将系统</a:t>
-            </a:r>
-            <a:r>
-              <a:rPr b="0" lang="en-US" sz="1800" spc="-1" strike="noStrike">
-                <a:solidFill>
-                  <a:srgbClr val="ffffff"/>
-                </a:solidFill>
-                <a:latin typeface="Arial"/>
-              </a:rPr>
-              <a:t>调用名、参</a:t>
-            </a:r>
-            <a:r>
-              <a:rPr b="0" lang="en-US" sz="1800" spc="-1" strike="noStrike">
-                <a:solidFill>
-                  <a:srgbClr val="ffffff"/>
-                </a:solidFill>
-                <a:latin typeface="Arial"/>
-              </a:rPr>
-              <a:t>数，返回值及</a:t>
-            </a:r>
-            <a:r>
-              <a:rPr b="0" lang="en-US" sz="1800" spc="-1" strike="noStrike">
-                <a:solidFill>
-                  <a:srgbClr val="ffffff"/>
-                </a:solidFill>
-                <a:latin typeface="Arial"/>
-              </a:rPr>
-              <a:t>信号名输出到</a:t>
-            </a:r>
-            <a:r>
-              <a:rPr b="0" lang="en-US" sz="1800" spc="-1" strike="noStrike">
-                <a:solidFill>
-                  <a:srgbClr val="ffffff"/>
-                </a:solidFill>
-                <a:latin typeface="Arial"/>
-              </a:rPr>
-              <a:t>标准输出或指</a:t>
-            </a:r>
-            <a:r>
-              <a:rPr b="0" lang="en-US" sz="1800" spc="-1" strike="noStrike">
-                <a:solidFill>
-                  <a:srgbClr val="ffffff"/>
-                </a:solidFill>
-                <a:latin typeface="Arial"/>
-              </a:rPr>
-              <a:t>定的文件。</a:t>
-            </a:r>
-            <a:endParaRPr b="0" lang="en-US" sz="1800" spc="-1" strike="noStrike">
-              <a:latin typeface="Arial"/>
-            </a:endParaRPr>
-          </a:p>
-          <a:p>
-            <a:endParaRPr b="0" lang="en-US" sz="1800" spc="-1" strike="noStrike">
-              <a:latin typeface="Arial"/>
-            </a:endParaRPr>
-          </a:p>
-          <a:p>
-            <a:r>
-              <a:rPr b="0" lang="en-US" sz="1800" spc="-1" strike="noStrike">
-                <a:solidFill>
-                  <a:srgbClr val="ffffff"/>
-                </a:solidFill>
-                <a:latin typeface="Arial"/>
-              </a:rPr>
-              <a:t>4. netstat</a:t>
-            </a:r>
-            <a:r>
-              <a:rPr b="0" lang="en-US" sz="1800" spc="-1" strike="noStrike">
-                <a:solidFill>
-                  <a:srgbClr val="ffffff"/>
-                </a:solidFill>
-                <a:latin typeface="Arial"/>
-              </a:rPr>
-              <a:t>：网络</a:t>
-            </a:r>
-            <a:r>
-              <a:rPr b="0" lang="en-US" sz="1800" spc="-1" strike="noStrike">
-                <a:solidFill>
-                  <a:srgbClr val="ffffff"/>
-                </a:solidFill>
-                <a:latin typeface="Arial"/>
-              </a:rPr>
-              <a:t>信息统计工</a:t>
-            </a:r>
-            <a:r>
-              <a:rPr b="0" lang="en-US" sz="1800" spc="-1" strike="noStrike">
-                <a:solidFill>
-                  <a:srgbClr val="ffffff"/>
-                </a:solidFill>
-                <a:latin typeface="Arial"/>
-              </a:rPr>
-              <a:t>具。可以打印</a:t>
-            </a:r>
-            <a:r>
-              <a:rPr b="0" lang="en-US" sz="1800" spc="-1" strike="noStrike">
-                <a:solidFill>
-                  <a:srgbClr val="ffffff"/>
-                </a:solidFill>
-                <a:latin typeface="Arial"/>
-              </a:rPr>
-              <a:t>本地网卡</a:t>
-            </a:r>
-            <a:endParaRPr b="0" lang="en-US" sz="1800" spc="-1" strike="noStrike">
-              <a:latin typeface="Arial"/>
-            </a:endParaRPr>
-          </a:p>
-          <a:p>
-            <a:r>
-              <a:rPr b="0" lang="en-US" sz="1800" spc="-1" strike="noStrike">
-                <a:solidFill>
-                  <a:srgbClr val="ffffff"/>
-                </a:solidFill>
-                <a:latin typeface="Arial"/>
-              </a:rPr>
-              <a:t>接口上的全部</a:t>
-            </a:r>
-            <a:r>
-              <a:rPr b="0" lang="en-US" sz="1800" spc="-1" strike="noStrike">
-                <a:solidFill>
-                  <a:srgbClr val="ffffff"/>
-                </a:solidFill>
-                <a:latin typeface="Arial"/>
-              </a:rPr>
-              <a:t>连接、路由表</a:t>
-            </a:r>
-            <a:r>
-              <a:rPr b="0" lang="en-US" sz="1800" spc="-1" strike="noStrike">
-                <a:solidFill>
-                  <a:srgbClr val="ffffff"/>
-                </a:solidFill>
-                <a:latin typeface="Arial"/>
-              </a:rPr>
-              <a:t>信息、网卡信</a:t>
-            </a:r>
-            <a:r>
-              <a:rPr b="0" lang="en-US" sz="1800" spc="-1" strike="noStrike">
-                <a:solidFill>
-                  <a:srgbClr val="ffffff"/>
-                </a:solidFill>
-                <a:latin typeface="Arial"/>
-              </a:rPr>
-              <a:t>息。</a:t>
-            </a:r>
-            <a:endParaRPr b="0" lang="en-US" sz="1800" spc="-1" strike="noStrike">
-              <a:latin typeface="Arial"/>
-            </a:endParaRPr>
-          </a:p>
-          <a:p>
-            <a:endParaRPr b="0" lang="en-US" sz="1800" spc="-1" strike="noStrike">
-              <a:latin typeface="Arial"/>
-            </a:endParaRPr>
-          </a:p>
-          <a:p>
-            <a:r>
-              <a:rPr b="0" lang="en-US" sz="1800" spc="-1" strike="noStrike">
-                <a:solidFill>
-                  <a:srgbClr val="ffffff"/>
-                </a:solidFill>
-                <a:latin typeface="Arial"/>
-              </a:rPr>
-              <a:t>5. vmstat</a:t>
-            </a:r>
-            <a:r>
-              <a:rPr b="0" lang="en-US" sz="1800" spc="-1" strike="noStrike">
-                <a:solidFill>
-                  <a:srgbClr val="ffffff"/>
-                </a:solidFill>
-                <a:latin typeface="Arial"/>
-              </a:rPr>
-              <a:t>：能输</a:t>
-            </a:r>
-            <a:r>
-              <a:rPr b="0" lang="en-US" sz="1800" spc="-1" strike="noStrike">
-                <a:solidFill>
-                  <a:srgbClr val="ffffff"/>
-                </a:solidFill>
-                <a:latin typeface="Arial"/>
-              </a:rPr>
-              <a:t>出系统的各种</a:t>
-            </a:r>
-            <a:r>
-              <a:rPr b="0" lang="en-US" sz="1800" spc="-1" strike="noStrike">
-                <a:solidFill>
-                  <a:srgbClr val="ffffff"/>
-                </a:solidFill>
-                <a:latin typeface="Arial"/>
-              </a:rPr>
-              <a:t>资料的使用情</a:t>
-            </a:r>
-            <a:r>
-              <a:rPr b="0" lang="en-US" sz="1800" spc="-1" strike="noStrike">
-                <a:solidFill>
-                  <a:srgbClr val="ffffff"/>
-                </a:solidFill>
-                <a:latin typeface="Arial"/>
-              </a:rPr>
-              <a:t>况，比如进程</a:t>
-            </a:r>
-            <a:r>
-              <a:rPr b="0" lang="en-US" sz="1800" spc="-1" strike="noStrike">
-                <a:solidFill>
-                  <a:srgbClr val="ffffff"/>
-                </a:solidFill>
-                <a:latin typeface="Arial"/>
-              </a:rPr>
-              <a:t>信息、内层使</a:t>
-            </a:r>
-            <a:r>
-              <a:rPr b="0" lang="en-US" sz="1800" spc="-1" strike="noStrike">
-                <a:solidFill>
-                  <a:srgbClr val="ffffff"/>
-                </a:solidFill>
-                <a:latin typeface="Arial"/>
-              </a:rPr>
-              <a:t>用、</a:t>
-            </a:r>
-            <a:r>
-              <a:rPr b="0" lang="en-US" sz="1800" spc="-1" strike="noStrike">
-                <a:solidFill>
-                  <a:srgbClr val="ffffff"/>
-                </a:solidFill>
-                <a:latin typeface="Arial"/>
-              </a:rPr>
-              <a:t>cpu</a:t>
-            </a:r>
-            <a:r>
-              <a:rPr b="0" lang="en-US" sz="1800" spc="-1" strike="noStrike">
-                <a:solidFill>
-                  <a:srgbClr val="ffffff"/>
-                </a:solidFill>
-                <a:latin typeface="Arial"/>
-              </a:rPr>
-              <a:t>使用</a:t>
-            </a:r>
-            <a:r>
-              <a:rPr b="0" lang="en-US" sz="1800" spc="-1" strike="noStrike">
-                <a:solidFill>
-                  <a:srgbClr val="ffffff"/>
-                </a:solidFill>
-                <a:latin typeface="Arial"/>
-              </a:rPr>
-              <a:t>率、</a:t>
-            </a:r>
-            <a:r>
-              <a:rPr b="0" lang="en-US" sz="1800" spc="-1" strike="noStrike">
-                <a:solidFill>
-                  <a:srgbClr val="ffffff"/>
-                </a:solidFill>
-                <a:latin typeface="Arial"/>
-              </a:rPr>
-              <a:t>io</a:t>
-            </a:r>
-            <a:r>
-              <a:rPr b="0" lang="en-US" sz="1800" spc="-1" strike="noStrike">
-                <a:solidFill>
-                  <a:srgbClr val="ffffff"/>
-                </a:solidFill>
-                <a:latin typeface="Arial"/>
-              </a:rPr>
-              <a:t>使用情</a:t>
-            </a:r>
-            <a:r>
-              <a:rPr b="0" lang="en-US" sz="1800" spc="-1" strike="noStrike">
-                <a:solidFill>
-                  <a:srgbClr val="ffffff"/>
-                </a:solidFill>
-                <a:latin typeface="Arial"/>
-              </a:rPr>
-              <a:t>况。</a:t>
-            </a:r>
-            <a:endParaRPr b="0" lang="en-US" sz="1800" spc="-1" strike="noStrike">
-              <a:latin typeface="Arial"/>
-            </a:endParaRPr>
-          </a:p>
-          <a:p>
-            <a:endParaRPr b="0" lang="en-US" sz="1800" spc="-1" strike="noStrike">
-              <a:latin typeface="Arial"/>
-            </a:endParaRPr>
-          </a:p>
-          <a:p>
-            <a:r>
-              <a:rPr b="0" lang="en-US" sz="1800" spc="-1" strike="noStrike">
-                <a:solidFill>
-                  <a:srgbClr val="ffffff"/>
-                </a:solidFill>
-                <a:latin typeface="Arial"/>
-              </a:rPr>
-              <a:t> </a:t>
-            </a:r>
-            <a:endParaRPr b="0" lang="en-US" sz="1800" spc="-1" strike="noStrike">
-              <a:latin typeface="Arial"/>
-            </a:endParaRPr>
-          </a:p>
-          <a:p>
-            <a:endParaRPr b="0" lang="en-US" sz="1800" spc="-1" strike="noStrike">
-              <a:latin typeface="Arial"/>
-            </a:endParaRPr>
-          </a:p>
-          <a:p>
-            <a:endParaRPr b="0" lang="en-US" sz="1800" spc="-1" strike="noStrike">
-              <a:latin typeface="Arial"/>
-            </a:endParaRPr>
-          </a:p>
-          <a:p>
-            <a:endParaRPr b="0" lang="en-US" sz="1800" spc="-1" strike="noStrike">
-              <a:latin typeface="Arial"/>
-            </a:endParaRPr>
-          </a:p>
-          <a:p>
-            <a:endParaRPr b="0" lang="en-US" sz="1800" spc="-1" strike="noStrike">
-              <a:latin typeface="Arial"/>
-            </a:endParaRPr>
-          </a:p>
-          <a:p>
-            <a:endParaRPr b="0" lang="en-US" sz="1800" spc="-1" strike="noStrike">
-              <a:latin typeface="Arial"/>
-            </a:endParaRPr>
-          </a:p>
-          <a:p>
-            <a:endParaRPr b="0" lang="en-US" sz="1800" spc="-1" strike="noStrike">
-              <a:latin typeface="Arial"/>
-            </a:endParaRPr>
-          </a:p>
-          <a:p>
+              <a:t>linux</a:t>
+            </a:r>
+            <a:r>
+              <a:rPr b="0" lang="en-US" sz="1800" spc="-1" strike="noStrike">
+                <a:solidFill>
+                  <a:srgbClr val="ffffff"/>
+                </a:solidFill>
+                <a:latin typeface="Arial"/>
+              </a:rPr>
+              <a:t>下进程间通信方式：</a:t>
+            </a:r>
+            <a:endParaRPr b="0" lang="en-US" sz="1800" spc="-1" strike="noStrike">
+              <a:latin typeface="Arial"/>
+            </a:endParaRPr>
+          </a:p>
+          <a:p>
+            <a:endParaRPr b="0" lang="en-US" sz="1800" spc="-1" strike="noStrike">
+              <a:latin typeface="Arial"/>
+            </a:endParaRPr>
+          </a:p>
+          <a:p>
+            <a:r>
+              <a:rPr b="0" lang="en-US" sz="1800" spc="-1" strike="noStrike">
+                <a:solidFill>
+                  <a:srgbClr val="ffffff"/>
+                </a:solidFill>
+                <a:latin typeface="Arial"/>
+              </a:rPr>
+              <a:t>                                   </a:t>
+            </a:r>
+            <a:r>
+              <a:rPr b="0" lang="en-US" sz="1800" spc="-1" strike="noStrike">
+                <a:solidFill>
+                  <a:srgbClr val="ffffff"/>
+                </a:solidFill>
+                <a:latin typeface="Arial"/>
+              </a:rPr>
+              <a:t>1. </a:t>
+            </a:r>
+            <a:r>
+              <a:rPr b="0" lang="en-US" sz="1800" spc="-1" strike="noStrike">
+                <a:solidFill>
+                  <a:srgbClr val="ffffff"/>
+                </a:solidFill>
+                <a:latin typeface="Arial"/>
+              </a:rPr>
+              <a:t>匿名管道</a:t>
+            </a:r>
+            <a:r>
+              <a:rPr b="0" lang="en-US" sz="1800" spc="-1" strike="noStrike">
+                <a:solidFill>
+                  <a:srgbClr val="ffffff"/>
+                </a:solidFill>
+                <a:latin typeface="Arial"/>
+              </a:rPr>
+              <a:t>pipe</a:t>
+            </a:r>
+            <a:endParaRPr b="0" lang="en-US" sz="1800" spc="-1" strike="noStrike">
+              <a:latin typeface="Arial"/>
+            </a:endParaRPr>
+          </a:p>
+          <a:p>
+            <a:r>
+              <a:rPr b="0" lang="en-US" sz="1800" spc="-1" strike="noStrike">
+                <a:solidFill>
+                  <a:srgbClr val="ffffff"/>
+                </a:solidFill>
+                <a:latin typeface="Arial"/>
+              </a:rPr>
+              <a:t>	</a:t>
+            </a:r>
+            <a:r>
+              <a:rPr b="0" lang="en-US" sz="1800" spc="-1" strike="noStrike">
+                <a:solidFill>
+                  <a:srgbClr val="ffffff"/>
+                </a:solidFill>
+                <a:latin typeface="Arial"/>
+              </a:rPr>
+              <a:t>                            </a:t>
+            </a:r>
+            <a:r>
+              <a:rPr b="0" lang="en-US" sz="1800" spc="-1" strike="noStrike">
+                <a:solidFill>
+                  <a:srgbClr val="ffffff"/>
+                </a:solidFill>
+                <a:latin typeface="Arial"/>
+              </a:rPr>
+              <a:t>2. </a:t>
+            </a:r>
+            <a:r>
+              <a:rPr b="0" lang="en-US" sz="1800" spc="-1" strike="noStrike">
+                <a:solidFill>
+                  <a:srgbClr val="ffffff"/>
+                </a:solidFill>
+                <a:latin typeface="Arial"/>
+              </a:rPr>
+              <a:t>具名管道</a:t>
+            </a:r>
+            <a:r>
+              <a:rPr b="0" lang="en-US" sz="1800" spc="-1" strike="noStrike">
+                <a:solidFill>
+                  <a:srgbClr val="ffffff"/>
+                </a:solidFill>
+                <a:latin typeface="Arial"/>
+              </a:rPr>
+              <a:t>FIFO</a:t>
+            </a:r>
+            <a:endParaRPr b="0" lang="en-US" sz="1800" spc="-1" strike="noStrike">
+              <a:latin typeface="Arial"/>
+            </a:endParaRPr>
+          </a:p>
+          <a:p>
+            <a:r>
+              <a:rPr b="0" lang="en-US" sz="1800" spc="-1" strike="noStrike">
+                <a:solidFill>
+                  <a:srgbClr val="ffffff"/>
+                </a:solidFill>
+                <a:latin typeface="Arial"/>
+              </a:rPr>
+              <a:t>	</a:t>
+            </a:r>
+            <a:r>
+              <a:rPr b="0" lang="en-US" sz="1800" spc="-1" strike="noStrike">
+                <a:solidFill>
+                  <a:srgbClr val="ffffff"/>
+                </a:solidFill>
+                <a:latin typeface="Arial"/>
+              </a:rPr>
+              <a:t>   </a:t>
+            </a:r>
+            <a:r>
+              <a:rPr b="0" lang="en-US" sz="1800" spc="-1" strike="noStrike">
+                <a:solidFill>
+                  <a:srgbClr val="ffffff"/>
+                </a:solidFill>
+                <a:latin typeface="Arial"/>
+              </a:rPr>
+              <a:t>	</a:t>
+            </a:r>
+            <a:r>
+              <a:rPr b="0" lang="en-US" sz="1800" spc="-1" strike="noStrike">
+                <a:solidFill>
+                  <a:srgbClr val="ffffff"/>
+                </a:solidFill>
+                <a:latin typeface="Arial"/>
+              </a:rPr>
+              <a:t>	</a:t>
+            </a:r>
+            <a:r>
+              <a:rPr b="0" lang="en-US" sz="1800" spc="-1" strike="noStrike">
+                <a:solidFill>
+                  <a:srgbClr val="ffffff"/>
+                </a:solidFill>
+                <a:latin typeface="Arial"/>
+              </a:rPr>
+              <a:t>	</a:t>
+            </a:r>
+            <a:r>
+              <a:rPr b="0" lang="en-US" sz="1800" spc="-1" strike="noStrike">
+                <a:solidFill>
+                  <a:srgbClr val="ffffff"/>
+                </a:solidFill>
+                <a:latin typeface="Arial"/>
+              </a:rPr>
+              <a:t>	</a:t>
+            </a:r>
+            <a:r>
+              <a:rPr b="0" lang="en-US" sz="1800" spc="-1" strike="noStrike">
+                <a:solidFill>
+                  <a:srgbClr val="ffffff"/>
+                </a:solidFill>
+                <a:latin typeface="Arial"/>
+              </a:rPr>
+              <a:t>3.  POSIX</a:t>
+            </a:r>
+            <a:r>
+              <a:rPr b="0" lang="en-US" sz="1800" spc="-1" strike="noStrike">
+                <a:solidFill>
+                  <a:srgbClr val="ffffff"/>
+                </a:solidFill>
+                <a:latin typeface="Arial"/>
+              </a:rPr>
+              <a:t>消息队列</a:t>
+            </a:r>
+            <a:endParaRPr b="0" lang="en-US" sz="1800" spc="-1" strike="noStrike">
+              <a:latin typeface="Arial"/>
+            </a:endParaRPr>
+          </a:p>
+          <a:p>
+            <a:r>
+              <a:rPr b="0" lang="en-US" sz="1800" spc="-1" strike="noStrike">
+                <a:solidFill>
+                  <a:srgbClr val="ffffff"/>
+                </a:solidFill>
+                <a:latin typeface="Arial"/>
+              </a:rPr>
+              <a:t>	</a:t>
+            </a:r>
+            <a:r>
+              <a:rPr b="0" lang="en-US" sz="1800" spc="-1" strike="noStrike">
+                <a:solidFill>
+                  <a:srgbClr val="ffffff"/>
+                </a:solidFill>
+                <a:latin typeface="Arial"/>
+              </a:rPr>
+              <a:t>	</a:t>
+            </a:r>
+            <a:r>
+              <a:rPr b="0" lang="en-US" sz="1800" spc="-1" strike="noStrike">
+                <a:solidFill>
+                  <a:srgbClr val="ffffff"/>
+                </a:solidFill>
+                <a:latin typeface="Arial"/>
+              </a:rPr>
+              <a:t>	</a:t>
+            </a:r>
+            <a:r>
+              <a:rPr b="0" lang="en-US" sz="1800" spc="-1" strike="noStrike">
+                <a:solidFill>
+                  <a:srgbClr val="ffffff"/>
+                </a:solidFill>
+                <a:latin typeface="Arial"/>
+              </a:rPr>
+              <a:t>	</a:t>
+            </a:r>
+            <a:r>
+              <a:rPr b="0" lang="en-US" sz="1800" spc="-1" strike="noStrike">
+                <a:solidFill>
+                  <a:srgbClr val="ffffff"/>
+                </a:solidFill>
+                <a:latin typeface="Arial"/>
+              </a:rPr>
+              <a:t>	</a:t>
+            </a:r>
+            <a:r>
+              <a:rPr b="0" lang="en-US" sz="1800" spc="-1" strike="noStrike">
+                <a:solidFill>
+                  <a:srgbClr val="ffffff"/>
+                </a:solidFill>
+                <a:latin typeface="Arial"/>
+              </a:rPr>
+              <a:t>4. </a:t>
+            </a:r>
+            <a:r>
+              <a:rPr b="0" lang="en-US" sz="1800" spc="-1" strike="noStrike">
+                <a:solidFill>
+                  <a:srgbClr val="ffffff"/>
+                </a:solidFill>
+                <a:latin typeface="Arial"/>
+              </a:rPr>
+              <a:t>共享内存</a:t>
+            </a:r>
+            <a:endParaRPr b="0" lang="en-US" sz="1800" spc="-1" strike="noStrike">
+              <a:latin typeface="Arial"/>
+            </a:endParaRPr>
+          </a:p>
+          <a:p>
+            <a:r>
+              <a:rPr b="0" lang="en-US" sz="1800" spc="-1" strike="noStrike">
+                <a:solidFill>
+                  <a:srgbClr val="ffffff"/>
+                </a:solidFill>
+                <a:latin typeface="Arial"/>
+              </a:rPr>
+              <a:t>	</a:t>
+            </a:r>
+            <a:r>
+              <a:rPr b="0" lang="en-US" sz="1800" spc="-1" strike="noStrike">
+                <a:solidFill>
+                  <a:srgbClr val="ffffff"/>
+                </a:solidFill>
+                <a:latin typeface="Arial"/>
+              </a:rPr>
+              <a:t>	</a:t>
+            </a:r>
+            <a:r>
+              <a:rPr b="0" lang="en-US" sz="1800" spc="-1" strike="noStrike">
+                <a:solidFill>
+                  <a:srgbClr val="ffffff"/>
+                </a:solidFill>
+                <a:latin typeface="Arial"/>
+              </a:rPr>
+              <a:t>	</a:t>
+            </a:r>
+            <a:r>
+              <a:rPr b="0" lang="en-US" sz="1800" spc="-1" strike="noStrike">
+                <a:solidFill>
+                  <a:srgbClr val="ffffff"/>
+                </a:solidFill>
+                <a:latin typeface="Arial"/>
+              </a:rPr>
+              <a:t>	</a:t>
+            </a:r>
+            <a:r>
+              <a:rPr b="0" lang="en-US" sz="1800" spc="-1" strike="noStrike">
+                <a:solidFill>
+                  <a:srgbClr val="ffffff"/>
+                </a:solidFill>
+                <a:latin typeface="Arial"/>
+              </a:rPr>
+              <a:t>	</a:t>
+            </a:r>
+            <a:r>
+              <a:rPr b="0" lang="en-US" sz="1800" spc="-1" strike="noStrike">
+                <a:solidFill>
+                  <a:srgbClr val="ffffff"/>
+                </a:solidFill>
+                <a:latin typeface="Arial"/>
+              </a:rPr>
+              <a:t>5. </a:t>
+            </a:r>
+            <a:r>
+              <a:rPr b="0" lang="en-US" sz="1800" spc="-1" strike="noStrike">
+                <a:solidFill>
+                  <a:srgbClr val="ffffff"/>
+                </a:solidFill>
+                <a:latin typeface="Arial"/>
+              </a:rPr>
+              <a:t>信号</a:t>
+            </a:r>
+            <a:endParaRPr b="0" lang="en-US" sz="1800" spc="-1" strike="noStrike">
+              <a:latin typeface="Arial"/>
+            </a:endParaRPr>
+          </a:p>
+          <a:p>
+            <a:r>
+              <a:rPr b="0" lang="en-US" sz="1800" spc="-1" strike="noStrike">
+                <a:solidFill>
+                  <a:srgbClr val="ffffff"/>
+                </a:solidFill>
+                <a:latin typeface="Arial"/>
+              </a:rPr>
+              <a:t>	</a:t>
+            </a:r>
+            <a:r>
+              <a:rPr b="0" lang="en-US" sz="1800" spc="-1" strike="noStrike">
+                <a:solidFill>
+                  <a:srgbClr val="ffffff"/>
+                </a:solidFill>
+                <a:latin typeface="Arial"/>
+              </a:rPr>
+              <a:t>	</a:t>
+            </a:r>
+            <a:r>
+              <a:rPr b="0" lang="en-US" sz="1800" spc="-1" strike="noStrike">
+                <a:solidFill>
+                  <a:srgbClr val="ffffff"/>
+                </a:solidFill>
+                <a:latin typeface="Arial"/>
+              </a:rPr>
+              <a:t>	</a:t>
+            </a:r>
+            <a:r>
+              <a:rPr b="0" lang="en-US" sz="1800" spc="-1" strike="noStrike">
+                <a:solidFill>
+                  <a:srgbClr val="ffffff"/>
+                </a:solidFill>
+                <a:latin typeface="Arial"/>
+              </a:rPr>
+              <a:t>	</a:t>
+            </a:r>
+            <a:r>
+              <a:rPr b="0" lang="en-US" sz="1800" spc="-1" strike="noStrike">
+                <a:solidFill>
+                  <a:srgbClr val="ffffff"/>
+                </a:solidFill>
+                <a:latin typeface="Arial"/>
+              </a:rPr>
+              <a:t>	</a:t>
+            </a:r>
+            <a:r>
+              <a:rPr b="0" lang="en-US" sz="1800" spc="-1" strike="noStrike">
+                <a:solidFill>
+                  <a:srgbClr val="ffffff"/>
+                </a:solidFill>
+                <a:latin typeface="Arial"/>
+              </a:rPr>
+              <a:t>6.  socket</a:t>
+            </a:r>
+            <a:endParaRPr b="0" lang="en-US" sz="1800" spc="-1" strike="noStrike">
+              <a:latin typeface="Arial"/>
+            </a:endParaRPr>
+          </a:p>
+          <a:p>
+            <a:r>
+              <a:rPr b="0" lang="en-US" sz="1800" spc="-1" strike="noStrike">
+                <a:solidFill>
+                  <a:srgbClr val="ffffff"/>
+                </a:solidFill>
+                <a:latin typeface="Arial"/>
+              </a:rPr>
+              <a:t>     </a:t>
+            </a:r>
+            <a:r>
+              <a:rPr b="0" lang="en-US" sz="1800" spc="-1" strike="noStrike">
+                <a:solidFill>
+                  <a:srgbClr val="ffffff"/>
+                </a:solidFill>
+                <a:latin typeface="Arial"/>
+              </a:rPr>
+              <a:t>进程间通信要首选</a:t>
+            </a:r>
+            <a:r>
+              <a:rPr b="0" lang="en-US" sz="1800" spc="-1" strike="noStrike">
+                <a:solidFill>
+                  <a:srgbClr val="ffffff"/>
+                </a:solidFill>
+                <a:latin typeface="Arial"/>
+              </a:rPr>
+              <a:t>socket, </a:t>
+            </a:r>
+            <a:r>
+              <a:rPr b="0" lang="en-US" sz="1800" spc="-1" strike="noStrike">
+                <a:solidFill>
+                  <a:srgbClr val="ffffff"/>
+                </a:solidFill>
+                <a:latin typeface="Arial"/>
+              </a:rPr>
+              <a:t>其最大的好处是：可以跨主机，具有伸缩性。如果一台机器的处理能力不够，很自然的就能用多台机器来处理。</a:t>
+            </a:r>
             <a:endParaRPr b="0" lang="en-US" sz="1800" spc="-1" strike="noStrike">
               <a:latin typeface="Arial"/>
             </a:endParaRPr>
@@ -7048,8 +6996,8 @@
         </p:nvSpPr>
         <p:spPr>
           <a:xfrm>
-            <a:off x="504000" y="1080000"/>
-            <a:ext cx="9071640" cy="1728000"/>
+            <a:off x="731160" y="1512000"/>
+            <a:ext cx="10068840" cy="6169680"/>
           </a:xfrm>
           <a:prstGeom prst="rect">
             <a:avLst/>
@@ -7060,46 +7008,266 @@
           </a:ln>
         </p:spPr>
         <p:txBody>
-          <a:bodyPr lIns="0" rIns="0" tIns="0" bIns="0" anchor="ctr"/>
-          <a:p>
-            <a:pPr algn="ctr"/>
-            <a:endParaRPr b="0" lang="en-US" sz="5860" spc="-1" strike="noStrike">
-              <a:solidFill>
-                <a:srgbClr val="ffffff"/>
-              </a:solidFill>
-              <a:latin typeface="Arial"/>
-            </a:endParaRPr>
-          </a:p>
-        </p:txBody>
-      </p:sp>
-      <p:sp>
-        <p:nvSpPr>
-          <p:cNvPr id="177" name="TextShape 2"/>
-          <p:cNvSpPr txBox="1"/>
-          <p:nvPr/>
-        </p:nvSpPr>
-        <p:spPr>
-          <a:xfrm>
-            <a:off x="504000" y="3168000"/>
-            <a:ext cx="9071640" cy="3672000"/>
-          </a:xfrm>
-          <a:prstGeom prst="rect">
-            <a:avLst/>
-          </a:prstGeom>
-          <a:noFill/>
-          <a:ln>
-            <a:noFill/>
-          </a:ln>
-        </p:spPr>
-        <p:txBody>
-          <a:bodyPr lIns="0" rIns="0" tIns="0" bIns="0">
-            <a:normAutofit/>
-          </a:bodyPr>
-          <a:p>
-            <a:endParaRPr b="0" lang="en-US" sz="4260" spc="-1" strike="noStrike">
-              <a:solidFill>
-                <a:srgbClr val="ffffff"/>
-              </a:solidFill>
+          <a:bodyPr lIns="90000" rIns="90000" tIns="45000" bIns="45000"/>
+          <a:p>
+            <a:r>
+              <a:rPr b="0" lang="en-US" sz="1800" spc="-1" strike="noStrike">
+                <a:solidFill>
+                  <a:srgbClr val="ffffff"/>
+                </a:solidFill>
+                <a:latin typeface="Arial"/>
+              </a:rPr>
+              <a:t>讲一下服务器开发：</a:t>
+            </a:r>
+            <a:endParaRPr b="0" lang="en-US" sz="1800" spc="-1" strike="noStrike">
+              <a:latin typeface="Arial"/>
+            </a:endParaRPr>
+          </a:p>
+          <a:p>
+            <a:r>
+              <a:rPr b="0" lang="en-US" sz="1800" spc="-1" strike="noStrike">
+                <a:solidFill>
+                  <a:srgbClr val="ffffff"/>
+                </a:solidFill>
+                <a:latin typeface="Arial"/>
+              </a:rPr>
+              <a:t>        </a:t>
+            </a:r>
+            <a:r>
+              <a:rPr b="0" lang="en-US" sz="1800" spc="-1" strike="noStrike">
+                <a:solidFill>
+                  <a:srgbClr val="ffffff"/>
+                </a:solidFill>
+                <a:latin typeface="Arial"/>
+              </a:rPr>
+              <a:t>用一句话形容：跑在多核机器上的</a:t>
+            </a:r>
+            <a:r>
+              <a:rPr b="0" lang="en-US" sz="1800" spc="-1" strike="noStrike">
+                <a:solidFill>
+                  <a:srgbClr val="ffffff"/>
+                </a:solidFill>
+                <a:latin typeface="Arial"/>
+              </a:rPr>
+              <a:t>Linux</a:t>
+            </a:r>
+            <a:r>
+              <a:rPr b="0" lang="en-US" sz="1800" spc="-1" strike="noStrike">
+                <a:solidFill>
+                  <a:srgbClr val="ffffff"/>
+                </a:solidFill>
+                <a:latin typeface="Arial"/>
+              </a:rPr>
+              <a:t>用户态的没有用户界面的</a:t>
+            </a:r>
+            <a:endParaRPr b="0" lang="en-US" sz="1800" spc="-1" strike="noStrike">
+              <a:latin typeface="Arial"/>
+            </a:endParaRPr>
+          </a:p>
+          <a:p>
+            <a:r>
+              <a:rPr b="0" lang="en-US" sz="1800" spc="-1" strike="noStrike">
+                <a:solidFill>
+                  <a:srgbClr val="ffffff"/>
+                </a:solidFill>
+                <a:latin typeface="Arial"/>
+              </a:rPr>
+              <a:t>长期运行的网络应用程序。</a:t>
+            </a:r>
+            <a:endParaRPr b="0" lang="en-US" sz="1800" spc="-1" strike="noStrike">
+              <a:latin typeface="Arial"/>
+            </a:endParaRPr>
+          </a:p>
+          <a:p>
+            <a:endParaRPr b="0" lang="en-US" sz="1800" spc="-1" strike="noStrike">
+              <a:latin typeface="Arial"/>
+            </a:endParaRPr>
+          </a:p>
+          <a:p>
+            <a:r>
+              <a:rPr b="0" lang="en-US" sz="1800" spc="-1" strike="noStrike">
+                <a:solidFill>
+                  <a:srgbClr val="ffffff"/>
+                </a:solidFill>
+                <a:latin typeface="Arial"/>
+              </a:rPr>
+              <a:t>     </a:t>
+            </a:r>
+            <a:r>
+              <a:rPr b="0" lang="en-US" sz="1800" spc="-1" strike="noStrike">
+                <a:solidFill>
+                  <a:srgbClr val="ffffff"/>
+                </a:solidFill>
+                <a:latin typeface="Arial"/>
+              </a:rPr>
+              <a:t>开发服务端程序的一个基本任务是处理并发连接。大概有两种方式：</a:t>
+            </a:r>
+            <a:endParaRPr b="0" lang="en-US" sz="1800" spc="-1" strike="noStrike">
+              <a:latin typeface="Arial"/>
+            </a:endParaRPr>
+          </a:p>
+          <a:p>
+            <a:r>
+              <a:rPr b="0" lang="en-US" sz="1800" spc="-1" strike="noStrike">
+                <a:solidFill>
+                  <a:srgbClr val="ffffff"/>
+                </a:solidFill>
+                <a:latin typeface="Arial"/>
+              </a:rPr>
+              <a:t>1. </a:t>
+            </a:r>
+            <a:r>
+              <a:rPr b="0" lang="en-US" sz="1800" spc="-1" strike="noStrike">
+                <a:solidFill>
+                  <a:srgbClr val="ffffff"/>
+                </a:solidFill>
+                <a:latin typeface="Arial"/>
+              </a:rPr>
+              <a:t>一个线程只处理一个</a:t>
+            </a:r>
+            <a:r>
+              <a:rPr b="0" lang="en-US" sz="1800" spc="-1" strike="noStrike">
+                <a:solidFill>
+                  <a:srgbClr val="ffffff"/>
+                </a:solidFill>
+                <a:latin typeface="Arial"/>
+              </a:rPr>
+              <a:t>TCP</a:t>
+            </a:r>
+            <a:r>
+              <a:rPr b="0" lang="en-US" sz="1800" spc="-1" strike="noStrike">
+                <a:solidFill>
+                  <a:srgbClr val="ffffff"/>
+                </a:solidFill>
+                <a:latin typeface="Arial"/>
+              </a:rPr>
+              <a:t>连接，通常使用阻塞</a:t>
+            </a:r>
+            <a:r>
+              <a:rPr b="0" lang="en-US" sz="1800" spc="-1" strike="noStrike">
+                <a:solidFill>
+                  <a:srgbClr val="ffffff"/>
+                </a:solidFill>
+                <a:latin typeface="Arial"/>
+              </a:rPr>
+              <a:t>IO.</a:t>
+            </a:r>
+            <a:endParaRPr b="0" lang="en-US" sz="1800" spc="-1" strike="noStrike">
+              <a:latin typeface="Arial"/>
+            </a:endParaRPr>
+          </a:p>
+          <a:p>
+            <a:r>
+              <a:rPr b="0" lang="en-US" sz="1800" spc="-1" strike="noStrike">
+                <a:solidFill>
+                  <a:srgbClr val="ffffff"/>
+                </a:solidFill>
+                <a:latin typeface="Arial"/>
+              </a:rPr>
+              <a:t>2. </a:t>
+            </a:r>
+            <a:r>
+              <a:rPr b="0" lang="en-US" sz="1800" spc="-1" strike="noStrike">
+                <a:solidFill>
+                  <a:srgbClr val="ffffff"/>
+                </a:solidFill>
+                <a:latin typeface="Arial"/>
+              </a:rPr>
+              <a:t>一个线程处理多个</a:t>
+            </a:r>
+            <a:r>
+              <a:rPr b="0" lang="en-US" sz="1800" spc="-1" strike="noStrike">
+                <a:solidFill>
+                  <a:srgbClr val="ffffff"/>
+                </a:solidFill>
+                <a:latin typeface="Arial"/>
+              </a:rPr>
+              <a:t>TCP</a:t>
+            </a:r>
+            <a:r>
+              <a:rPr b="0" lang="en-US" sz="1800" spc="-1" strike="noStrike">
+                <a:solidFill>
+                  <a:srgbClr val="ffffff"/>
+                </a:solidFill>
+                <a:latin typeface="Arial"/>
+              </a:rPr>
+              <a:t>连接上的</a:t>
+            </a:r>
+            <a:r>
+              <a:rPr b="0" lang="en-US" sz="1800" spc="-1" strike="noStrike">
+                <a:solidFill>
+                  <a:srgbClr val="ffffff"/>
+                </a:solidFill>
+                <a:latin typeface="Arial"/>
+              </a:rPr>
+              <a:t>IO</a:t>
+            </a:r>
+            <a:r>
+              <a:rPr b="0" lang="en-US" sz="1800" spc="-1" strike="noStrike">
+                <a:solidFill>
+                  <a:srgbClr val="ffffff"/>
+                </a:solidFill>
+                <a:latin typeface="Arial"/>
+              </a:rPr>
+              <a:t>，通常使用非阻塞</a:t>
+            </a:r>
+            <a:r>
+              <a:rPr b="0" lang="en-US" sz="1800" spc="-1" strike="noStrike">
+                <a:solidFill>
+                  <a:srgbClr val="ffffff"/>
+                </a:solidFill>
+                <a:latin typeface="Arial"/>
+              </a:rPr>
+              <a:t>IO</a:t>
+            </a:r>
+            <a:r>
+              <a:rPr b="0" lang="en-US" sz="1800" spc="-1" strike="noStrike">
+                <a:solidFill>
+                  <a:srgbClr val="ffffff"/>
+                </a:solidFill>
+                <a:latin typeface="Arial"/>
+              </a:rPr>
+              <a:t>和</a:t>
+            </a:r>
+            <a:r>
+              <a:rPr b="0" lang="en-US" sz="1800" spc="-1" strike="noStrike">
+                <a:solidFill>
+                  <a:srgbClr val="ffffff"/>
+                </a:solidFill>
+                <a:latin typeface="Arial"/>
+              </a:rPr>
+              <a:t>I/O</a:t>
+            </a:r>
+            <a:r>
+              <a:rPr b="0" lang="en-US" sz="1800" spc="-1" strike="noStrike">
+                <a:solidFill>
+                  <a:srgbClr val="ffffff"/>
+                </a:solidFill>
+                <a:latin typeface="Arial"/>
+              </a:rPr>
+              <a:t>多路复用</a:t>
+            </a:r>
+            <a:endParaRPr b="0" lang="en-US" sz="1800" spc="-1" strike="noStrike">
+              <a:latin typeface="Arial"/>
+            </a:endParaRPr>
+          </a:p>
+          <a:p>
+            <a:endParaRPr b="0" lang="en-US" sz="1800" spc="-1" strike="noStrike">
+              <a:latin typeface="Arial"/>
+            </a:endParaRPr>
+          </a:p>
+          <a:p>
+            <a:endParaRPr b="0" lang="en-US" sz="1800" spc="-1" strike="noStrike">
+              <a:latin typeface="Arial"/>
+            </a:endParaRPr>
+          </a:p>
+          <a:p>
+            <a:endParaRPr b="0" lang="en-US" sz="1800" spc="-1" strike="noStrike">
+              <a:latin typeface="Arial"/>
+            </a:endParaRPr>
+          </a:p>
+          <a:p>
+            <a:endParaRPr b="0" lang="en-US" sz="1800" spc="-1" strike="noStrike">
               <a:latin typeface="Arial"/>
             </a:endParaRPr>
           </a:p>
@@ -7156,14 +7324,14 @@
       </p:grpSpPr>
       <p:sp>
         <p:nvSpPr>
-          <p:cNvPr id="178" name="TextShape 1"/>
+          <p:cNvPr id="177" name="TextShape 1"/>
           <p:cNvSpPr txBox="1"/>
           <p:nvPr/>
         </p:nvSpPr>
         <p:spPr>
           <a:xfrm>
-            <a:off x="504000" y="1080000"/>
-            <a:ext cx="9071640" cy="1728000"/>
+            <a:off x="731520" y="1512000"/>
+            <a:ext cx="10068840" cy="7307640"/>
           </a:xfrm>
           <a:prstGeom prst="rect">
             <a:avLst/>
@@ -7174,46 +7342,300 @@
           </a:ln>
         </p:spPr>
         <p:txBody>
-          <a:bodyPr lIns="0" rIns="0" tIns="0" bIns="0" anchor="ctr"/>
-          <a:p>
-            <a:pPr algn="ctr"/>
-            <a:endParaRPr b="0" lang="en-US" sz="5860" spc="-1" strike="noStrike">
-              <a:solidFill>
-                <a:srgbClr val="ffffff"/>
-              </a:solidFill>
-              <a:latin typeface="Arial"/>
-            </a:endParaRPr>
-          </a:p>
-        </p:txBody>
-      </p:sp>
-      <p:sp>
-        <p:nvSpPr>
-          <p:cNvPr id="179" name="TextShape 2"/>
-          <p:cNvSpPr txBox="1"/>
-          <p:nvPr/>
-        </p:nvSpPr>
-        <p:spPr>
-          <a:xfrm>
-            <a:off x="504000" y="3168000"/>
-            <a:ext cx="9071640" cy="3672000"/>
-          </a:xfrm>
-          <a:prstGeom prst="rect">
-            <a:avLst/>
-          </a:prstGeom>
-          <a:noFill/>
-          <a:ln>
-            <a:noFill/>
-          </a:ln>
-        </p:spPr>
-        <p:txBody>
-          <a:bodyPr lIns="0" rIns="0" tIns="0" bIns="0">
-            <a:normAutofit/>
-          </a:bodyPr>
-          <a:p>
-            <a:endParaRPr b="0" lang="en-US" sz="4260" spc="-1" strike="noStrike">
-              <a:solidFill>
-                <a:srgbClr val="ffffff"/>
-              </a:solidFill>
+          <a:bodyPr lIns="90000" rIns="90000" tIns="45000" bIns="45000"/>
+          <a:p>
+            <a:endParaRPr b="0" lang="en-US" sz="1800" spc="-1" strike="noStrike">
+              <a:latin typeface="Arial"/>
+            </a:endParaRPr>
+          </a:p>
+          <a:p>
+            <a:r>
+              <a:rPr b="0" lang="en-US" sz="1800" spc="-1" strike="noStrike">
+                <a:solidFill>
+                  <a:srgbClr val="ffffff"/>
+                </a:solidFill>
+                <a:latin typeface="Arial"/>
+              </a:rPr>
+              <a:t>        </a:t>
+            </a:r>
+            <a:r>
+              <a:rPr b="0" lang="en-US" sz="1800" spc="-1" strike="noStrike">
+                <a:solidFill>
+                  <a:srgbClr val="ffffff"/>
+                </a:solidFill>
+                <a:latin typeface="Arial"/>
+              </a:rPr>
+              <a:t>如果要在一台多核机器上提供一种服务，可用的模式有：</a:t>
+            </a:r>
+            <a:endParaRPr b="0" lang="en-US" sz="1800" spc="-1" strike="noStrike">
+              <a:latin typeface="Arial"/>
+            </a:endParaRPr>
+          </a:p>
+          <a:p>
+            <a:endParaRPr b="0" lang="en-US" sz="1800" spc="-1" strike="noStrike">
+              <a:latin typeface="Arial"/>
+            </a:endParaRPr>
+          </a:p>
+          <a:p>
+            <a:r>
+              <a:rPr b="0" lang="en-US" sz="1800" spc="-1" strike="noStrike">
+                <a:solidFill>
+                  <a:srgbClr val="ffffff"/>
+                </a:solidFill>
+                <a:latin typeface="Arial"/>
+              </a:rPr>
+              <a:t>     </a:t>
+            </a:r>
+            <a:r>
+              <a:rPr b="0" lang="en-US" sz="1800" spc="-1" strike="noStrike">
+                <a:solidFill>
+                  <a:srgbClr val="ffffff"/>
+                </a:solidFill>
+                <a:latin typeface="Arial"/>
+              </a:rPr>
+              <a:t>1. </a:t>
+            </a:r>
+            <a:r>
+              <a:rPr b="0" lang="en-US" sz="1800" spc="-1" strike="noStrike">
+                <a:solidFill>
+                  <a:srgbClr val="ffffff"/>
+                </a:solidFill>
+                <a:latin typeface="Arial"/>
+              </a:rPr>
+              <a:t>运行一个单线程的进程。</a:t>
+            </a:r>
+            <a:endParaRPr b="0" lang="en-US" sz="1800" spc="-1" strike="noStrike">
+              <a:latin typeface="Arial"/>
+            </a:endParaRPr>
+          </a:p>
+          <a:p>
+            <a:r>
+              <a:rPr b="0" lang="en-US" sz="1800" spc="-1" strike="noStrike">
+                <a:solidFill>
+                  <a:srgbClr val="ffffff"/>
+                </a:solidFill>
+                <a:latin typeface="Arial"/>
+              </a:rPr>
+              <a:t>                   </a:t>
+            </a:r>
+            <a:r>
+              <a:rPr b="0" lang="en-US" sz="1800" spc="-1" strike="noStrike">
+                <a:solidFill>
+                  <a:srgbClr val="ffffff"/>
+                </a:solidFill>
+                <a:latin typeface="Arial"/>
+              </a:rPr>
+              <a:t>优点：简单， 缺点：非抢占的。</a:t>
+            </a:r>
+            <a:endParaRPr b="0" lang="en-US" sz="1800" spc="-1" strike="noStrike">
+              <a:latin typeface="Arial"/>
+            </a:endParaRPr>
+          </a:p>
+          <a:p>
+            <a:r>
+              <a:rPr b="0" lang="en-US" sz="1800" spc="-1" strike="noStrike">
+                <a:solidFill>
+                  <a:srgbClr val="ffffff"/>
+                </a:solidFill>
+                <a:latin typeface="Arial"/>
+              </a:rPr>
+              <a:t>     </a:t>
+            </a:r>
+            <a:r>
+              <a:rPr b="0" lang="en-US" sz="1800" spc="-1" strike="noStrike">
+                <a:solidFill>
+                  <a:srgbClr val="ffffff"/>
+                </a:solidFill>
+                <a:latin typeface="Arial"/>
+              </a:rPr>
+              <a:t>2. </a:t>
+            </a:r>
+            <a:r>
+              <a:rPr b="0" lang="en-US" sz="1800" spc="-1" strike="noStrike">
+                <a:solidFill>
+                  <a:srgbClr val="ffffff"/>
+                </a:solidFill>
+                <a:latin typeface="Arial"/>
+              </a:rPr>
+              <a:t>运行一个多线程的进程。</a:t>
+            </a:r>
+            <a:endParaRPr b="0" lang="en-US" sz="1800" spc="-1" strike="noStrike">
+              <a:latin typeface="Arial"/>
+            </a:endParaRPr>
+          </a:p>
+          <a:p>
+            <a:r>
+              <a:rPr b="0" lang="en-US" sz="1800" spc="-1" strike="noStrike">
+                <a:solidFill>
+                  <a:srgbClr val="ffffff"/>
+                </a:solidFill>
+                <a:latin typeface="Arial"/>
+              </a:rPr>
+              <a:t>                    </a:t>
+            </a:r>
+            <a:r>
+              <a:rPr b="0" lang="en-US" sz="1800" spc="-1" strike="noStrike">
+                <a:solidFill>
+                  <a:srgbClr val="ffffff"/>
+                </a:solidFill>
+                <a:latin typeface="Arial"/>
+              </a:rPr>
+              <a:t>优点：提高响应速度， 缺点：多线程代码难写。</a:t>
+            </a:r>
+            <a:endParaRPr b="0" lang="en-US" sz="1800" spc="-1" strike="noStrike">
+              <a:latin typeface="Arial"/>
+            </a:endParaRPr>
+          </a:p>
+          <a:p>
+            <a:r>
+              <a:rPr b="0" lang="en-US" sz="1800" spc="-1" strike="noStrike">
+                <a:solidFill>
+                  <a:srgbClr val="ffffff"/>
+                </a:solidFill>
+                <a:latin typeface="Arial"/>
+              </a:rPr>
+              <a:t>     </a:t>
+            </a:r>
+            <a:r>
+              <a:rPr b="0" lang="en-US" sz="1800" spc="-1" strike="noStrike">
+                <a:solidFill>
+                  <a:srgbClr val="ffffff"/>
+                </a:solidFill>
+                <a:latin typeface="Arial"/>
+              </a:rPr>
+              <a:t>3. </a:t>
+            </a:r>
+            <a:r>
+              <a:rPr b="0" lang="en-US" sz="1800" spc="-1" strike="noStrike">
+                <a:solidFill>
+                  <a:srgbClr val="ffffff"/>
+                </a:solidFill>
+                <a:latin typeface="Arial"/>
+              </a:rPr>
+              <a:t>运行多个单线程的进程。</a:t>
+            </a:r>
+            <a:endParaRPr b="0" lang="en-US" sz="1800" spc="-1" strike="noStrike">
+              <a:latin typeface="Arial"/>
+            </a:endParaRPr>
+          </a:p>
+          <a:p>
+            <a:r>
+              <a:rPr b="0" lang="en-US" sz="1800" spc="-1" strike="noStrike">
+                <a:solidFill>
+                  <a:srgbClr val="ffffff"/>
+                </a:solidFill>
+                <a:latin typeface="Arial"/>
+              </a:rPr>
+              <a:t>	</a:t>
+            </a:r>
+            <a:r>
+              <a:rPr b="0" lang="en-US" sz="1800" spc="-1" strike="noStrike">
+                <a:solidFill>
+                  <a:srgbClr val="ffffff"/>
+                </a:solidFill>
+                <a:latin typeface="Arial"/>
+              </a:rPr>
+              <a:t>             </a:t>
+            </a:r>
+            <a:r>
+              <a:rPr b="0" lang="en-US" sz="1800" spc="-1" strike="noStrike">
+                <a:solidFill>
+                  <a:srgbClr val="ffffff"/>
+                </a:solidFill>
+                <a:latin typeface="Arial"/>
+              </a:rPr>
+              <a:t>优点：主流模式，比如</a:t>
+            </a:r>
+            <a:r>
+              <a:rPr b="0" lang="en-US" sz="1800" spc="-1" strike="noStrike">
+                <a:solidFill>
+                  <a:srgbClr val="ffffff"/>
+                </a:solidFill>
+                <a:latin typeface="Arial"/>
+              </a:rPr>
+              <a:t>httpd</a:t>
+            </a:r>
+            <a:endParaRPr b="0" lang="en-US" sz="1800" spc="-1" strike="noStrike">
+              <a:latin typeface="Arial"/>
+            </a:endParaRPr>
+          </a:p>
+          <a:p>
+            <a:endParaRPr b="0" lang="en-US" sz="1800" spc="-1" strike="noStrike">
+              <a:latin typeface="Arial"/>
+            </a:endParaRPr>
+          </a:p>
+          <a:p>
+            <a:r>
+              <a:rPr b="0" lang="en-US" sz="1800" spc="-1" strike="noStrike">
+                <a:solidFill>
+                  <a:srgbClr val="ffffff"/>
+                </a:solidFill>
+                <a:latin typeface="Arial"/>
+              </a:rPr>
+              <a:t>     </a:t>
+            </a:r>
+            <a:r>
+              <a:rPr b="0" lang="en-US" sz="1800" spc="-1" strike="noStrike">
+                <a:solidFill>
+                  <a:srgbClr val="ffffff"/>
+                </a:solidFill>
+                <a:latin typeface="Arial"/>
+              </a:rPr>
+              <a:t>4. </a:t>
+            </a:r>
+            <a:r>
+              <a:rPr b="0" lang="en-US" sz="1800" spc="-1" strike="noStrike">
+                <a:solidFill>
+                  <a:srgbClr val="ffffff"/>
+                </a:solidFill>
+                <a:latin typeface="Arial"/>
+              </a:rPr>
+              <a:t>运行多个多线程的进程。</a:t>
+            </a:r>
+            <a:endParaRPr b="0" lang="en-US" sz="1800" spc="-1" strike="noStrike">
+              <a:latin typeface="Arial"/>
+            </a:endParaRPr>
+          </a:p>
+          <a:p>
+            <a:r>
+              <a:rPr b="0" lang="en-US" sz="1800" spc="-1" strike="noStrike">
+                <a:solidFill>
+                  <a:srgbClr val="ffffff"/>
+                </a:solidFill>
+                <a:latin typeface="Arial"/>
+              </a:rPr>
+              <a:t>                                </a:t>
+            </a:r>
+            <a:r>
+              <a:rPr b="0" lang="en-US" sz="1800" spc="-1" strike="noStrike">
+                <a:solidFill>
+                  <a:srgbClr val="ffffff"/>
+                </a:solidFill>
+                <a:latin typeface="Arial"/>
+              </a:rPr>
+              <a:t>缺点：多线程代码难写</a:t>
+            </a:r>
+            <a:endParaRPr b="0" lang="en-US" sz="1800" spc="-1" strike="noStrike">
+              <a:latin typeface="Arial"/>
+            </a:endParaRPr>
+          </a:p>
+          <a:p>
+            <a:endParaRPr b="0" lang="en-US" sz="1800" spc="-1" strike="noStrike">
+              <a:latin typeface="Arial"/>
+            </a:endParaRPr>
+          </a:p>
+          <a:p>
+            <a:endParaRPr b="0" lang="en-US" sz="1800" spc="-1" strike="noStrike">
+              <a:latin typeface="Arial"/>
+            </a:endParaRPr>
+          </a:p>
+          <a:p>
+            <a:endParaRPr b="0" lang="en-US" sz="1800" spc="-1" strike="noStrike">
+              <a:latin typeface="Arial"/>
+            </a:endParaRPr>
+          </a:p>
+          <a:p>
+            <a:endParaRPr b="0" lang="en-US" sz="1800" spc="-1" strike="noStrike">
               <a:latin typeface="Arial"/>
             </a:endParaRPr>
           </a:p>
@@ -7270,14 +7692,14 @@
       </p:grpSpPr>
       <p:sp>
         <p:nvSpPr>
-          <p:cNvPr id="180" name="TextShape 1"/>
+          <p:cNvPr id="178" name="TextShape 1"/>
           <p:cNvSpPr txBox="1"/>
           <p:nvPr/>
         </p:nvSpPr>
         <p:spPr>
           <a:xfrm>
-            <a:off x="504000" y="301320"/>
-            <a:ext cx="9071640" cy="1262160"/>
+            <a:off x="432000" y="1571400"/>
+            <a:ext cx="10030680" cy="6126840"/>
           </a:xfrm>
           <a:prstGeom prst="rect">
             <a:avLst/>
@@ -7288,40 +7710,434 @@
           </a:ln>
         </p:spPr>
         <p:txBody>
-          <a:bodyPr lIns="0" rIns="0" tIns="0" bIns="0" anchor="ctr"/>
-          <a:p>
-            <a:pPr algn="ctr"/>
-            <a:endParaRPr b="0" lang="en-US" sz="4400" spc="-1" strike="noStrike">
-              <a:latin typeface="Arial"/>
-            </a:endParaRPr>
-          </a:p>
-        </p:txBody>
-      </p:sp>
-      <p:sp>
-        <p:nvSpPr>
-          <p:cNvPr id="181" name="TextShape 2"/>
-          <p:cNvSpPr txBox="1"/>
-          <p:nvPr/>
-        </p:nvSpPr>
-        <p:spPr>
-          <a:xfrm>
-            <a:off x="504000" y="1769040"/>
-            <a:ext cx="9071640" cy="4384440"/>
-          </a:xfrm>
-          <a:prstGeom prst="rect">
-            <a:avLst/>
-          </a:prstGeom>
-          <a:noFill/>
-          <a:ln>
-            <a:noFill/>
-          </a:ln>
-        </p:spPr>
-        <p:txBody>
-          <a:bodyPr lIns="0" rIns="0" tIns="0" bIns="0">
-            <a:normAutofit/>
-          </a:bodyPr>
-          <a:p>
-            <a:endParaRPr b="0" lang="en-US" sz="3200" spc="-1" strike="noStrike">
+          <a:bodyPr lIns="90000" rIns="90000" tIns="45000" bIns="45000"/>
+          <a:p>
+            <a:r>
+              <a:rPr b="0" lang="en-US" sz="1800" spc="-1" strike="noStrike">
+                <a:solidFill>
+                  <a:srgbClr val="ffffff"/>
+                </a:solidFill>
+                <a:latin typeface="Arial"/>
+              </a:rPr>
+              <a:t>讲一下</a:t>
+            </a:r>
+            <a:r>
+              <a:rPr b="0" lang="en-US" sz="1800" spc="-1" strike="noStrike">
+                <a:solidFill>
+                  <a:srgbClr val="ffffff"/>
+                </a:solidFill>
+                <a:latin typeface="Arial"/>
+              </a:rPr>
+              <a:t>I/O</a:t>
+            </a:r>
+            <a:r>
+              <a:rPr b="0" lang="en-US" sz="1800" spc="-1" strike="noStrike">
+                <a:solidFill>
+                  <a:srgbClr val="ffffff"/>
+                </a:solidFill>
+                <a:latin typeface="Arial"/>
+              </a:rPr>
+              <a:t>复用：</a:t>
+            </a:r>
+            <a:endParaRPr b="0" lang="en-US" sz="1800" spc="-1" strike="noStrike">
+              <a:latin typeface="Arial"/>
+            </a:endParaRPr>
+          </a:p>
+          <a:p>
+            <a:r>
+              <a:rPr b="0" lang="en-US" sz="1800" spc="-1" strike="noStrike">
+                <a:solidFill>
+                  <a:srgbClr val="ffffff"/>
+                </a:solidFill>
+                <a:latin typeface="Arial"/>
+              </a:rPr>
+              <a:t>        </a:t>
+            </a:r>
+            <a:r>
+              <a:rPr b="0" lang="en-US" sz="1800" spc="-1" strike="noStrike">
+                <a:solidFill>
+                  <a:srgbClr val="ffffff"/>
+                </a:solidFill>
+                <a:latin typeface="Arial"/>
+              </a:rPr>
+              <a:t>I/O</a:t>
+            </a:r>
+            <a:r>
+              <a:rPr b="0" lang="en-US" sz="1800" spc="-1" strike="noStrike">
+                <a:solidFill>
+                  <a:srgbClr val="ffffff"/>
+                </a:solidFill>
+                <a:latin typeface="Arial"/>
+              </a:rPr>
+              <a:t>复用使得程序能同时监听多个文件描述符，能提高程序的性能。</a:t>
+            </a:r>
+            <a:endParaRPr b="0" lang="en-US" sz="1800" spc="-1" strike="noStrike">
+              <a:latin typeface="Arial"/>
+            </a:endParaRPr>
+          </a:p>
+          <a:p>
+            <a:endParaRPr b="0" lang="en-US" sz="1800" spc="-1" strike="noStrike">
+              <a:latin typeface="Arial"/>
+            </a:endParaRPr>
+          </a:p>
+          <a:p>
+            <a:r>
+              <a:rPr b="0" lang="en-US" sz="1800" spc="-1" strike="noStrike">
+                <a:solidFill>
+                  <a:srgbClr val="ffffff"/>
+                </a:solidFill>
+                <a:latin typeface="Arial"/>
+              </a:rPr>
+              <a:t>     </a:t>
+            </a:r>
+            <a:r>
+              <a:rPr b="0" lang="en-US" sz="1800" spc="-1" strike="noStrike">
+                <a:solidFill>
+                  <a:srgbClr val="ffffff"/>
+                </a:solidFill>
+                <a:latin typeface="Arial"/>
+              </a:rPr>
+              <a:t> </a:t>
+            </a:r>
+            <a:r>
+              <a:rPr b="0" lang="en-US" sz="1800" spc="-1" strike="noStrike">
+                <a:solidFill>
+                  <a:srgbClr val="ffffff"/>
+                </a:solidFill>
+                <a:latin typeface="Arial"/>
+              </a:rPr>
+              <a:t>I/O</a:t>
+            </a:r>
+            <a:r>
+              <a:rPr b="0" lang="en-US" sz="1800" spc="-1" strike="noStrike">
+                <a:solidFill>
+                  <a:srgbClr val="ffffff"/>
+                </a:solidFill>
+                <a:latin typeface="Arial"/>
+              </a:rPr>
+              <a:t>复用虽然能同时监听多个文件描述符，但它本身是阻塞的。并且当</a:t>
+            </a:r>
+            <a:endParaRPr b="0" lang="en-US" sz="1800" spc="-1" strike="noStrike">
+              <a:latin typeface="Arial"/>
+            </a:endParaRPr>
+          </a:p>
+          <a:p>
+            <a:r>
+              <a:rPr b="0" lang="en-US" sz="1800" spc="-1" strike="noStrike">
+                <a:solidFill>
+                  <a:srgbClr val="ffffff"/>
+                </a:solidFill>
+                <a:latin typeface="Arial"/>
+              </a:rPr>
+              <a:t>多个文件描述符同时就绪时，如果不采取额外的措施，程序只能按顺序依次处理其中的每一个文件描述符，这使得服务器程序看起来像是串行工作的。如果要实现并发，只能使用多进程或多线程等编程手段。</a:t>
+            </a:r>
+            <a:endParaRPr b="0" lang="en-US" sz="1800" spc="-1" strike="noStrike">
+              <a:latin typeface="Arial"/>
+            </a:endParaRPr>
+          </a:p>
+          <a:p>
+            <a:r>
+              <a:rPr b="0" lang="en-US" sz="1800" spc="-1" strike="noStrike">
+                <a:solidFill>
+                  <a:srgbClr val="ffffff"/>
+                </a:solidFill>
+                <a:latin typeface="Arial"/>
+              </a:rPr>
+              <a:t>      </a:t>
+            </a:r>
+            <a:r>
+              <a:rPr b="0" lang="en-US" sz="1800" spc="-1" strike="noStrike">
+                <a:solidFill>
+                  <a:srgbClr val="ffffff"/>
+                </a:solidFill>
+                <a:latin typeface="Arial"/>
+              </a:rPr>
+              <a:t>Linux</a:t>
+            </a:r>
+            <a:r>
+              <a:rPr b="0" lang="en-US" sz="1800" spc="-1" strike="noStrike">
+                <a:solidFill>
+                  <a:srgbClr val="ffffff"/>
+                </a:solidFill>
+                <a:latin typeface="Arial"/>
+              </a:rPr>
+              <a:t>下实现</a:t>
+            </a:r>
+            <a:r>
+              <a:rPr b="0" lang="en-US" sz="1800" spc="-1" strike="noStrike">
+                <a:solidFill>
+                  <a:srgbClr val="ffffff"/>
+                </a:solidFill>
+                <a:latin typeface="Arial"/>
+              </a:rPr>
+              <a:t>I/O</a:t>
+            </a:r>
+            <a:r>
+              <a:rPr b="0" lang="en-US" sz="1800" spc="-1" strike="noStrike">
+                <a:solidFill>
+                  <a:srgbClr val="ffffff"/>
+                </a:solidFill>
+                <a:latin typeface="Arial"/>
+              </a:rPr>
+              <a:t>复用的系统调用有：</a:t>
+            </a:r>
+            <a:r>
+              <a:rPr b="0" lang="en-US" sz="1800" spc="-1" strike="noStrike">
+                <a:solidFill>
+                  <a:srgbClr val="ffffff"/>
+                </a:solidFill>
+                <a:latin typeface="Arial"/>
+              </a:rPr>
+              <a:t>select</a:t>
+            </a:r>
+            <a:r>
+              <a:rPr b="0" lang="en-US" sz="1800" spc="-1" strike="noStrike">
+                <a:solidFill>
+                  <a:srgbClr val="ffffff"/>
+                </a:solidFill>
+                <a:latin typeface="Arial"/>
+              </a:rPr>
+              <a:t>、</a:t>
+            </a:r>
+            <a:r>
+              <a:rPr b="0" lang="en-US" sz="1800" spc="-1" strike="noStrike">
+                <a:solidFill>
+                  <a:srgbClr val="ffffff"/>
+                </a:solidFill>
+                <a:latin typeface="Arial"/>
+              </a:rPr>
+              <a:t>poll</a:t>
+            </a:r>
+            <a:r>
+              <a:rPr b="0" lang="en-US" sz="1800" spc="-1" strike="noStrike">
+                <a:solidFill>
+                  <a:srgbClr val="ffffff"/>
+                </a:solidFill>
+                <a:latin typeface="Arial"/>
+              </a:rPr>
+              <a:t>、</a:t>
+            </a:r>
+            <a:r>
+              <a:rPr b="0" lang="en-US" sz="1800" spc="-1" strike="noStrike">
+                <a:solidFill>
+                  <a:srgbClr val="ffffff"/>
+                </a:solidFill>
+                <a:latin typeface="Arial"/>
+              </a:rPr>
+              <a:t>epoll</a:t>
+            </a:r>
+            <a:r>
+              <a:rPr b="0" lang="en-US" sz="1800" spc="-1" strike="noStrike">
+                <a:solidFill>
+                  <a:srgbClr val="ffffff"/>
+                </a:solidFill>
+                <a:latin typeface="Arial"/>
+              </a:rPr>
+              <a:t>。</a:t>
+            </a:r>
+            <a:endParaRPr b="0" lang="en-US" sz="1800" spc="-1" strike="noStrike">
+              <a:latin typeface="Arial"/>
+            </a:endParaRPr>
+          </a:p>
+          <a:p>
+            <a:r>
+              <a:rPr b="0" lang="en-US" sz="1800" spc="-1" strike="noStrike">
+                <a:solidFill>
+                  <a:srgbClr val="ffffff"/>
+                </a:solidFill>
+                <a:latin typeface="Arial"/>
+              </a:rPr>
+              <a:t>三者区别：</a:t>
+            </a:r>
+            <a:endParaRPr b="0" lang="en-US" sz="1800" spc="-1" strike="noStrike">
+              <a:latin typeface="Arial"/>
+            </a:endParaRPr>
+          </a:p>
+          <a:p>
+            <a:r>
+              <a:rPr b="0" lang="en-US" sz="1800" spc="-1" strike="noStrike">
+                <a:solidFill>
+                  <a:srgbClr val="ffffff"/>
+                </a:solidFill>
+                <a:latin typeface="Arial"/>
+              </a:rPr>
+              <a:t>       </a:t>
+            </a:r>
+            <a:r>
+              <a:rPr b="0" lang="en-US" sz="1800" spc="-1" strike="noStrike">
+                <a:solidFill>
+                  <a:srgbClr val="ffffff"/>
+                </a:solidFill>
+                <a:latin typeface="Arial"/>
+              </a:rPr>
+              <a:t>1.select </a:t>
+            </a:r>
+            <a:r>
+              <a:rPr b="0" lang="en-US" sz="1800" spc="-1" strike="noStrike">
+                <a:solidFill>
+                  <a:srgbClr val="ffffff"/>
+                </a:solidFill>
+                <a:latin typeface="Arial"/>
+              </a:rPr>
+              <a:t>采用轮询的方式来检测就绪事件</a:t>
+            </a:r>
+            <a:r>
+              <a:rPr b="0" lang="en-US" sz="1800" spc="-1" strike="noStrike">
+                <a:solidFill>
+                  <a:srgbClr val="ffffff"/>
+                </a:solidFill>
+                <a:latin typeface="Arial"/>
+              </a:rPr>
+              <a:t>;</a:t>
+            </a:r>
+            <a:r>
+              <a:rPr b="0" lang="en-US" sz="1800" spc="-1" strike="noStrike">
+                <a:solidFill>
+                  <a:srgbClr val="ffffff"/>
+                </a:solidFill>
+                <a:latin typeface="Arial"/>
+              </a:rPr>
+              <a:t>文件描述符数有最大值限制</a:t>
+            </a:r>
+            <a:endParaRPr b="0" lang="en-US" sz="1800" spc="-1" strike="noStrike">
+              <a:latin typeface="Arial"/>
+            </a:endParaRPr>
+          </a:p>
+          <a:p>
+            <a:r>
+              <a:rPr b="0" lang="en-US" sz="1800" spc="-1" strike="noStrike">
+                <a:solidFill>
+                  <a:srgbClr val="ffffff"/>
+                </a:solidFill>
+                <a:latin typeface="Arial"/>
+              </a:rPr>
+              <a:t>       </a:t>
+            </a:r>
+            <a:r>
+              <a:rPr b="0" lang="en-US" sz="1800" spc="-1" strike="noStrike">
+                <a:solidFill>
+                  <a:srgbClr val="ffffff"/>
+                </a:solidFill>
+                <a:latin typeface="Arial"/>
+              </a:rPr>
+              <a:t>2. poll    </a:t>
+            </a:r>
+            <a:r>
+              <a:rPr b="0" lang="en-US" sz="1800" spc="-1" strike="noStrike">
+                <a:solidFill>
+                  <a:srgbClr val="ffffff"/>
+                </a:solidFill>
+                <a:latin typeface="Arial"/>
+              </a:rPr>
+              <a:t>采用轮询的方式来检测就绪事件</a:t>
+            </a:r>
+            <a:r>
+              <a:rPr b="0" lang="en-US" sz="1800" spc="-1" strike="noStrike">
+                <a:solidFill>
+                  <a:srgbClr val="ffffff"/>
+                </a:solidFill>
+                <a:latin typeface="Arial"/>
+              </a:rPr>
+              <a:t>;</a:t>
+            </a:r>
+            <a:r>
+              <a:rPr b="0" lang="en-US" sz="1800" spc="-1" strike="noStrike">
+                <a:solidFill>
+                  <a:srgbClr val="ffffff"/>
+                </a:solidFill>
+                <a:latin typeface="Arial"/>
+              </a:rPr>
+              <a:t>文件描述符最大</a:t>
+            </a:r>
+            <a:r>
+              <a:rPr b="0" lang="en-US" sz="1800" spc="-1" strike="noStrike">
+                <a:solidFill>
+                  <a:srgbClr val="ffffff"/>
+                </a:solidFill>
+                <a:latin typeface="Arial"/>
+              </a:rPr>
+              <a:t>65535</a:t>
+            </a:r>
+            <a:endParaRPr b="0" lang="en-US" sz="1800" spc="-1" strike="noStrike">
+              <a:latin typeface="Arial"/>
+            </a:endParaRPr>
+          </a:p>
+          <a:p>
+            <a:r>
+              <a:rPr b="0" lang="en-US" sz="1800" spc="-1" strike="noStrike">
+                <a:solidFill>
+                  <a:srgbClr val="ffffff"/>
+                </a:solidFill>
+                <a:latin typeface="Arial"/>
+              </a:rPr>
+              <a:t>       </a:t>
+            </a:r>
+            <a:r>
+              <a:rPr b="0" lang="en-US" sz="1800" spc="-1" strike="noStrike">
+                <a:solidFill>
+                  <a:srgbClr val="ffffff"/>
+                </a:solidFill>
+                <a:latin typeface="Arial"/>
+              </a:rPr>
+              <a:t>3. epoll   </a:t>
+            </a:r>
+            <a:r>
+              <a:rPr b="0" lang="en-US" sz="1800" spc="-1" strike="noStrike">
+                <a:solidFill>
+                  <a:srgbClr val="ffffff"/>
+                </a:solidFill>
+                <a:latin typeface="Arial"/>
+              </a:rPr>
+              <a:t>采用回调的方式来检测就绪事件</a:t>
+            </a:r>
+            <a:r>
+              <a:rPr b="0" lang="en-US" sz="1800" spc="-1" strike="noStrike">
+                <a:solidFill>
+                  <a:srgbClr val="ffffff"/>
+                </a:solidFill>
+                <a:latin typeface="Arial"/>
+              </a:rPr>
+              <a:t>;</a:t>
+            </a:r>
+            <a:r>
+              <a:rPr b="0" lang="en-US" sz="1800" spc="-1" strike="noStrike">
+                <a:solidFill>
+                  <a:srgbClr val="ffffff"/>
+                </a:solidFill>
+                <a:latin typeface="Arial"/>
+              </a:rPr>
+              <a:t>文件描述符最大</a:t>
+            </a:r>
+            <a:r>
+              <a:rPr b="0" lang="en-US" sz="1800" spc="-1" strike="noStrike">
+                <a:solidFill>
+                  <a:srgbClr val="ffffff"/>
+                </a:solidFill>
+                <a:latin typeface="Arial"/>
+              </a:rPr>
+              <a:t>65535</a:t>
+            </a:r>
+            <a:endParaRPr b="0" lang="en-US" sz="1800" spc="-1" strike="noStrike">
+              <a:latin typeface="Arial"/>
+            </a:endParaRPr>
+          </a:p>
+          <a:p>
+            <a:endParaRPr b="0" lang="en-US" sz="1800" spc="-1" strike="noStrike">
+              <a:latin typeface="Arial"/>
+            </a:endParaRPr>
+          </a:p>
+          <a:p>
+            <a:endParaRPr b="0" lang="en-US" sz="1800" spc="-1" strike="noStrike">
+              <a:latin typeface="Arial"/>
+            </a:endParaRPr>
+          </a:p>
+          <a:p>
+            <a:endParaRPr b="0" lang="en-US" sz="1800" spc="-1" strike="noStrike">
+              <a:latin typeface="Arial"/>
+            </a:endParaRPr>
+          </a:p>
+          <a:p>
+            <a:endParaRPr b="0" lang="en-US" sz="1800" spc="-1" strike="noStrike">
               <a:latin typeface="Arial"/>
             </a:endParaRPr>
           </a:p>
@@ -7378,6 +8194,508 @@
       </p:grpSpPr>
       <p:sp>
         <p:nvSpPr>
+          <p:cNvPr id="179" name="TextShape 1"/>
+          <p:cNvSpPr txBox="1"/>
+          <p:nvPr/>
+        </p:nvSpPr>
+        <p:spPr>
+          <a:xfrm>
+            <a:off x="1368000" y="1080000"/>
+            <a:ext cx="6840000" cy="12720600"/>
+          </a:xfrm>
+          <a:prstGeom prst="rect">
+            <a:avLst/>
+          </a:prstGeom>
+          <a:noFill/>
+          <a:ln>
+            <a:noFill/>
+          </a:ln>
+        </p:spPr>
+        <p:txBody>
+          <a:bodyPr lIns="90000" rIns="90000" tIns="45000" bIns="45000"/>
+          <a:p>
+            <a:r>
+              <a:rPr b="0" lang="en-US" sz="1800" spc="-1" strike="noStrike">
+                <a:solidFill>
+                  <a:srgbClr val="ffffff"/>
+                </a:solidFill>
+                <a:latin typeface="Arial"/>
+              </a:rPr>
+              <a:t>讨论几个常用的系统检测工具：</a:t>
+            </a:r>
+            <a:endParaRPr b="0" lang="en-US" sz="1800" spc="-1" strike="noStrike">
+              <a:latin typeface="Arial"/>
+            </a:endParaRPr>
+          </a:p>
+          <a:p>
+            <a:r>
+              <a:rPr b="0" lang="en-US" sz="1800" spc="-1" strike="noStrike">
+                <a:solidFill>
+                  <a:srgbClr val="ffffff"/>
+                </a:solidFill>
+                <a:latin typeface="Arial"/>
+              </a:rPr>
+              <a:t>1. tcpdump</a:t>
+            </a:r>
+            <a:r>
+              <a:rPr b="0" lang="en-US" sz="1800" spc="-1" strike="noStrike">
+                <a:solidFill>
+                  <a:srgbClr val="ffffff"/>
+                </a:solidFill>
+                <a:latin typeface="Arial"/>
+              </a:rPr>
+              <a:t>：经典的网络抓包工具</a:t>
+            </a:r>
+            <a:endParaRPr b="0" lang="en-US" sz="1800" spc="-1" strike="noStrike">
+              <a:latin typeface="Arial"/>
+            </a:endParaRPr>
+          </a:p>
+          <a:p>
+            <a:endParaRPr b="0" lang="en-US" sz="1800" spc="-1" strike="noStrike">
+              <a:latin typeface="Arial"/>
+            </a:endParaRPr>
+          </a:p>
+          <a:p>
+            <a:r>
+              <a:rPr b="0" lang="en-US" sz="1800" spc="-1" strike="noStrike">
+                <a:solidFill>
+                  <a:srgbClr val="ffffff"/>
+                </a:solidFill>
+                <a:latin typeface="Arial"/>
+              </a:rPr>
+              <a:t>2. lsof</a:t>
+            </a:r>
+            <a:r>
+              <a:rPr b="0" lang="en-US" sz="1800" spc="-1" strike="noStrike">
+                <a:solidFill>
+                  <a:srgbClr val="ffffff"/>
+                </a:solidFill>
+                <a:latin typeface="Arial"/>
+              </a:rPr>
+              <a:t>：列出当前系统打开的文件描述符的工具</a:t>
+            </a:r>
+            <a:endParaRPr b="0" lang="en-US" sz="1800" spc="-1" strike="noStrike">
+              <a:latin typeface="Arial"/>
+            </a:endParaRPr>
+          </a:p>
+          <a:p>
+            <a:endParaRPr b="0" lang="en-US" sz="1800" spc="-1" strike="noStrike">
+              <a:latin typeface="Arial"/>
+            </a:endParaRPr>
+          </a:p>
+          <a:p>
+            <a:r>
+              <a:rPr b="0" lang="en-US" sz="1800" spc="-1" strike="noStrike">
+                <a:solidFill>
+                  <a:srgbClr val="ffffff"/>
+                </a:solidFill>
+                <a:latin typeface="Arial"/>
+              </a:rPr>
+              <a:t>3. strace</a:t>
+            </a:r>
+            <a:r>
+              <a:rPr b="0" lang="en-US" sz="1800" spc="-1" strike="noStrike">
+                <a:solidFill>
+                  <a:srgbClr val="ffffff"/>
+                </a:solidFill>
+                <a:latin typeface="Arial"/>
+              </a:rPr>
+              <a:t>：跟踪程序运行过程中执行的系统调用和</a:t>
+            </a:r>
+            <a:endParaRPr b="0" lang="en-US" sz="1800" spc="-1" strike="noStrike">
+              <a:latin typeface="Arial"/>
+            </a:endParaRPr>
+          </a:p>
+          <a:p>
+            <a:r>
+              <a:rPr b="0" lang="en-US" sz="1800" spc="-1" strike="noStrike">
+                <a:solidFill>
+                  <a:srgbClr val="ffffff"/>
+                </a:solidFill>
+                <a:latin typeface="Arial"/>
+              </a:rPr>
+              <a:t>接受到的信号，并将系统调用名、参数，返回值及信号名输出到标准输出或指定的文件。</a:t>
+            </a:r>
+            <a:endParaRPr b="0" lang="en-US" sz="1800" spc="-1" strike="noStrike">
+              <a:latin typeface="Arial"/>
+            </a:endParaRPr>
+          </a:p>
+          <a:p>
+            <a:endParaRPr b="0" lang="en-US" sz="1800" spc="-1" strike="noStrike">
+              <a:latin typeface="Arial"/>
+            </a:endParaRPr>
+          </a:p>
+          <a:p>
+            <a:r>
+              <a:rPr b="0" lang="en-US" sz="1800" spc="-1" strike="noStrike">
+                <a:solidFill>
+                  <a:srgbClr val="ffffff"/>
+                </a:solidFill>
+                <a:latin typeface="Arial"/>
+              </a:rPr>
+              <a:t>4. netstat</a:t>
+            </a:r>
+            <a:r>
+              <a:rPr b="0" lang="en-US" sz="1800" spc="-1" strike="noStrike">
+                <a:solidFill>
+                  <a:srgbClr val="ffffff"/>
+                </a:solidFill>
+                <a:latin typeface="Arial"/>
+              </a:rPr>
+              <a:t>：网络信息统计工具。可以打印本地网卡</a:t>
+            </a:r>
+            <a:endParaRPr b="0" lang="en-US" sz="1800" spc="-1" strike="noStrike">
+              <a:latin typeface="Arial"/>
+            </a:endParaRPr>
+          </a:p>
+          <a:p>
+            <a:r>
+              <a:rPr b="0" lang="en-US" sz="1800" spc="-1" strike="noStrike">
+                <a:solidFill>
+                  <a:srgbClr val="ffffff"/>
+                </a:solidFill>
+                <a:latin typeface="Arial"/>
+              </a:rPr>
+              <a:t>接口上的全部连接、路由表信息、网卡信息。</a:t>
+            </a:r>
+            <a:endParaRPr b="0" lang="en-US" sz="1800" spc="-1" strike="noStrike">
+              <a:latin typeface="Arial"/>
+            </a:endParaRPr>
+          </a:p>
+          <a:p>
+            <a:endParaRPr b="0" lang="en-US" sz="1800" spc="-1" strike="noStrike">
+              <a:latin typeface="Arial"/>
+            </a:endParaRPr>
+          </a:p>
+          <a:p>
+            <a:r>
+              <a:rPr b="0" lang="en-US" sz="1800" spc="-1" strike="noStrike">
+                <a:solidFill>
+                  <a:srgbClr val="ffffff"/>
+                </a:solidFill>
+                <a:latin typeface="Arial"/>
+              </a:rPr>
+              <a:t>5. vmstat</a:t>
+            </a:r>
+            <a:r>
+              <a:rPr b="0" lang="en-US" sz="1800" spc="-1" strike="noStrike">
+                <a:solidFill>
+                  <a:srgbClr val="ffffff"/>
+                </a:solidFill>
+                <a:latin typeface="Arial"/>
+              </a:rPr>
+              <a:t>：能输出系统的各种资料的使用情况，比如进程信息、内层使用、</a:t>
+            </a:r>
+            <a:r>
+              <a:rPr b="0" lang="en-US" sz="1800" spc="-1" strike="noStrike">
+                <a:solidFill>
+                  <a:srgbClr val="ffffff"/>
+                </a:solidFill>
+                <a:latin typeface="Arial"/>
+              </a:rPr>
+              <a:t>cpu</a:t>
+            </a:r>
+            <a:r>
+              <a:rPr b="0" lang="en-US" sz="1800" spc="-1" strike="noStrike">
+                <a:solidFill>
+                  <a:srgbClr val="ffffff"/>
+                </a:solidFill>
+                <a:latin typeface="Arial"/>
+              </a:rPr>
+              <a:t>使用率、</a:t>
+            </a:r>
+            <a:r>
+              <a:rPr b="0" lang="en-US" sz="1800" spc="-1" strike="noStrike">
+                <a:solidFill>
+                  <a:srgbClr val="ffffff"/>
+                </a:solidFill>
+                <a:latin typeface="Arial"/>
+              </a:rPr>
+              <a:t>io</a:t>
+            </a:r>
+            <a:r>
+              <a:rPr b="0" lang="en-US" sz="1800" spc="-1" strike="noStrike">
+                <a:solidFill>
+                  <a:srgbClr val="ffffff"/>
+                </a:solidFill>
+                <a:latin typeface="Arial"/>
+              </a:rPr>
+              <a:t>使用情况。</a:t>
+            </a:r>
+            <a:endParaRPr b="0" lang="en-US" sz="1800" spc="-1" strike="noStrike">
+              <a:latin typeface="Arial"/>
+            </a:endParaRPr>
+          </a:p>
+          <a:p>
+            <a:endParaRPr b="0" lang="en-US" sz="1800" spc="-1" strike="noStrike">
+              <a:latin typeface="Arial"/>
+            </a:endParaRPr>
+          </a:p>
+          <a:p>
+            <a:r>
+              <a:rPr b="0" lang="en-US" sz="1800" spc="-1" strike="noStrike">
+                <a:solidFill>
+                  <a:srgbClr val="ffffff"/>
+                </a:solidFill>
+                <a:latin typeface="Arial"/>
+              </a:rPr>
+              <a:t> </a:t>
+            </a:r>
+            <a:endParaRPr b="0" lang="en-US" sz="1800" spc="-1" strike="noStrike">
+              <a:latin typeface="Arial"/>
+            </a:endParaRPr>
+          </a:p>
+          <a:p>
+            <a:endParaRPr b="0" lang="en-US" sz="1800" spc="-1" strike="noStrike">
+              <a:latin typeface="Arial"/>
+            </a:endParaRPr>
+          </a:p>
+          <a:p>
+            <a:endParaRPr b="0" lang="en-US" sz="1800" spc="-1" strike="noStrike">
+              <a:latin typeface="Arial"/>
+            </a:endParaRPr>
+          </a:p>
+          <a:p>
+            <a:endParaRPr b="0" lang="en-US" sz="1800" spc="-1" strike="noStrike">
+              <a:latin typeface="Arial"/>
+            </a:endParaRPr>
+          </a:p>
+          <a:p>
+            <a:endParaRPr b="0" lang="en-US" sz="1800" spc="-1" strike="noStrike">
+              <a:latin typeface="Arial"/>
+            </a:endParaRPr>
+          </a:p>
+          <a:p>
+            <a:endParaRPr b="0" lang="en-US" sz="1800" spc="-1" strike="noStrike">
+              <a:latin typeface="Arial"/>
+            </a:endParaRPr>
+          </a:p>
+          <a:p>
+            <a:endParaRPr b="0" lang="en-US" sz="1800" spc="-1" strike="noStrike">
+              <a:latin typeface="Arial"/>
+            </a:endParaRPr>
+          </a:p>
+          <a:p>
+            <a:endParaRPr b="0" lang="en-US" sz="1800" spc="-1" strike="noStrike">
+              <a:latin typeface="Arial"/>
+            </a:endParaRPr>
+          </a:p>
+          <a:p>
+            <a:endParaRPr b="0" lang="en-US" sz="1800" spc="-1" strike="noStrike">
+              <a:latin typeface="Arial"/>
+            </a:endParaRPr>
+          </a:p>
+          <a:p>
+            <a:endParaRPr b="0" lang="en-US" sz="1800" spc="-1" strike="noStrike">
+              <a:latin typeface="Arial"/>
+            </a:endParaRPr>
+          </a:p>
+          <a:p>
+            <a:endParaRPr b="0" lang="en-US" sz="1800" spc="-1" strike="noStrike">
+              <a:latin typeface="Arial"/>
+            </a:endParaRPr>
+          </a:p>
+          <a:p>
+            <a:endParaRPr b="0" lang="en-US" sz="1800" spc="-1" strike="noStrike">
+              <a:latin typeface="Arial"/>
+            </a:endParaRPr>
+          </a:p>
+        </p:txBody>
+      </p:sp>
+    </p:spTree>
+  </p:cSld>
+  <p:timing>
+    <p:tnLst>
+      <p:par>
+        <p:cTn id="33" dur="indefinite" restart="never" nodeType="tmRoot">
+          <p:childTnLst>
+            <p:seq>
+              <p:cTn id="34" dur="indefinite" nodeType="mainSeq"/>
+              <p:prevCondLst>
+                <p:cond delay="0" evt="onPrev">
+                  <p:tgtEl>
+                    <p:sldTgt/>
+                  </p:tgtEl>
+                </p:cond>
+              </p:prevCondLst>
+              <p:nextCondLst>
+                <p:cond delay="0" evt="onNext">
+                  <p:tgtEl>
+                    <p:sldTgt/>
+                  </p:tgtEl>
+                </p:cond>
+              </p:nextCondLst>
+            </p:seq>
+          </p:childTnLst>
+        </p:cTn>
+      </p:par>
+    </p:tnLst>
+  </p:timing>
+</p:sld>
+</file>
+
+<file path=ppt/slides/slide18.xml><?xml version="1.0" encoding="utf-8"?>
+<p:sld xmlns:a="http://schemas.openxmlformats.org/drawingml/2006/main" xmlns:p="http://schemas.openxmlformats.org/presentationml/2006/main" xmlns:r="http://schemas.openxmlformats.org/officeDocument/2006/relationships" xmlns:p14="http://schemas.microsoft.com/office/powerpoint/2010/main" xmlns:p15="http://schemas.microsoft.com/office/powerpoint/2012/main" xmlns:mc="http://schemas.openxmlformats.org/markup-compatibility/2006">
+  <p:cSld>
+    <p:spTree>
+      <p:nvGrpSpPr>
+        <p:cNvPr id="1" name=""/>
+        <p:cNvGrpSpPr/>
+        <p:nvPr/>
+      </p:nvGrpSpPr>
+      <p:grpSpPr>
+        <a:xfrm>
+          <a:off x="0" y="0"/>
+          <a:ext cx="0" cy="0"/>
+          <a:chOff x="0" y="0"/>
+          <a:chExt cx="0" cy="0"/>
+        </a:xfrm>
+      </p:grpSpPr>
+      <p:sp>
+        <p:nvSpPr>
+          <p:cNvPr id="180" name="TextShape 1"/>
+          <p:cNvSpPr txBox="1"/>
+          <p:nvPr/>
+        </p:nvSpPr>
+        <p:spPr>
+          <a:xfrm>
+            <a:off x="504000" y="1080000"/>
+            <a:ext cx="9071640" cy="1728000"/>
+          </a:xfrm>
+          <a:prstGeom prst="rect">
+            <a:avLst/>
+          </a:prstGeom>
+          <a:noFill/>
+          <a:ln>
+            <a:noFill/>
+          </a:ln>
+        </p:spPr>
+        <p:txBody>
+          <a:bodyPr lIns="0" rIns="0" tIns="0" bIns="0" anchor="ctr"/>
+          <a:p>
+            <a:pPr algn="ctr"/>
+            <a:r>
+              <a:rPr b="0" lang="en-US" sz="5860" spc="-1" strike="noStrike">
+                <a:solidFill>
+                  <a:srgbClr val="ffffff"/>
+                </a:solidFill>
+                <a:latin typeface="Arial"/>
+              </a:rPr>
+              <a:t>thanks</a:t>
+            </a:r>
+            <a:endParaRPr b="0" lang="en-US" sz="5860" spc="-1" strike="noStrike">
+              <a:solidFill>
+                <a:srgbClr val="ffffff"/>
+              </a:solidFill>
+              <a:latin typeface="Arial"/>
+            </a:endParaRPr>
+          </a:p>
+        </p:txBody>
+      </p:sp>
+      <p:sp>
+        <p:nvSpPr>
+          <p:cNvPr id="181" name="TextShape 2"/>
+          <p:cNvSpPr txBox="1"/>
+          <p:nvPr/>
+        </p:nvSpPr>
+        <p:spPr>
+          <a:xfrm>
+            <a:off x="504000" y="3168000"/>
+            <a:ext cx="9071640" cy="3672000"/>
+          </a:xfrm>
+          <a:prstGeom prst="rect">
+            <a:avLst/>
+          </a:prstGeom>
+          <a:noFill/>
+          <a:ln>
+            <a:noFill/>
+          </a:ln>
+        </p:spPr>
+        <p:txBody>
+          <a:bodyPr lIns="0" rIns="0" tIns="0" bIns="0">
+            <a:normAutofit/>
+          </a:bodyPr>
+          <a:p>
+            <a:pPr marL="432000" indent="-324000">
+              <a:spcBef>
+                <a:spcPts val="1888"/>
+              </a:spcBef>
+              <a:buClr>
+                <a:srgbClr val="ffffff"/>
+              </a:buClr>
+              <a:buSzPct val="45000"/>
+              <a:buFont typeface="Wingdings" charset="2"/>
+              <a:buChar char=""/>
+            </a:pPr>
+            <a:r>
+              <a:rPr b="0" lang="en-US" sz="4260" spc="-1" strike="noStrike">
+                <a:solidFill>
+                  <a:srgbClr val="ffffff"/>
+                </a:solidFill>
+                <a:latin typeface="Arial"/>
+              </a:rPr>
+              <a:t>It is over</a:t>
+            </a:r>
+            <a:endParaRPr b="0" lang="en-US" sz="4260" spc="-1" strike="noStrike">
+              <a:solidFill>
+                <a:srgbClr val="ffffff"/>
+              </a:solidFill>
+              <a:latin typeface="Arial"/>
+            </a:endParaRPr>
+          </a:p>
+        </p:txBody>
+      </p:sp>
+    </p:spTree>
+  </p:cSld>
+  <p:timing>
+    <p:tnLst>
+      <p:par>
+        <p:cTn id="35" dur="indefinite" restart="never" nodeType="tmRoot">
+          <p:childTnLst>
+            <p:seq>
+              <p:cTn id="36" dur="indefinite" nodeType="mainSeq"/>
+              <p:prevCondLst>
+                <p:cond delay="0" evt="onPrev">
+                  <p:tgtEl>
+                    <p:sldTgt/>
+                  </p:tgtEl>
+                </p:cond>
+              </p:prevCondLst>
+              <p:nextCondLst>
+                <p:cond delay="0" evt="onNext">
+                  <p:tgtEl>
+                    <p:sldTgt/>
+                  </p:tgtEl>
+                </p:cond>
+              </p:nextCondLst>
+            </p:seq>
+          </p:childTnLst>
+        </p:cTn>
+      </p:par>
+    </p:tnLst>
+  </p:timing>
+</p:sld>
+</file>
+
+<file path=ppt/slides/slide19.xml><?xml version="1.0" encoding="utf-8"?>
+<p:sld xmlns:a="http://schemas.openxmlformats.org/drawingml/2006/main" xmlns:p="http://schemas.openxmlformats.org/presentationml/2006/main" xmlns:r="http://schemas.openxmlformats.org/officeDocument/2006/relationships" xmlns:p14="http://schemas.microsoft.com/office/powerpoint/2010/main" xmlns:p15="http://schemas.microsoft.com/office/powerpoint/2012/main" xmlns:mc="http://schemas.openxmlformats.org/markup-compatibility/2006">
+  <p:cSld>
+    <p:spTree>
+      <p:nvGrpSpPr>
+        <p:cNvPr id="1" name=""/>
+        <p:cNvGrpSpPr/>
+        <p:nvPr/>
+      </p:nvGrpSpPr>
+      <p:grpSpPr>
+        <a:xfrm>
+          <a:off x="0" y="0"/>
+          <a:ext cx="0" cy="0"/>
+          <a:chOff x="0" y="0"/>
+          <a:chExt cx="0" cy="0"/>
+        </a:xfrm>
+      </p:grpSpPr>
+      <p:sp>
+        <p:nvSpPr>
           <p:cNvPr id="182" name="TextShape 1"/>
           <p:cNvSpPr txBox="1"/>
           <p:nvPr/>
@@ -7455,10 +8773,10 @@
   <p:timing>
     <p:tnLst>
       <p:par>
-        <p:cTn id="33" dur="indefinite" restart="never" nodeType="tmRoot">
+        <p:cTn id="37" dur="indefinite" restart="never" nodeType="tmRoot">
           <p:childTnLst>
             <p:seq>
-              <p:cTn id="34" dur="indefinite" nodeType="mainSeq"/>
+              <p:cTn id="38" dur="indefinite" nodeType="mainSeq"/>
               <p:prevCondLst>
                 <p:cond delay="0" evt="onPrev">
                   <p:tgtEl>
@@ -7592,7 +8910,7 @@
                 </a:solidFill>
                 <a:latin typeface="Arial"/>
               </a:rPr>
-              <a:t>Sockets API      </a:t>
+              <a:t>socket API      </a:t>
             </a:r>
             <a:endParaRPr b="0" lang="en-US" sz="3200" spc="-1" strike="noStrike">
               <a:solidFill>
@@ -7655,7 +8973,7 @@
                 </a:solidFill>
                 <a:latin typeface="Arial"/>
               </a:rPr>
-              <a:t>受限与本人的经历和经验，本</a:t>
+              <a:t>受限于本人的经历和经验，本</a:t>
             </a:r>
             <a:r>
               <a:rPr b="0" lang="en-US" sz="3200" spc="-1" strike="noStrike">
@@ -7709,7 +9027,7 @@
                 </a:solidFill>
                 <a:latin typeface="Arial"/>
               </a:rPr>
-              <a:t>Sockets API.</a:t>
+              <a:t>socket API.</a:t>
             </a:r>
             <a:endParaRPr b="0" lang="en-US" sz="3200" spc="-1" strike="noStrike">
               <a:solidFill>
@@ -7843,52 +9161,7 @@
                 </a:solidFill>
                 <a:latin typeface="Arial"/>
               </a:rPr>
-              <a:t>我对</a:t>
-            </a:r>
-            <a:r>
-              <a:rPr b="0" lang="en-US" sz="1800" spc="-1" strike="noStrike">
-                <a:solidFill>
-                  <a:srgbClr val="ffffff"/>
-                </a:solidFill>
-                <a:latin typeface="Arial"/>
-              </a:rPr>
-              <a:t>网络</a:t>
-            </a:r>
-            <a:r>
-              <a:rPr b="0" lang="en-US" sz="1800" spc="-1" strike="noStrike">
-                <a:solidFill>
-                  <a:srgbClr val="ffffff"/>
-                </a:solidFill>
-                <a:latin typeface="Arial"/>
-              </a:rPr>
-              <a:t>编程</a:t>
-            </a:r>
-            <a:r>
-              <a:rPr b="0" lang="en-US" sz="1800" spc="-1" strike="noStrike">
-                <a:solidFill>
-                  <a:srgbClr val="ffffff"/>
-                </a:solidFill>
-                <a:latin typeface="Arial"/>
-              </a:rPr>
-              <a:t>的一</a:t>
-            </a:r>
-            <a:r>
-              <a:rPr b="0" lang="en-US" sz="1800" spc="-1" strike="noStrike">
-                <a:solidFill>
-                  <a:srgbClr val="ffffff"/>
-                </a:solidFill>
-                <a:latin typeface="Arial"/>
-              </a:rPr>
-              <a:t>些看</a:t>
-            </a:r>
-            <a:r>
-              <a:rPr b="0" lang="en-US" sz="1800" spc="-1" strike="noStrike">
-                <a:solidFill>
-                  <a:srgbClr val="ffffff"/>
-                </a:solidFill>
-                <a:latin typeface="Arial"/>
-              </a:rPr>
-              <a:t>法</a:t>
+              <a:t>我对网络编程的一些看法</a:t>
             </a:r>
             <a:r>
               <a:rPr b="0" lang="en-US" sz="1800" spc="-1" strike="noStrike">
@@ -7920,323 +9193,80 @@
                 </a:solidFill>
                 <a:latin typeface="Arial"/>
               </a:rPr>
-              <a:t>网</a:t>
-            </a:r>
-            <a:r>
-              <a:rPr b="0" lang="en-US" sz="1800" spc="-1" strike="noStrike">
-                <a:solidFill>
-                  <a:srgbClr val="ffffff"/>
-                </a:solidFill>
-                <a:latin typeface="Arial"/>
-              </a:rPr>
-              <a:t>络编</a:t>
-            </a:r>
-            <a:r>
-              <a:rPr b="0" lang="en-US" sz="1800" spc="-1" strike="noStrike">
-                <a:solidFill>
-                  <a:srgbClr val="ffffff"/>
-                </a:solidFill>
-                <a:latin typeface="Arial"/>
-              </a:rPr>
-              <a:t>程是</a:t>
-            </a:r>
-            <a:r>
-              <a:rPr b="0" lang="en-US" sz="1800" spc="-1" strike="noStrike">
-                <a:solidFill>
-                  <a:srgbClr val="ffffff"/>
-                </a:solidFill>
-                <a:latin typeface="Arial"/>
-              </a:rPr>
-              <a:t>什</a:t>
-            </a:r>
-            <a:r>
-              <a:rPr b="0" lang="en-US" sz="1800" spc="-1" strike="noStrike">
-                <a:solidFill>
-                  <a:srgbClr val="ffffff"/>
-                </a:solidFill>
-                <a:latin typeface="Arial"/>
-              </a:rPr>
-              <a:t>么？</a:t>
-            </a:r>
-            <a:r>
-              <a:rPr b="0" lang="en-US" sz="1800" spc="-1" strike="noStrike">
-                <a:solidFill>
-                  <a:srgbClr val="ffffff"/>
-                </a:solidFill>
-                <a:latin typeface="Arial"/>
-              </a:rPr>
-              <a:t>是熟</a:t>
-            </a:r>
-            <a:r>
-              <a:rPr b="0" lang="en-US" sz="1800" spc="-1" strike="noStrike">
-                <a:solidFill>
-                  <a:srgbClr val="ffffff"/>
-                </a:solidFill>
-                <a:latin typeface="Arial"/>
-              </a:rPr>
-              <a:t>练使</a:t>
-            </a:r>
-            <a:r>
-              <a:rPr b="0" lang="en-US" sz="1800" spc="-1" strike="noStrike">
-                <a:solidFill>
-                  <a:srgbClr val="ffffff"/>
-                </a:solidFill>
-                <a:latin typeface="Arial"/>
-              </a:rPr>
-              <a:t>用</a:t>
-            </a:r>
-            <a:r>
-              <a:rPr b="0" lang="en-US" sz="1800" spc="-1" strike="noStrike">
-                <a:solidFill>
-                  <a:srgbClr val="ffffff"/>
-                </a:solidFill>
-                <a:latin typeface="Arial"/>
-              </a:rPr>
-              <a:t>Socket</a:t>
-            </a:r>
-            <a:r>
-              <a:rPr b="0" lang="en-US" sz="1800" spc="-1" strike="noStrike">
-                <a:solidFill>
-                  <a:srgbClr val="ffffff"/>
-                </a:solidFill>
-                <a:latin typeface="Arial"/>
-              </a:rPr>
-              <a:t>s API</a:t>
-            </a:r>
-            <a:r>
-              <a:rPr b="0" lang="en-US" sz="1800" spc="-1" strike="noStrike">
-                <a:solidFill>
-                  <a:srgbClr val="ffffff"/>
-                </a:solidFill>
-                <a:latin typeface="Arial"/>
-              </a:rPr>
-              <a:t>吗？</a:t>
-            </a:r>
-            <a:r>
-              <a:rPr b="0" lang="en-US" sz="1800" spc="-1" strike="noStrike">
-                <a:solidFill>
-                  <a:srgbClr val="ffffff"/>
-                </a:solidFill>
-                <a:latin typeface="Arial"/>
-              </a:rPr>
-              <a:t>说实</a:t>
-            </a:r>
-            <a:r>
-              <a:rPr b="0" lang="en-US" sz="1800" spc="-1" strike="noStrike">
-                <a:solidFill>
-                  <a:srgbClr val="ffffff"/>
-                </a:solidFill>
-                <a:latin typeface="Arial"/>
-              </a:rPr>
-              <a:t>话，</a:t>
-            </a:r>
-            <a:r>
-              <a:rPr b="0" lang="en-US" sz="1800" spc="-1" strike="noStrike">
-                <a:solidFill>
-                  <a:srgbClr val="ffffff"/>
-                </a:solidFill>
-                <a:latin typeface="Arial"/>
-              </a:rPr>
-              <a:t>在</a:t>
-            </a:r>
-            <a:endParaRPr b="0" lang="en-US" sz="1800" spc="-1" strike="noStrike">
-              <a:latin typeface="Arial"/>
-            </a:endParaRPr>
-          </a:p>
-          <a:p>
-            <a:r>
-              <a:rPr b="0" lang="en-US" sz="1800" spc="-1" strike="noStrike">
-                <a:solidFill>
-                  <a:srgbClr val="ffffff"/>
-                </a:solidFill>
-                <a:latin typeface="Arial"/>
-              </a:rPr>
-              <a:t>实际</a:t>
-            </a:r>
-            <a:r>
-              <a:rPr b="0" lang="en-US" sz="1800" spc="-1" strike="noStrike">
-                <a:solidFill>
-                  <a:srgbClr val="ffffff"/>
-                </a:solidFill>
-                <a:latin typeface="Arial"/>
-              </a:rPr>
-              <a:t>的项</a:t>
-            </a:r>
-            <a:r>
-              <a:rPr b="0" lang="en-US" sz="1800" spc="-1" strike="noStrike">
-                <a:solidFill>
-                  <a:srgbClr val="ffffff"/>
-                </a:solidFill>
-                <a:latin typeface="Arial"/>
-              </a:rPr>
-              <a:t>目</a:t>
-            </a:r>
-            <a:r>
-              <a:rPr b="0" lang="en-US" sz="1800" spc="-1" strike="noStrike">
-                <a:solidFill>
-                  <a:srgbClr val="ffffff"/>
-                </a:solidFill>
-                <a:latin typeface="Arial"/>
-              </a:rPr>
-              <a:t>中，</a:t>
-            </a:r>
-            <a:r>
-              <a:rPr b="0" lang="en-US" sz="1800" spc="-1" strike="noStrike">
-                <a:solidFill>
-                  <a:srgbClr val="ffffff"/>
-                </a:solidFill>
-                <a:latin typeface="Arial"/>
-              </a:rPr>
-              <a:t>Socket</a:t>
-            </a:r>
-            <a:r>
-              <a:rPr b="0" lang="en-US" sz="1800" spc="-1" strike="noStrike">
-                <a:solidFill>
-                  <a:srgbClr val="ffffff"/>
-                </a:solidFill>
-                <a:latin typeface="Arial"/>
-              </a:rPr>
-              <a:t>s API</a:t>
-            </a:r>
-            <a:r>
-              <a:rPr b="0" lang="en-US" sz="1800" spc="-1" strike="noStrike">
-                <a:solidFill>
-                  <a:srgbClr val="ffffff"/>
-                </a:solidFill>
-                <a:latin typeface="Arial"/>
-              </a:rPr>
-              <a:t>用的</a:t>
-            </a:r>
-            <a:r>
-              <a:rPr b="0" lang="en-US" sz="1800" spc="-1" strike="noStrike">
-                <a:solidFill>
-                  <a:srgbClr val="ffffff"/>
-                </a:solidFill>
-                <a:latin typeface="Arial"/>
-              </a:rPr>
-              <a:t>次数</a:t>
-            </a:r>
-            <a:r>
-              <a:rPr b="0" lang="en-US" sz="1800" spc="-1" strike="noStrike">
-                <a:solidFill>
-                  <a:srgbClr val="ffffff"/>
-                </a:solidFill>
-                <a:latin typeface="Arial"/>
-              </a:rPr>
-              <a:t>不</a:t>
-            </a:r>
-            <a:r>
-              <a:rPr b="0" lang="en-US" sz="1800" spc="-1" strike="noStrike">
-                <a:solidFill>
-                  <a:srgbClr val="ffffff"/>
-                </a:solidFill>
-                <a:latin typeface="Arial"/>
-              </a:rPr>
-              <a:t>多，</a:t>
-            </a:r>
-            <a:r>
-              <a:rPr b="0" lang="en-US" sz="1800" spc="-1" strike="noStrike">
-                <a:solidFill>
-                  <a:srgbClr val="ffffff"/>
-                </a:solidFill>
-                <a:latin typeface="Arial"/>
-              </a:rPr>
-              <a:t>大多</a:t>
-            </a:r>
-            <a:r>
-              <a:rPr b="0" lang="en-US" sz="1800" spc="-1" strike="noStrike">
-                <a:solidFill>
-                  <a:srgbClr val="ffffff"/>
-                </a:solidFill>
-                <a:latin typeface="Arial"/>
-              </a:rPr>
-              <a:t>数时</a:t>
-            </a:r>
-            <a:r>
-              <a:rPr b="0" lang="en-US" sz="1800" spc="-1" strike="noStrike">
-                <a:solidFill>
-                  <a:srgbClr val="ffffff"/>
-                </a:solidFill>
-                <a:latin typeface="Arial"/>
-              </a:rPr>
-              <a:t>候是</a:t>
-            </a:r>
-            <a:r>
-              <a:rPr b="0" lang="en-US" sz="1800" spc="-1" strike="noStrike">
-                <a:solidFill>
-                  <a:srgbClr val="ffffff"/>
-                </a:solidFill>
-                <a:latin typeface="Arial"/>
-              </a:rPr>
-              <a:t>使用</a:t>
-            </a:r>
-            <a:endParaRPr b="0" lang="en-US" sz="1800" spc="-1" strike="noStrike">
-              <a:latin typeface="Arial"/>
-            </a:endParaRPr>
-          </a:p>
-          <a:p>
-            <a:r>
-              <a:rPr b="0" lang="en-US" sz="1800" spc="-1" strike="noStrike">
-                <a:solidFill>
-                  <a:srgbClr val="ffffff"/>
-                </a:solidFill>
-                <a:latin typeface="Arial"/>
-              </a:rPr>
-              <a:t>封装</a:t>
-            </a:r>
-            <a:r>
-              <a:rPr b="0" lang="en-US" sz="1800" spc="-1" strike="noStrike">
-                <a:solidFill>
-                  <a:srgbClr val="ffffff"/>
-                </a:solidFill>
-                <a:latin typeface="Arial"/>
-              </a:rPr>
-              <a:t>好的</a:t>
-            </a:r>
-            <a:r>
-              <a:rPr b="0" lang="en-US" sz="1800" spc="-1" strike="noStrike">
-                <a:solidFill>
-                  <a:srgbClr val="ffffff"/>
-                </a:solidFill>
-                <a:latin typeface="Arial"/>
-              </a:rPr>
-              <a:t>网络</a:t>
-            </a:r>
-            <a:r>
-              <a:rPr b="0" lang="en-US" sz="1800" spc="-1" strike="noStrike">
-                <a:solidFill>
-                  <a:srgbClr val="ffffff"/>
-                </a:solidFill>
-                <a:latin typeface="Arial"/>
-              </a:rPr>
-              <a:t>库</a:t>
-            </a:r>
-            <a:r>
-              <a:rPr b="0" lang="en-US" sz="1800" spc="-1" strike="noStrike">
-                <a:solidFill>
-                  <a:srgbClr val="ffffff"/>
-                </a:solidFill>
-                <a:latin typeface="Arial"/>
-              </a:rPr>
-              <a:t>（</a:t>
-            </a:r>
-            <a:r>
-              <a:rPr b="0" lang="en-US" sz="1800" spc="-1" strike="noStrike">
-                <a:solidFill>
-                  <a:srgbClr val="ffffff"/>
-                </a:solidFill>
-                <a:latin typeface="Arial"/>
-              </a:rPr>
-              <a:t>libe</a:t>
-            </a:r>
-            <a:r>
-              <a:rPr b="0" lang="en-US" sz="1800" spc="-1" strike="noStrike">
-                <a:solidFill>
-                  <a:srgbClr val="ffffff"/>
-                </a:solidFill>
-                <a:latin typeface="Arial"/>
-              </a:rPr>
-              <a:t>vent</a:t>
+              <a:t>网络编程是什么？是熟练使用</a:t>
+            </a:r>
+            <a:r>
+              <a:rPr b="0" lang="en-US" sz="1800" spc="-1" strike="noStrike">
+                <a:solidFill>
+                  <a:srgbClr val="ffffff"/>
+                </a:solidFill>
+                <a:latin typeface="Arial"/>
+              </a:rPr>
+              <a:t>socket API</a:t>
+            </a:r>
+            <a:r>
+              <a:rPr b="0" lang="en-US" sz="1800" spc="-1" strike="noStrike">
+                <a:solidFill>
+                  <a:srgbClr val="ffffff"/>
+                </a:solidFill>
+                <a:latin typeface="Arial"/>
+              </a:rPr>
+              <a:t>吗？说实话，在</a:t>
+            </a:r>
+            <a:endParaRPr b="0" lang="en-US" sz="1800" spc="-1" strike="noStrike">
+              <a:latin typeface="Arial"/>
+            </a:endParaRPr>
+          </a:p>
+          <a:p>
+            <a:r>
+              <a:rPr b="0" lang="en-US" sz="1800" spc="-1" strike="noStrike">
+                <a:solidFill>
+                  <a:srgbClr val="ffffff"/>
+                </a:solidFill>
+                <a:latin typeface="Arial"/>
+              </a:rPr>
+              <a:t>实际的项目中，</a:t>
+            </a:r>
+            <a:r>
+              <a:rPr b="0" lang="en-US" sz="1800" spc="-1" strike="noStrike">
+                <a:solidFill>
+                  <a:srgbClr val="ffffff"/>
+                </a:solidFill>
+                <a:latin typeface="Arial"/>
+              </a:rPr>
+              <a:t>socket API</a:t>
+            </a:r>
+            <a:r>
+              <a:rPr b="0" lang="en-US" sz="1800" spc="-1" strike="noStrike">
+                <a:solidFill>
+                  <a:srgbClr val="ffffff"/>
+                </a:solidFill>
+                <a:latin typeface="Arial"/>
+              </a:rPr>
+              <a:t>用的次数不多，大多数时候是使用</a:t>
+            </a:r>
+            <a:endParaRPr b="0" lang="en-US" sz="1800" spc="-1" strike="noStrike">
+              <a:latin typeface="Arial"/>
+            </a:endParaRPr>
+          </a:p>
+          <a:p>
+            <a:r>
+              <a:rPr b="0" lang="en-US" sz="1800" spc="-1" strike="noStrike">
+                <a:solidFill>
+                  <a:srgbClr val="ffffff"/>
+                </a:solidFill>
+                <a:latin typeface="Arial"/>
+              </a:rPr>
+              <a:t>封装好的网络库（</a:t>
+            </a:r>
+            <a:r>
+              <a:rPr b="0" lang="en-US" sz="1800" spc="-1" strike="noStrike">
+                <a:solidFill>
+                  <a:srgbClr val="ffffff"/>
+                </a:solidFill>
+                <a:latin typeface="Arial"/>
+              </a:rPr>
+              <a:t>libevent</a:t>
             </a:r>
             <a:r>
               <a:rPr b="0" lang="en-US" sz="1800" spc="-1" strike="noStrike">
@@ -8272,25 +9302,7 @@
                 </a:solidFill>
                 <a:latin typeface="Arial"/>
               </a:rPr>
-              <a:t>Jav</a:t>
-            </a:r>
-            <a:r>
-              <a:rPr b="0" lang="en-US" sz="1800" spc="-1" strike="noStrike">
-                <a:solidFill>
-                  <a:srgbClr val="ffffff"/>
-                </a:solidFill>
-                <a:latin typeface="Arial"/>
-              </a:rPr>
-              <a:t>a </a:t>
-            </a:r>
-            <a:r>
-              <a:rPr b="0" lang="en-US" sz="1800" spc="-1" strike="noStrike">
-                <a:solidFill>
-                  <a:srgbClr val="ffffff"/>
-                </a:solidFill>
-                <a:latin typeface="Arial"/>
-              </a:rPr>
-              <a:t>Netty</a:t>
+              <a:t>Java Netty</a:t>
             </a:r>
             <a:r>
               <a:rPr b="0" lang="en-US" sz="1800" spc="-1" strike="noStrike">
@@ -8308,93 +9320,30 @@
                 </a:solidFill>
                 <a:latin typeface="Arial"/>
               </a:rPr>
-              <a:t>AC</a:t>
-            </a:r>
-            <a:r>
-              <a:rPr b="0" lang="en-US" sz="1800" spc="-1" strike="noStrike">
-                <a:solidFill>
-                  <a:srgbClr val="ffffff"/>
-                </a:solidFill>
-                <a:latin typeface="Arial"/>
-              </a:rPr>
-              <a:t>E</a:t>
-            </a:r>
-            <a:r>
-              <a:rPr b="0" lang="en-US" sz="1800" spc="-1" strike="noStrike">
-                <a:solidFill>
-                  <a:srgbClr val="ffffff"/>
-                </a:solidFill>
-                <a:latin typeface="Arial"/>
-              </a:rPr>
-              <a:t>等</a:t>
-            </a:r>
-            <a:r>
-              <a:rPr b="0" lang="en-US" sz="1800" spc="-1" strike="noStrike">
-                <a:solidFill>
-                  <a:srgbClr val="ffffff"/>
-                </a:solidFill>
-                <a:latin typeface="Arial"/>
-              </a:rPr>
-              <a:t>等）</a:t>
-            </a:r>
-            <a:r>
-              <a:rPr b="0" lang="en-US" sz="1800" spc="-1" strike="noStrike">
-                <a:solidFill>
-                  <a:srgbClr val="ffffff"/>
-                </a:solidFill>
-                <a:latin typeface="Arial"/>
-              </a:rPr>
-              <a:t>。</a:t>
-            </a:r>
-            <a:endParaRPr b="0" lang="en-US" sz="1800" spc="-1" strike="noStrike">
-              <a:latin typeface="Arial"/>
-            </a:endParaRPr>
-          </a:p>
-          <a:p>
-            <a:r>
-              <a:rPr b="0" lang="en-US" sz="1800" spc="-1" strike="noStrike">
-                <a:solidFill>
-                  <a:srgbClr val="ffffff"/>
-                </a:solidFill>
-                <a:latin typeface="Arial"/>
-              </a:rPr>
-              <a:t>            </a:t>
-            </a:r>
-            <a:r>
-              <a:rPr b="0" lang="en-US" sz="1800" spc="-1" strike="noStrike">
-                <a:solidFill>
-                  <a:srgbClr val="ffffff"/>
-                </a:solidFill>
-                <a:latin typeface="Arial"/>
-              </a:rPr>
-              <a:t>            </a:t>
-            </a:r>
-            <a:r>
-              <a:rPr b="0" lang="en-US" sz="1800" spc="-1" strike="noStrike">
-                <a:solidFill>
-                  <a:srgbClr val="ffffff"/>
-                </a:solidFill>
-                <a:latin typeface="Arial"/>
-              </a:rPr>
-              <a:t>            </a:t>
-            </a:r>
-            <a:r>
-              <a:rPr b="0" lang="en-US" sz="1800" spc="-1" strike="noStrike">
-                <a:solidFill>
-                  <a:srgbClr val="ffffff"/>
-                </a:solidFill>
-                <a:latin typeface="Arial"/>
-              </a:rPr>
-              <a:t>            </a:t>
-            </a:r>
-            <a:r>
-              <a:rPr b="0" lang="en-US" sz="1800" spc="-1" strike="noStrike">
-                <a:solidFill>
-                  <a:srgbClr val="ffffff"/>
-                </a:solidFill>
-                <a:latin typeface="Arial"/>
-              </a:rPr>
-              <a:t>        </a:t>
+              <a:t>ACE</a:t>
+            </a:r>
+            <a:r>
+              <a:rPr b="0" lang="en-US" sz="1800" spc="-1" strike="noStrike">
+                <a:solidFill>
+                  <a:srgbClr val="ffffff"/>
+                </a:solidFill>
+                <a:latin typeface="Arial"/>
+              </a:rPr>
+              <a:t>等等）。</a:t>
+            </a:r>
+            <a:endParaRPr b="0" lang="en-US" sz="1800" spc="-1" strike="noStrike">
+              <a:latin typeface="Arial"/>
+            </a:endParaRPr>
+          </a:p>
+          <a:p>
+            <a:r>
+              <a:rPr b="0" lang="en-US" sz="1800" spc="-1" strike="noStrike">
+                <a:solidFill>
+                  <a:srgbClr val="ffffff"/>
+                </a:solidFill>
+                <a:latin typeface="Arial"/>
+              </a:rPr>
+              <a:t>                                                        </a:t>
             </a:r>
             <a:endParaRPr b="0" lang="en-US" sz="1800" spc="-1" strike="noStrike">
               <a:latin typeface="Arial"/>
@@ -8417,52 +9366,7 @@
                 </a:solidFill>
                 <a:latin typeface="Arial"/>
               </a:rPr>
-              <a:t>学</a:t>
-            </a:r>
-            <a:r>
-              <a:rPr b="0" lang="en-US" sz="1800" spc="-1" strike="noStrike">
-                <a:solidFill>
-                  <a:srgbClr val="ffffff"/>
-                </a:solidFill>
-                <a:latin typeface="Arial"/>
-              </a:rPr>
-              <a:t>习网</a:t>
-            </a:r>
-            <a:r>
-              <a:rPr b="0" lang="en-US" sz="1800" spc="-1" strike="noStrike">
-                <a:solidFill>
-                  <a:srgbClr val="ffffff"/>
-                </a:solidFill>
-                <a:latin typeface="Arial"/>
-              </a:rPr>
-              <a:t>络编</a:t>
-            </a:r>
-            <a:r>
-              <a:rPr b="0" lang="en-US" sz="1800" spc="-1" strike="noStrike">
-                <a:solidFill>
-                  <a:srgbClr val="ffffff"/>
-                </a:solidFill>
-                <a:latin typeface="Arial"/>
-              </a:rPr>
-              <a:t>程有</a:t>
-            </a:r>
-            <a:r>
-              <a:rPr b="0" lang="en-US" sz="1800" spc="-1" strike="noStrike">
-                <a:solidFill>
-                  <a:srgbClr val="ffffff"/>
-                </a:solidFill>
-                <a:latin typeface="Arial"/>
-              </a:rPr>
-              <a:t>用</a:t>
-            </a:r>
-            <a:r>
-              <a:rPr b="0" lang="en-US" sz="1800" spc="-1" strike="noStrike">
-                <a:solidFill>
-                  <a:srgbClr val="ffffff"/>
-                </a:solidFill>
-                <a:latin typeface="Arial"/>
-              </a:rPr>
-              <a:t>吗？</a:t>
+              <a:t>学习网络编程有用吗？</a:t>
             </a:r>
             <a:endParaRPr b="0" lang="en-US" sz="1800" spc="-1" strike="noStrike">
               <a:latin typeface="Arial"/>
@@ -8485,97 +9389,16 @@
                 </a:solidFill>
                 <a:latin typeface="Arial"/>
               </a:rPr>
-              <a:t>在实</a:t>
-            </a:r>
-            <a:r>
-              <a:rPr b="0" lang="en-US" sz="1800" spc="-1" strike="noStrike">
-                <a:solidFill>
-                  <a:srgbClr val="ffffff"/>
-                </a:solidFill>
-                <a:latin typeface="Arial"/>
-              </a:rPr>
-              <a:t>际工</a:t>
-            </a:r>
-            <a:r>
-              <a:rPr b="0" lang="en-US" sz="1800" spc="-1" strike="noStrike">
-                <a:solidFill>
-                  <a:srgbClr val="ffffff"/>
-                </a:solidFill>
-                <a:latin typeface="Arial"/>
-              </a:rPr>
-              <a:t>作</a:t>
-            </a:r>
-            <a:r>
-              <a:rPr b="0" lang="en-US" sz="1800" spc="-1" strike="noStrike">
-                <a:solidFill>
-                  <a:srgbClr val="ffffff"/>
-                </a:solidFill>
-                <a:latin typeface="Arial"/>
-              </a:rPr>
-              <a:t>中，</a:t>
-            </a:r>
-            <a:r>
-              <a:rPr b="0" lang="en-US" sz="1800" spc="-1" strike="noStrike">
-                <a:solidFill>
-                  <a:srgbClr val="ffffff"/>
-                </a:solidFill>
-                <a:latin typeface="Arial"/>
-              </a:rPr>
-              <a:t>常见</a:t>
-            </a:r>
-            <a:r>
-              <a:rPr b="0" lang="en-US" sz="1800" spc="-1" strike="noStrike">
-                <a:solidFill>
-                  <a:srgbClr val="ffffff"/>
-                </a:solidFill>
-                <a:latin typeface="Arial"/>
-              </a:rPr>
-              <a:t>的情</a:t>
-            </a:r>
-            <a:r>
-              <a:rPr b="0" lang="en-US" sz="1800" spc="-1" strike="noStrike">
-                <a:solidFill>
-                  <a:srgbClr val="ffffff"/>
-                </a:solidFill>
-                <a:latin typeface="Arial"/>
-              </a:rPr>
-              <a:t>况时</a:t>
-            </a:r>
-            <a:r>
-              <a:rPr b="0" lang="en-US" sz="1800" spc="-1" strike="noStrike">
-                <a:solidFill>
-                  <a:srgbClr val="ffffff"/>
-                </a:solidFill>
-                <a:latin typeface="Arial"/>
-              </a:rPr>
-              <a:t>通过</a:t>
-            </a:r>
-            <a:r>
-              <a:rPr b="0" lang="en-US" sz="1800" spc="-1" strike="noStrike">
-                <a:solidFill>
-                  <a:srgbClr val="ffffff"/>
-                </a:solidFill>
-                <a:latin typeface="Arial"/>
-              </a:rPr>
-              <a:t>各种</a:t>
-            </a:r>
-            <a:r>
-              <a:rPr b="0" lang="en-US" sz="1800" spc="-1" strike="noStrike">
-                <a:solidFill>
-                  <a:srgbClr val="ffffff"/>
-                </a:solidFill>
-                <a:latin typeface="Arial"/>
-              </a:rPr>
-              <a:t>client </a:t>
-            </a:r>
-            <a:r>
-              <a:rPr b="0" lang="en-US" sz="1800" spc="-1" strike="noStrike">
-                <a:solidFill>
-                  <a:srgbClr val="ffffff"/>
-                </a:solidFill>
-                <a:latin typeface="Arial"/>
-              </a:rPr>
-              <a:t>library</a:t>
+              <a:t>在实际工作中，常见的情况是通过各种</a:t>
+            </a:r>
+            <a:r>
+              <a:rPr b="0" lang="en-US" sz="1800" spc="-1" strike="noStrike">
+                <a:solidFill>
+                  <a:srgbClr val="ffffff"/>
+                </a:solidFill>
+                <a:latin typeface="Arial"/>
+              </a:rPr>
+              <a:t>client library</a:t>
             </a:r>
             <a:r>
               <a:rPr b="0" lang="en-US" sz="1800" spc="-1" strike="noStrike">
@@ -8598,133 +9421,7 @@
                 </a:solidFill>
                 <a:latin typeface="Arial"/>
               </a:rPr>
-              <a:t>服务</a:t>
-            </a:r>
-            <a:r>
-              <a:rPr b="0" lang="en-US" sz="1800" spc="-1" strike="noStrike">
-                <a:solidFill>
-                  <a:srgbClr val="ffffff"/>
-                </a:solidFill>
-                <a:latin typeface="Arial"/>
-              </a:rPr>
-              <a:t>端打</a:t>
-            </a:r>
-            <a:r>
-              <a:rPr b="0" lang="en-US" sz="1800" spc="-1" strike="noStrike">
-                <a:solidFill>
-                  <a:srgbClr val="ffffff"/>
-                </a:solidFill>
-                <a:latin typeface="Arial"/>
-              </a:rPr>
-              <a:t>交</a:t>
-            </a:r>
-            <a:r>
-              <a:rPr b="0" lang="en-US" sz="1800" spc="-1" strike="noStrike">
-                <a:solidFill>
-                  <a:srgbClr val="ffffff"/>
-                </a:solidFill>
-                <a:latin typeface="Arial"/>
-              </a:rPr>
-              <a:t>道，</a:t>
-            </a:r>
-            <a:r>
-              <a:rPr b="0" lang="en-US" sz="1800" spc="-1" strike="noStrike">
-                <a:solidFill>
-                  <a:srgbClr val="ffffff"/>
-                </a:solidFill>
-                <a:latin typeface="Arial"/>
-              </a:rPr>
-              <a:t>或者</a:t>
-            </a:r>
-            <a:r>
-              <a:rPr b="0" lang="en-US" sz="1800" spc="-1" strike="noStrike">
-                <a:solidFill>
-                  <a:srgbClr val="ffffff"/>
-                </a:solidFill>
-                <a:latin typeface="Arial"/>
-              </a:rPr>
-              <a:t>在现</a:t>
-            </a:r>
-            <a:r>
-              <a:rPr b="0" lang="en-US" sz="1800" spc="-1" strike="noStrike">
-                <a:solidFill>
-                  <a:srgbClr val="ffffff"/>
-                </a:solidFill>
-                <a:latin typeface="Arial"/>
-              </a:rPr>
-              <a:t>成的</a:t>
-            </a:r>
-            <a:r>
-              <a:rPr b="0" lang="en-US" sz="1800" spc="-1" strike="noStrike">
-                <a:solidFill>
-                  <a:srgbClr val="ffffff"/>
-                </a:solidFill>
-                <a:latin typeface="Arial"/>
-              </a:rPr>
-              <a:t>框架</a:t>
-            </a:r>
-            <a:r>
-              <a:rPr b="0" lang="en-US" sz="1800" spc="-1" strike="noStrike">
-                <a:solidFill>
-                  <a:srgbClr val="ffffff"/>
-                </a:solidFill>
-                <a:latin typeface="Arial"/>
-              </a:rPr>
-              <a:t>中填</a:t>
-            </a:r>
-            <a:r>
-              <a:rPr b="0" lang="en-US" sz="1800" spc="-1" strike="noStrike">
-                <a:solidFill>
-                  <a:srgbClr val="ffffff"/>
-                </a:solidFill>
-                <a:latin typeface="Arial"/>
-              </a:rPr>
-              <a:t>空来</a:t>
-            </a:r>
-            <a:r>
-              <a:rPr b="0" lang="en-US" sz="1800" spc="-1" strike="noStrike">
-                <a:solidFill>
-                  <a:srgbClr val="ffffff"/>
-                </a:solidFill>
-                <a:latin typeface="Arial"/>
-              </a:rPr>
-              <a:t>实现</a:t>
-            </a:r>
-            <a:r>
-              <a:rPr b="0" lang="en-US" sz="1800" spc="-1" strike="noStrike">
-                <a:solidFill>
-                  <a:srgbClr val="ffffff"/>
-                </a:solidFill>
-                <a:latin typeface="Arial"/>
-              </a:rPr>
-              <a:t>服务</a:t>
-            </a:r>
-            <a:r>
-              <a:rPr b="0" lang="en-US" sz="1800" spc="-1" strike="noStrike">
-                <a:solidFill>
-                  <a:srgbClr val="ffffff"/>
-                </a:solidFill>
-                <a:latin typeface="Arial"/>
-              </a:rPr>
-              <a:t>端，</a:t>
-            </a:r>
-            <a:r>
-              <a:rPr b="0" lang="en-US" sz="1800" spc="-1" strike="noStrike">
-                <a:solidFill>
-                  <a:srgbClr val="ffffff"/>
-                </a:solidFill>
-                <a:latin typeface="Arial"/>
-              </a:rPr>
-              <a:t>或者</a:t>
-            </a:r>
-            <a:r>
-              <a:rPr b="0" lang="en-US" sz="1800" spc="-1" strike="noStrike">
-                <a:solidFill>
-                  <a:srgbClr val="ffffff"/>
-                </a:solidFill>
-                <a:latin typeface="Arial"/>
-              </a:rPr>
-              <a:t>编写</a:t>
+              <a:t>服务端打交道，或者在现成的框架中填空来实现服务端，或者编写</a:t>
             </a:r>
             <a:r>
               <a:rPr b="0" lang="en-US" sz="1800" spc="-1" strike="noStrike">
@@ -8742,16 +9439,7 @@
                 </a:solidFill>
                 <a:latin typeface="Arial"/>
               </a:rPr>
-              <a:t>来响</a:t>
-            </a:r>
-            <a:r>
-              <a:rPr b="0" lang="en-US" sz="1800" spc="-1" strike="noStrike">
-                <a:solidFill>
-                  <a:srgbClr val="ffffff"/>
-                </a:solidFill>
-                <a:latin typeface="Arial"/>
-              </a:rPr>
-              <a:t>应</a:t>
+              <a:t>来响应</a:t>
             </a:r>
             <a:r>
               <a:rPr b="0" lang="en-US" sz="1800" spc="-1" strike="noStrike">
@@ -8769,43 +9457,7 @@
                 </a:solidFill>
                 <a:latin typeface="Arial"/>
               </a:rPr>
-              <a:t>请</a:t>
-            </a:r>
-            <a:r>
-              <a:rPr b="0" lang="en-US" sz="1800" spc="-1" strike="noStrike">
-                <a:solidFill>
-                  <a:srgbClr val="ffffff"/>
-                </a:solidFill>
-                <a:latin typeface="Arial"/>
-              </a:rPr>
-              <a:t>求，</a:t>
-            </a:r>
-            <a:r>
-              <a:rPr b="0" lang="en-US" sz="1800" spc="-1" strike="noStrike">
-                <a:solidFill>
-                  <a:srgbClr val="ffffff"/>
-                </a:solidFill>
-                <a:latin typeface="Arial"/>
-              </a:rPr>
-              <a:t>或者</a:t>
-            </a:r>
-            <a:r>
-              <a:rPr b="0" lang="en-US" sz="1800" spc="-1" strike="noStrike">
-                <a:solidFill>
-                  <a:srgbClr val="ffffff"/>
-                </a:solidFill>
-                <a:latin typeface="Arial"/>
-              </a:rPr>
-              <a:t>使用</a:t>
-            </a:r>
-            <a:r>
-              <a:rPr b="0" lang="en-US" sz="1800" spc="-1" strike="noStrike">
-                <a:solidFill>
-                  <a:srgbClr val="ffffff"/>
-                </a:solidFill>
-                <a:latin typeface="Arial"/>
-              </a:rPr>
-              <a:t>某种</a:t>
+              <a:t>请求，或者使用某种</a:t>
             </a:r>
             <a:r>
               <a:rPr b="0" lang="en-US" sz="1800" spc="-1" strike="noStrike">
@@ -8823,52 +9475,7 @@
                 </a:solidFill>
                 <a:latin typeface="Arial"/>
               </a:rPr>
-              <a:t>与其</a:t>
-            </a:r>
-            <a:r>
-              <a:rPr b="0" lang="en-US" sz="1800" spc="-1" strike="noStrike">
-                <a:solidFill>
-                  <a:srgbClr val="ffffff"/>
-                </a:solidFill>
-                <a:latin typeface="Arial"/>
-              </a:rPr>
-              <a:t>他进</a:t>
-            </a:r>
-            <a:r>
-              <a:rPr b="0" lang="en-US" sz="1800" spc="-1" strike="noStrike">
-                <a:solidFill>
-                  <a:srgbClr val="ffffff"/>
-                </a:solidFill>
-                <a:latin typeface="Arial"/>
-              </a:rPr>
-              <a:t>程通</a:t>
-            </a:r>
-            <a:r>
-              <a:rPr b="0" lang="en-US" sz="1800" spc="-1" strike="noStrike">
-                <a:solidFill>
-                  <a:srgbClr val="ffffff"/>
-                </a:solidFill>
-                <a:latin typeface="Arial"/>
-              </a:rPr>
-              <a:t>信，</a:t>
-            </a:r>
-            <a:r>
-              <a:rPr b="0" lang="en-US" sz="1800" spc="-1" strike="noStrike">
-                <a:solidFill>
-                  <a:srgbClr val="ffffff"/>
-                </a:solidFill>
-                <a:latin typeface="Arial"/>
-              </a:rPr>
-              <a:t>等</a:t>
-            </a:r>
-            <a:r>
-              <a:rPr b="0" lang="en-US" sz="1800" spc="-1" strike="noStrike">
-                <a:solidFill>
-                  <a:srgbClr val="ffffff"/>
-                </a:solidFill>
-                <a:latin typeface="Arial"/>
-              </a:rPr>
-              <a:t>等。</a:t>
+              <a:t>与其他进程通信，等等。</a:t>
             </a:r>
             <a:endParaRPr b="0" lang="en-US" sz="1800" spc="-1" strike="noStrike">
               <a:latin typeface="Arial"/>
@@ -8891,313 +9498,43 @@
                 </a:solidFill>
                 <a:latin typeface="Arial"/>
               </a:rPr>
-              <a:t>我认</a:t>
-            </a:r>
-            <a:r>
-              <a:rPr b="0" lang="en-US" sz="1800" spc="-1" strike="noStrike">
-                <a:solidFill>
-                  <a:srgbClr val="ffffff"/>
-                </a:solidFill>
-                <a:latin typeface="Arial"/>
-              </a:rPr>
-              <a:t>为还</a:t>
-            </a:r>
-            <a:r>
-              <a:rPr b="0" lang="en-US" sz="1800" spc="-1" strike="noStrike">
-                <a:solidFill>
-                  <a:srgbClr val="ffffff"/>
-                </a:solidFill>
-                <a:latin typeface="Arial"/>
-              </a:rPr>
-              <a:t>是有</a:t>
-            </a:r>
-            <a:r>
-              <a:rPr b="0" lang="en-US" sz="1800" spc="-1" strike="noStrike">
-                <a:solidFill>
-                  <a:srgbClr val="ffffff"/>
-                </a:solidFill>
-                <a:latin typeface="Arial"/>
-              </a:rPr>
-              <a:t>必要</a:t>
-            </a:r>
-            <a:r>
-              <a:rPr b="0" lang="en-US" sz="1800" spc="-1" strike="noStrike">
-                <a:solidFill>
-                  <a:srgbClr val="ffffff"/>
-                </a:solidFill>
-                <a:latin typeface="Arial"/>
-              </a:rPr>
-              <a:t>学一</a:t>
-            </a:r>
-            <a:r>
-              <a:rPr b="0" lang="en-US" sz="1800" spc="-1" strike="noStrike">
-                <a:solidFill>
-                  <a:srgbClr val="ffffff"/>
-                </a:solidFill>
-                <a:latin typeface="Arial"/>
-              </a:rPr>
-              <a:t>学，</a:t>
-            </a:r>
-            <a:r>
-              <a:rPr b="0" lang="en-US" sz="1800" spc="-1" strike="noStrike">
-                <a:solidFill>
-                  <a:srgbClr val="ffffff"/>
-                </a:solidFill>
-                <a:latin typeface="Arial"/>
-              </a:rPr>
-              <a:t>至少</a:t>
-            </a:r>
-            <a:r>
-              <a:rPr b="0" lang="en-US" sz="1800" spc="-1" strike="noStrike">
-                <a:solidFill>
-                  <a:srgbClr val="ffffff"/>
-                </a:solidFill>
-                <a:latin typeface="Arial"/>
-              </a:rPr>
-              <a:t>在网</a:t>
-            </a:r>
-            <a:r>
-              <a:rPr b="0" lang="en-US" sz="1800" spc="-1" strike="noStrike">
-                <a:solidFill>
-                  <a:srgbClr val="ffffff"/>
-                </a:solidFill>
-                <a:latin typeface="Arial"/>
-              </a:rPr>
-              <a:t>络故</a:t>
-            </a:r>
-            <a:r>
-              <a:rPr b="0" lang="en-US" sz="1800" spc="-1" strike="noStrike">
-                <a:solidFill>
-                  <a:srgbClr val="ffffff"/>
-                </a:solidFill>
-                <a:latin typeface="Arial"/>
-              </a:rPr>
-              <a:t>障排</a:t>
-            </a:r>
-            <a:r>
-              <a:rPr b="0" lang="en-US" sz="1800" spc="-1" strike="noStrike">
-                <a:solidFill>
-                  <a:srgbClr val="ffffff"/>
-                </a:solidFill>
-                <a:latin typeface="Arial"/>
-              </a:rPr>
-              <a:t>除的</a:t>
-            </a:r>
-            <a:r>
-              <a:rPr b="0" lang="en-US" sz="1800" spc="-1" strike="noStrike">
-                <a:solidFill>
-                  <a:srgbClr val="ffffff"/>
-                </a:solidFill>
-                <a:latin typeface="Arial"/>
-              </a:rPr>
-              <a:t>时候</a:t>
-            </a:r>
-            <a:r>
-              <a:rPr b="0" lang="en-US" sz="1800" spc="-1" strike="noStrike">
-                <a:solidFill>
-                  <a:srgbClr val="ffffff"/>
-                </a:solidFill>
-                <a:latin typeface="Arial"/>
-              </a:rPr>
-              <a:t>有</a:t>
-            </a:r>
-            <a:r>
-              <a:rPr b="0" lang="en-US" sz="1800" spc="-1" strike="noStrike">
-                <a:solidFill>
-                  <a:srgbClr val="ffffff"/>
-                </a:solidFill>
-                <a:latin typeface="Arial"/>
-              </a:rPr>
-              <a:t>用。</a:t>
-            </a:r>
-            <a:r>
-              <a:rPr b="0" lang="en-US" sz="1800" spc="-1" strike="noStrike">
-                <a:solidFill>
-                  <a:srgbClr val="ffffff"/>
-                </a:solidFill>
-                <a:latin typeface="Arial"/>
-              </a:rPr>
-              <a:t>无论</a:t>
-            </a:r>
-            <a:r>
-              <a:rPr b="0" lang="en-US" sz="1800" spc="-1" strike="noStrike">
-                <a:solidFill>
-                  <a:srgbClr val="ffffff"/>
-                </a:solidFill>
-                <a:latin typeface="Arial"/>
-              </a:rPr>
-              <a:t>如</a:t>
-            </a:r>
-            <a:r>
-              <a:rPr b="0" lang="en-US" sz="1800" spc="-1" strike="noStrike">
-                <a:solidFill>
-                  <a:srgbClr val="ffffff"/>
-                </a:solidFill>
-                <a:latin typeface="Arial"/>
-              </a:rPr>
-              <a:t>何，</a:t>
-            </a:r>
-            <a:r>
-              <a:rPr b="0" lang="en-US" sz="1800" spc="-1" strike="noStrike">
-                <a:solidFill>
-                  <a:srgbClr val="ffffff"/>
-                </a:solidFill>
-                <a:latin typeface="Arial"/>
-              </a:rPr>
-              <a:t>那些</a:t>
-            </a:r>
-            <a:r>
-              <a:rPr b="0" lang="en-US" sz="1800" spc="-1" strike="noStrike">
-                <a:solidFill>
-                  <a:srgbClr val="ffffff"/>
-                </a:solidFill>
-                <a:latin typeface="Arial"/>
-              </a:rPr>
-              <a:t>client </a:t>
-            </a:r>
-            <a:r>
-              <a:rPr b="0" lang="en-US" sz="1800" spc="-1" strike="noStrike">
-                <a:solidFill>
-                  <a:srgbClr val="ffffff"/>
-                </a:solidFill>
-                <a:latin typeface="Arial"/>
-              </a:rPr>
-              <a:t>library</a:t>
-            </a:r>
-            <a:r>
-              <a:rPr b="0" lang="en-US" sz="1800" spc="-1" strike="noStrike">
-                <a:solidFill>
-                  <a:srgbClr val="ffffff"/>
-                </a:solidFill>
-                <a:latin typeface="Arial"/>
-              </a:rPr>
-              <a:t>或者</a:t>
-            </a:r>
-            <a:r>
-              <a:rPr b="0" lang="en-US" sz="1800" spc="-1" strike="noStrike">
-                <a:solidFill>
-                  <a:srgbClr val="ffffff"/>
-                </a:solidFill>
-                <a:latin typeface="Arial"/>
-              </a:rPr>
-              <a:t>框架</a:t>
-            </a:r>
-            <a:r>
-              <a:rPr b="0" lang="en-US" sz="1800" spc="-1" strike="noStrike">
-                <a:solidFill>
-                  <a:srgbClr val="ffffff"/>
-                </a:solidFill>
-                <a:latin typeface="Arial"/>
-              </a:rPr>
-              <a:t>都会</a:t>
-            </a:r>
-            <a:r>
-              <a:rPr b="0" lang="en-US" sz="1800" spc="-1" strike="noStrike">
-                <a:solidFill>
-                  <a:srgbClr val="ffffff"/>
-                </a:solidFill>
-                <a:latin typeface="Arial"/>
-              </a:rPr>
-              <a:t>调用</a:t>
-            </a:r>
-            <a:r>
-              <a:rPr b="0" lang="en-US" sz="1800" spc="-1" strike="noStrike">
-                <a:solidFill>
-                  <a:srgbClr val="ffffff"/>
-                </a:solidFill>
-                <a:latin typeface="Arial"/>
-              </a:rPr>
-              <a:t>底层</a:t>
-            </a:r>
-            <a:r>
-              <a:rPr b="0" lang="en-US" sz="1800" spc="-1" strike="noStrike">
-                <a:solidFill>
-                  <a:srgbClr val="ffffff"/>
-                </a:solidFill>
-                <a:latin typeface="Arial"/>
-              </a:rPr>
-              <a:t>的</a:t>
-            </a:r>
-            <a:r>
-              <a:rPr b="0" lang="en-US" sz="1800" spc="-1" strike="noStrike">
-                <a:solidFill>
-                  <a:srgbClr val="ffffff"/>
-                </a:solidFill>
-                <a:latin typeface="Arial"/>
-              </a:rPr>
-              <a:t>Socket</a:t>
-            </a:r>
-            <a:r>
-              <a:rPr b="0" lang="en-US" sz="1800" spc="-1" strike="noStrike">
-                <a:solidFill>
-                  <a:srgbClr val="ffffff"/>
-                </a:solidFill>
-                <a:latin typeface="Arial"/>
-              </a:rPr>
-              <a:t>s API</a:t>
-            </a:r>
-            <a:r>
-              <a:rPr b="0" lang="en-US" sz="1800" spc="-1" strike="noStrike">
-                <a:solidFill>
-                  <a:srgbClr val="ffffff"/>
-                </a:solidFill>
-                <a:latin typeface="Arial"/>
-              </a:rPr>
-              <a:t>来实</a:t>
-            </a:r>
-            <a:r>
-              <a:rPr b="0" lang="en-US" sz="1800" spc="-1" strike="noStrike">
-                <a:solidFill>
-                  <a:srgbClr val="ffffff"/>
-                </a:solidFill>
-                <a:latin typeface="Arial"/>
-              </a:rPr>
-              <a:t>现网</a:t>
-            </a:r>
-            <a:r>
-              <a:rPr b="0" lang="en-US" sz="1800" spc="-1" strike="noStrike">
-                <a:solidFill>
-                  <a:srgbClr val="ffffff"/>
-                </a:solidFill>
-                <a:latin typeface="Arial"/>
-              </a:rPr>
-              <a:t>络功</a:t>
-            </a:r>
-            <a:r>
-              <a:rPr b="0" lang="en-US" sz="1800" spc="-1" strike="noStrike">
-                <a:solidFill>
-                  <a:srgbClr val="ffffff"/>
-                </a:solidFill>
-                <a:latin typeface="Arial"/>
-              </a:rPr>
-              <a:t>能。</a:t>
-            </a:r>
-            <a:r>
-              <a:rPr b="0" lang="en-US" sz="1800" spc="-1" strike="noStrike">
-                <a:solidFill>
-                  <a:srgbClr val="ffffff"/>
-                </a:solidFill>
-                <a:latin typeface="Arial"/>
-              </a:rPr>
-              <a:t>另</a:t>
-            </a:r>
-            <a:r>
-              <a:rPr b="0" lang="en-US" sz="1800" spc="-1" strike="noStrike">
-                <a:solidFill>
-                  <a:srgbClr val="ffffff"/>
-                </a:solidFill>
-                <a:latin typeface="Arial"/>
-              </a:rPr>
-              <a:t>外，</a:t>
-            </a:r>
-            <a:r>
-              <a:rPr b="0" lang="en-US" sz="1800" spc="-1" strike="noStrike">
-                <a:solidFill>
-                  <a:srgbClr val="ffffff"/>
-                </a:solidFill>
-                <a:latin typeface="Arial"/>
-              </a:rPr>
-              <a:t>熟悉</a:t>
+              <a:t>我认为还是有必要学一学，至少在网络故障排除的时候有用。无论如何，那些</a:t>
+            </a:r>
+            <a:r>
+              <a:rPr b="0" lang="en-US" sz="1800" spc="-1" strike="noStrike">
+                <a:solidFill>
+                  <a:srgbClr val="ffffff"/>
+                </a:solidFill>
+                <a:latin typeface="Arial"/>
+              </a:rPr>
+              <a:t>client library</a:t>
+            </a:r>
+            <a:r>
+              <a:rPr b="0" lang="en-US" sz="1800" spc="-1" strike="noStrike">
+                <a:solidFill>
+                  <a:srgbClr val="ffffff"/>
+                </a:solidFill>
+                <a:latin typeface="Arial"/>
+              </a:rPr>
+              <a:t>或者框架都会调用底层的</a:t>
+            </a:r>
+            <a:r>
+              <a:rPr b="0" lang="en-US" sz="1800" spc="-1" strike="noStrike">
+                <a:solidFill>
+                  <a:srgbClr val="ffffff"/>
+                </a:solidFill>
+                <a:latin typeface="Arial"/>
+              </a:rPr>
+              <a:t>socket API</a:t>
+            </a:r>
+            <a:r>
+              <a:rPr b="0" lang="en-US" sz="1800" spc="-1" strike="noStrike">
+                <a:solidFill>
+                  <a:srgbClr val="ffffff"/>
+                </a:solidFill>
+                <a:latin typeface="Arial"/>
+              </a:rPr>
+              <a:t>来实现网络功能。另外，熟悉</a:t>
             </a:r>
             <a:r>
               <a:rPr b="0" lang="en-US" sz="1800" spc="-1" strike="noStrike">
@@ -9215,192 +9552,39 @@
                 </a:solidFill>
                 <a:latin typeface="Arial"/>
               </a:rPr>
-              <a:t>协</a:t>
-            </a:r>
-            <a:r>
-              <a:rPr b="0" lang="en-US" sz="1800" spc="-1" strike="noStrike">
-                <a:solidFill>
-                  <a:srgbClr val="ffffff"/>
-                </a:solidFill>
-                <a:latin typeface="Arial"/>
-              </a:rPr>
-              <a:t>议，</a:t>
-            </a:r>
-            <a:r>
-              <a:rPr b="0" lang="en-US" sz="1800" spc="-1" strike="noStrike">
-                <a:solidFill>
-                  <a:srgbClr val="ffffff"/>
-                </a:solidFill>
-                <a:latin typeface="Arial"/>
-              </a:rPr>
-              <a:t>会用</a:t>
-            </a:r>
-            <a:r>
-              <a:rPr b="0" lang="en-US" sz="1800" spc="-1" strike="noStrike">
-                <a:solidFill>
-                  <a:srgbClr val="ffffff"/>
-                </a:solidFill>
-                <a:latin typeface="Arial"/>
-              </a:rPr>
-              <a:t>tcpdum</a:t>
-            </a:r>
-            <a:r>
-              <a:rPr b="0" lang="en-US" sz="1800" spc="-1" strike="noStrike">
-                <a:solidFill>
-                  <a:srgbClr val="ffffff"/>
-                </a:solidFill>
-                <a:latin typeface="Arial"/>
-              </a:rPr>
-              <a:t>p</a:t>
-            </a:r>
-            <a:r>
-              <a:rPr b="0" lang="en-US" sz="1800" spc="-1" strike="noStrike">
-                <a:solidFill>
-                  <a:srgbClr val="ffffff"/>
-                </a:solidFill>
-                <a:latin typeface="Arial"/>
-              </a:rPr>
-              <a:t>也</a:t>
-            </a:r>
-            <a:r>
-              <a:rPr b="0" lang="en-US" sz="1800" spc="-1" strike="noStrike">
-                <a:solidFill>
-                  <a:srgbClr val="ffffff"/>
-                </a:solidFill>
-                <a:latin typeface="Arial"/>
-              </a:rPr>
-              <a:t>非常</a:t>
-            </a:r>
-            <a:r>
-              <a:rPr b="0" lang="en-US" sz="1800" spc="-1" strike="noStrike">
-                <a:solidFill>
-                  <a:srgbClr val="ffffff"/>
-                </a:solidFill>
-                <a:latin typeface="Arial"/>
-              </a:rPr>
-              <a:t>有助</a:t>
-            </a:r>
-            <a:r>
-              <a:rPr b="0" lang="en-US" sz="1800" spc="-1" strike="noStrike">
-                <a:solidFill>
-                  <a:srgbClr val="ffffff"/>
-                </a:solidFill>
-                <a:latin typeface="Arial"/>
-              </a:rPr>
-              <a:t>于分</a:t>
-            </a:r>
-            <a:r>
-              <a:rPr b="0" lang="en-US" sz="1800" spc="-1" strike="noStrike">
-                <a:solidFill>
-                  <a:srgbClr val="ffffff"/>
-                </a:solidFill>
-                <a:latin typeface="Arial"/>
-              </a:rPr>
-              <a:t>析解</a:t>
-            </a:r>
-            <a:r>
-              <a:rPr b="0" lang="en-US" sz="1800" spc="-1" strike="noStrike">
-                <a:solidFill>
-                  <a:srgbClr val="ffffff"/>
-                </a:solidFill>
-                <a:latin typeface="Arial"/>
-              </a:rPr>
-              <a:t>决线</a:t>
-            </a:r>
-            <a:r>
-              <a:rPr b="0" lang="en-US" sz="1800" spc="-1" strike="noStrike">
-                <a:solidFill>
-                  <a:srgbClr val="ffffff"/>
-                </a:solidFill>
-                <a:latin typeface="Arial"/>
-              </a:rPr>
-              <a:t>上网</a:t>
-            </a:r>
-            <a:r>
-              <a:rPr b="0" lang="en-US" sz="1800" spc="-1" strike="noStrike">
-                <a:solidFill>
-                  <a:srgbClr val="ffffff"/>
-                </a:solidFill>
-                <a:latin typeface="Arial"/>
-              </a:rPr>
-              <a:t>络服</a:t>
-            </a:r>
-            <a:r>
-              <a:rPr b="0" lang="en-US" sz="1800" spc="-1" strike="noStrike">
-                <a:solidFill>
-                  <a:srgbClr val="ffffff"/>
-                </a:solidFill>
-                <a:latin typeface="Arial"/>
-              </a:rPr>
-              <a:t>务问</a:t>
-            </a:r>
-            <a:r>
-              <a:rPr b="0" lang="en-US" sz="1800" spc="-1" strike="noStrike">
-                <a:solidFill>
-                  <a:srgbClr val="ffffff"/>
-                </a:solidFill>
-                <a:latin typeface="Arial"/>
-              </a:rPr>
-              <a:t>题。</a:t>
-            </a:r>
-            <a:endParaRPr b="0" lang="en-US" sz="1800" spc="-1" strike="noStrike">
-              <a:latin typeface="Arial"/>
-            </a:endParaRPr>
-          </a:p>
-          <a:p>
-            <a:r>
-              <a:rPr b="0" lang="en-US" sz="1800" spc="-1" strike="noStrike">
-                <a:solidFill>
-                  <a:srgbClr val="ffffff"/>
-                </a:solidFill>
-                <a:latin typeface="Arial"/>
-              </a:rPr>
-              <a:t>            </a:t>
-            </a:r>
-            <a:r>
-              <a:rPr b="0" lang="en-US" sz="1800" spc="-1" strike="noStrike">
-                <a:solidFill>
-                  <a:srgbClr val="ffffff"/>
-                </a:solidFill>
-                <a:latin typeface="Arial"/>
-              </a:rPr>
-              <a:t>            </a:t>
-            </a:r>
-            <a:r>
-              <a:rPr b="0" lang="en-US" sz="1800" spc="-1" strike="noStrike">
-                <a:solidFill>
-                  <a:srgbClr val="ffffff"/>
-                </a:solidFill>
-                <a:latin typeface="Arial"/>
-              </a:rPr>
-              <a:t>            </a:t>
-            </a:r>
-            <a:r>
-              <a:rPr b="0" lang="en-US" sz="1800" spc="-1" strike="noStrike">
-                <a:solidFill>
-                  <a:srgbClr val="ffffff"/>
-                </a:solidFill>
-                <a:latin typeface="Arial"/>
-              </a:rPr>
-              <a:t>            </a:t>
-            </a:r>
-            <a:r>
-              <a:rPr b="0" lang="en-US" sz="1800" spc="-1" strike="noStrike">
-                <a:solidFill>
-                  <a:srgbClr val="ffffff"/>
-                </a:solidFill>
-                <a:latin typeface="Arial"/>
-              </a:rPr>
-              <a:t>            </a:t>
-            </a:r>
-            <a:r>
-              <a:rPr b="0" lang="en-US" sz="1800" spc="-1" strike="noStrike">
-                <a:solidFill>
-                  <a:srgbClr val="ffffff"/>
-                </a:solidFill>
-                <a:latin typeface="Arial"/>
-              </a:rPr>
-              <a:t>           </a:t>
+              <a:t>协议，会用</a:t>
+            </a:r>
+            <a:r>
+              <a:rPr b="0" lang="en-US" sz="1800" spc="-1" strike="noStrike">
+                <a:solidFill>
+                  <a:srgbClr val="ffffff"/>
+                </a:solidFill>
+                <a:latin typeface="Arial"/>
+              </a:rPr>
+              <a:t>tcpdump</a:t>
+            </a:r>
+            <a:r>
+              <a:rPr b="0" lang="en-US" sz="1800" spc="-1" strike="noStrike">
+                <a:solidFill>
+                  <a:srgbClr val="ffffff"/>
+                </a:solidFill>
+                <a:latin typeface="Arial"/>
+              </a:rPr>
+              <a:t>也非常有助于分析解决线上网络服务问题。</a:t>
+            </a:r>
+            <a:endParaRPr b="0" lang="en-US" sz="1800" spc="-1" strike="noStrike">
+              <a:latin typeface="Arial"/>
+            </a:endParaRPr>
+          </a:p>
+          <a:p>
+            <a:r>
+              <a:rPr b="0" lang="en-US" sz="1800" spc="-1" strike="noStrike">
+                <a:solidFill>
+                  <a:srgbClr val="ffffff"/>
+                </a:solidFill>
+                <a:latin typeface="Arial"/>
+              </a:rPr>
+              <a:t>                                                                       </a:t>
             </a:r>
             <a:endParaRPr b="0" lang="en-US" sz="1800" spc="-1" strike="noStrike">
               <a:latin typeface="Arial"/>
@@ -9578,25 +9762,7 @@
                 </a:solidFill>
                 <a:latin typeface="Arial"/>
               </a:rPr>
-              <a:t>已经成为全球市场份额最大的服务器操作系统，在这种大众系</a:t>
-            </a:r>
-            <a:r>
-              <a:rPr b="0" lang="en-US" sz="1800" spc="-1" strike="noStrike">
-                <a:solidFill>
-                  <a:srgbClr val="ffffff"/>
-                </a:solidFill>
-                <a:latin typeface="Arial"/>
-              </a:rPr>
-              <a:t>统上学习，遇到什么问题会比较容易解决。因为用的人多，你遇到的问题别</a:t>
-            </a:r>
-            <a:r>
-              <a:rPr b="0" lang="en-US" sz="1800" spc="-1" strike="noStrike">
-                <a:solidFill>
-                  <a:srgbClr val="ffffff"/>
-                </a:solidFill>
-                <a:latin typeface="Arial"/>
-              </a:rPr>
-              <a:t>人多半也遇到过。</a:t>
+              <a:t>已经成为全球市场份额最大的服务器操作系统，在这种大众系统上学习，遇到什么问题会比较容易解决。因为用的人多，你遇到的问题别人多半也遇到过。</a:t>
             </a:r>
             <a:endParaRPr b="0" lang="en-US" sz="1800" spc="-1" strike="noStrike">
               <a:latin typeface="Arial"/>
@@ -9647,16 +9813,7 @@
                 </a:solidFill>
                 <a:latin typeface="Arial"/>
               </a:rPr>
-              <a:t>写网络程序要不要考虑移植性？要不要跨平台？这取决于项目需要，如</a:t>
-            </a:r>
-            <a:r>
-              <a:rPr b="0" lang="en-US" sz="1800" spc="-1" strike="noStrike">
-                <a:solidFill>
-                  <a:srgbClr val="ffffff"/>
-                </a:solidFill>
-                <a:latin typeface="Arial"/>
-              </a:rPr>
-              <a:t>果公司做的程序要卖给其他公司，而对方可能使用</a:t>
+              <a:t>写网络程序要不要考虑移植性？要不要跨平台？这取决于项目需要，如果公司做的程序要卖给其他公司，而对方可能使用</a:t>
             </a:r>
             <a:r>
               <a:rPr b="0" lang="en-US" sz="1800" spc="-1" strike="noStrike">
@@ -9756,16 +9913,7 @@
                 </a:solidFill>
                 <a:latin typeface="Arial"/>
               </a:rPr>
-              <a:t>如果编写公司内部的服务器上用的网络程序，那么大可只关注一个平台，比</a:t>
-            </a:r>
-            <a:r>
-              <a:rPr b="0" lang="en-US" sz="1800" spc="-1" strike="noStrike">
-                <a:solidFill>
-                  <a:srgbClr val="ffffff"/>
-                </a:solidFill>
-                <a:latin typeface="Arial"/>
-              </a:rPr>
-              <a:t>如</a:t>
+              <a:t>如果编写公司内部的服务器上用的网络程序，那么大可只关注一个平台，比如</a:t>
             </a:r>
             <a:r>
               <a:rPr b="0" lang="en-US" sz="1800" spc="-1" strike="noStrike">
@@ -10576,7 +10724,7 @@
                 </a:solidFill>
                 <a:latin typeface="Arial"/>
               </a:rPr>
-              <a:t>Sockets API</a:t>
+              <a:t>socket API</a:t>
             </a:r>
             <a:r>
               <a:rPr b="0" lang="en-US" sz="1800" spc="-1" strike="noStrike">

--- a/c-network-programming-pptx.pptx
+++ b/c-network-programming-pptx.pptx
@@ -28,6 +28,7 @@
     <p:sldId id="272" r:id="rId21"/>
     <p:sldId id="273" r:id="rId22"/>
     <p:sldId id="274" r:id="rId23"/>
+    <p:sldId id="275" r:id="rId24"/>
   </p:sldIdLst>
   <p:sldSz cx="10080625" cy="7559675"/>
   <p:notesSz cx="7559675" cy="10691812"/>
@@ -152,7 +153,7 @@
               <a:rPr b="0" lang="en-US" sz="1400" spc="-1" strike="noStrike">
                 <a:latin typeface="Times New Roman"/>
               </a:rPr>
-              <a:t>&lt;页眉&gt;</a:t>
+              <a:t> </a:t>
             </a:r>
             <a:endParaRPr b="0" lang="en-US" sz="1400" spc="-1" strike="noStrike">
               <a:latin typeface="Times New Roman"/>
@@ -187,7 +188,7 @@
               <a:rPr b="0" lang="en-US" sz="1400" spc="-1" strike="noStrike">
                 <a:latin typeface="Times New Roman"/>
               </a:rPr>
-              <a:t>&lt;日期/时间&gt;</a:t>
+              <a:t> </a:t>
             </a:r>
             <a:endParaRPr b="0" lang="en-US" sz="1400" spc="-1" strike="noStrike">
               <a:latin typeface="Times New Roman"/>
@@ -221,7 +222,7 @@
               <a:rPr b="0" lang="en-US" sz="1400" spc="-1" strike="noStrike">
                 <a:latin typeface="Times New Roman"/>
               </a:rPr>
-              <a:t>&lt;页脚&gt;</a:t>
+              <a:t> </a:t>
             </a:r>
             <a:endParaRPr b="0" lang="en-US" sz="1400" spc="-1" strike="noStrike">
               <a:latin typeface="Times New Roman"/>
@@ -252,11 +253,11 @@
           <a:bodyPr lIns="0" rIns="0" tIns="0" bIns="0" anchor="b"/>
           <a:p>
             <a:pPr algn="r"/>
-            <a:fld id="{99370D4B-8109-435B-9738-05392F89087A}" type="slidenum">
+            <a:fld id="{2434F35B-909E-46CB-B41A-22F8708CED19}" type="slidenum">
               <a:rPr b="0" lang="en-US" sz="1400" spc="-1" strike="noStrike">
                 <a:latin typeface="Times New Roman"/>
               </a:rPr>
-              <a:t>&lt;编号&gt;</a:t>
+              <a:t>1</a:t>
             </a:fld>
             <a:endParaRPr b="0" lang="en-US" sz="1400" spc="-1" strike="noStrike">
               <a:latin typeface="Times New Roman"/>
@@ -289,7 +290,7 @@
       </p:grpSpPr>
       <p:sp>
         <p:nvSpPr>
-          <p:cNvPr id="184" name="PlaceHolder 1"/>
+          <p:cNvPr id="185" name="PlaceHolder 1"/>
           <p:cNvSpPr>
             <a:spLocks noGrp="1"/>
           </p:cNvSpPr>
@@ -309,7 +310,7 @@
       </p:sp>
       <p:sp>
         <p:nvSpPr>
-          <p:cNvPr id="185" name="PlaceHolder 2"/>
+          <p:cNvPr id="186" name="PlaceHolder 2"/>
           <p:cNvSpPr>
             <a:spLocks noGrp="1"/>
           </p:cNvSpPr>
@@ -365,7 +366,7 @@
       </p:grpSpPr>
       <p:sp>
         <p:nvSpPr>
-          <p:cNvPr id="186" name="PlaceHolder 1"/>
+          <p:cNvPr id="187" name="PlaceHolder 1"/>
           <p:cNvSpPr>
             <a:spLocks noGrp="1"/>
           </p:cNvSpPr>
@@ -385,7 +386,7 @@
       </p:sp>
       <p:sp>
         <p:nvSpPr>
-          <p:cNvPr id="187" name="PlaceHolder 2"/>
+          <p:cNvPr id="188" name="PlaceHolder 2"/>
           <p:cNvSpPr>
             <a:spLocks noGrp="1"/>
           </p:cNvSpPr>
@@ -441,7 +442,7 @@
       </p:grpSpPr>
       <p:sp>
         <p:nvSpPr>
-          <p:cNvPr id="188" name="PlaceHolder 1"/>
+          <p:cNvPr id="189" name="PlaceHolder 1"/>
           <p:cNvSpPr>
             <a:spLocks noGrp="1"/>
           </p:cNvSpPr>
@@ -461,7 +462,7 @@
       </p:sp>
       <p:sp>
         <p:nvSpPr>
-          <p:cNvPr id="189" name="PlaceHolder 2"/>
+          <p:cNvPr id="190" name="PlaceHolder 2"/>
           <p:cNvSpPr>
             <a:spLocks noGrp="1"/>
           </p:cNvSpPr>
@@ -3435,106 +3436,7 @@
                 </a:solidFill>
                 <a:latin typeface="Arial"/>
               </a:rPr>
-              <a:t>单</a:t>
-            </a:r>
-            <a:r>
-              <a:rPr b="0" lang="en-US" sz="5860" spc="-1" strike="noStrike">
-                <a:solidFill>
-                  <a:srgbClr val="ffffff"/>
-                </a:solidFill>
-                <a:latin typeface="Arial"/>
-              </a:rPr>
-              <a:t>击</a:t>
-            </a:r>
-            <a:r>
-              <a:rPr b="0" lang="en-US" sz="5860" spc="-1" strike="noStrike">
-                <a:solidFill>
-                  <a:srgbClr val="ffffff"/>
-                </a:solidFill>
-                <a:latin typeface="Arial"/>
-              </a:rPr>
-              <a:t>鼠</a:t>
-            </a:r>
-            <a:r>
-              <a:rPr b="0" lang="en-US" sz="5860" spc="-1" strike="noStrike">
-                <a:solidFill>
-                  <a:srgbClr val="ffffff"/>
-                </a:solidFill>
-                <a:latin typeface="Arial"/>
-              </a:rPr>
-              <a:t>标</a:t>
-            </a:r>
-            <a:r>
-              <a:rPr b="0" lang="en-US" sz="5860" spc="-1" strike="noStrike">
-                <a:solidFill>
-                  <a:srgbClr val="ffffff"/>
-                </a:solidFill>
-                <a:latin typeface="Arial"/>
-              </a:rPr>
-              <a:t>编</a:t>
-            </a:r>
-            <a:r>
-              <a:rPr b="0" lang="en-US" sz="5860" spc="-1" strike="noStrike">
-                <a:solidFill>
-                  <a:srgbClr val="ffffff"/>
-                </a:solidFill>
-                <a:latin typeface="Arial"/>
-              </a:rPr>
-              <a:t>辑</a:t>
-            </a:r>
-            <a:r>
-              <a:rPr b="0" lang="en-US" sz="5860" spc="-1" strike="noStrike">
-                <a:solidFill>
-                  <a:srgbClr val="ffffff"/>
-                </a:solidFill>
-                <a:latin typeface="Arial"/>
-              </a:rPr>
-              <a:t>标</a:t>
-            </a:r>
-            <a:r>
-              <a:rPr b="0" lang="en-US" sz="5860" spc="-1" strike="noStrike">
-                <a:solidFill>
-                  <a:srgbClr val="ffffff"/>
-                </a:solidFill>
-                <a:latin typeface="Arial"/>
-              </a:rPr>
-              <a:t>题</a:t>
-            </a:r>
-            <a:r>
-              <a:rPr b="0" lang="en-US" sz="5860" spc="-1" strike="noStrike">
-                <a:solidFill>
-                  <a:srgbClr val="ffffff"/>
-                </a:solidFill>
-                <a:latin typeface="Arial"/>
-              </a:rPr>
-              <a:t>文</a:t>
-            </a:r>
-            <a:r>
-              <a:rPr b="0" lang="en-US" sz="5860" spc="-1" strike="noStrike">
-                <a:solidFill>
-                  <a:srgbClr val="ffffff"/>
-                </a:solidFill>
-                <a:latin typeface="Arial"/>
-              </a:rPr>
-              <a:t>字</a:t>
-            </a:r>
-            <a:r>
-              <a:rPr b="0" lang="en-US" sz="5860" spc="-1" strike="noStrike">
-                <a:solidFill>
-                  <a:srgbClr val="ffffff"/>
-                </a:solidFill>
-                <a:latin typeface="Arial"/>
-              </a:rPr>
-              <a:t>格</a:t>
-            </a:r>
-            <a:r>
-              <a:rPr b="0" lang="en-US" sz="5860" spc="-1" strike="noStrike">
-                <a:solidFill>
-                  <a:srgbClr val="ffffff"/>
-                </a:solidFill>
-                <a:latin typeface="Arial"/>
-              </a:rPr>
-              <a:t>式</a:t>
+              <a:t>单击鼠标编辑标题文字格式</a:t>
             </a:r>
             <a:endParaRPr b="0" lang="en-US" sz="5860" spc="-1" strike="noStrike">
               <a:solidFill>
@@ -3795,7 +3697,7 @@
                 </a:solidFill>
                 <a:latin typeface="Times New Roman"/>
               </a:rPr>
-              <a:t>&lt;日期/时间&gt;</a:t>
+              <a:t> </a:t>
             </a:r>
             <a:endParaRPr b="0" lang="en-US" sz="1400" spc="-1" strike="noStrike">
               <a:solidFill>
@@ -3836,7 +3738,7 @@
                 </a:solidFill>
                 <a:latin typeface="Times New Roman"/>
               </a:rPr>
-              <a:t>&lt;页脚&gt;</a:t>
+              <a:t> </a:t>
             </a:r>
             <a:endParaRPr b="0" lang="en-US" sz="1400" spc="-1" strike="noStrike">
               <a:solidFill>
@@ -3870,14 +3772,14 @@
           <a:bodyPr lIns="0" rIns="0" tIns="0" bIns="0"/>
           <a:p>
             <a:pPr algn="r"/>
-            <a:fld id="{83CBE879-02B6-4F8A-B422-53D21F269DEB}" type="slidenum">
+            <a:fld id="{2593D7C0-91F9-4FCE-BBAB-3377A69FBA74}" type="slidenum">
               <a:rPr b="0" lang="en-US" sz="1400" spc="-1" strike="noStrike">
                 <a:solidFill>
                   <a:srgbClr val="ffffff"/>
                 </a:solidFill>
                 <a:latin typeface="Times New Roman"/>
               </a:rPr>
-              <a:t>&lt;编号&gt;</a:t>
+              <a:t>1</a:t>
             </a:fld>
             <a:endParaRPr b="0" lang="en-US" sz="1400" spc="-1" strike="noStrike">
               <a:solidFill>
@@ -4175,7 +4077,7 @@
               <a:rPr b="0" lang="en-US" sz="1400" spc="-1" strike="noStrike">
                 <a:latin typeface="Times New Roman"/>
               </a:rPr>
-              <a:t>&lt;日期/时间&gt;</a:t>
+              <a:t> </a:t>
             </a:r>
             <a:endParaRPr b="0" lang="en-US" sz="1400" spc="-1" strike="noStrike">
               <a:latin typeface="Times New Roman"/>
@@ -4210,7 +4112,7 @@
               <a:rPr b="0" lang="en-US" sz="1400" spc="-1" strike="noStrike">
                 <a:latin typeface="Times New Roman"/>
               </a:rPr>
-              <a:t>&lt;页脚&gt;</a:t>
+              <a:t> </a:t>
             </a:r>
             <a:endParaRPr b="0" lang="en-US" sz="1400" spc="-1" strike="noStrike">
               <a:latin typeface="Times New Roman"/>
@@ -4241,11 +4143,11 @@
           <a:bodyPr lIns="0" rIns="0" tIns="0" bIns="0"/>
           <a:p>
             <a:pPr algn="r"/>
-            <a:fld id="{0CC4E1D1-B64C-4739-A4A7-18F5B841DA30}" type="slidenum">
+            <a:fld id="{0532031A-7CFE-40A4-AB69-0B4491EC386E}" type="slidenum">
               <a:rPr b="0" lang="en-US" sz="1400" spc="-1" strike="noStrike">
                 <a:latin typeface="Times New Roman"/>
               </a:rPr>
-              <a:t>&lt;编号&gt;</a:t>
+              <a:t>1</a:t>
             </a:fld>
             <a:endParaRPr b="0" lang="en-US" sz="1400" spc="-1" strike="noStrike">
               <a:latin typeface="Times New Roman"/>
@@ -4330,6 +4232,33 @@
                 <a:latin typeface="Arial"/>
               </a:rPr>
               <a:t>网络编程</a:t>
+            </a:r>
+            <a:r>
+              <a:rPr b="1" lang="en-US" sz="4400" spc="-1" strike="noStrike">
+                <a:solidFill>
+                  <a:srgbClr val="ffffff"/>
+                </a:solidFill>
+                <a:latin typeface="Arial"/>
+              </a:rPr>
+              <a:t>(</a:t>
+            </a:r>
+            <a:r>
+              <a:rPr b="1" lang="en-US" sz="4400" spc="-1" strike="noStrike">
+                <a:solidFill>
+                  <a:srgbClr val="ffffff"/>
+                </a:solidFill>
+                <a:latin typeface="Arial"/>
+              </a:rPr>
+              <a:t>入门篇</a:t>
+            </a:r>
+            <a:r>
+              <a:rPr b="1" lang="en-US" sz="4400" spc="-1" strike="noStrike">
+                <a:solidFill>
+                  <a:srgbClr val="ffffff"/>
+                </a:solidFill>
+                <a:latin typeface="Arial"/>
+              </a:rPr>
+              <a:t>)</a:t>
             </a:r>
             <a:endParaRPr b="0" lang="en-US" sz="4400" spc="-1" strike="noStrike">
               <a:solidFill>
@@ -5526,33 +5455,6 @@
       </p:sp>
     </p:spTree>
   </p:cSld>
-  <p:timing>
-    <p:tnLst>
-      <p:par>
-        <p:cTn id="19" dur="indefinite" restart="never" nodeType="tmRoot">
-          <p:childTnLst>
-            <p:seq>
-              <p:cTn id="20" dur="indefinite" nodeType="mainSeq"/>
-              <p:prevCondLst>
-                <p:cond delay="0" evt="onPrev">
-                  <p:tgtEl>
-                    <p:sldTgt/>
-                  </p:tgtEl>
-                </p:cond>
-              </p:prevCondLst>
-              <p:nextCondLst>
-                <p:cond delay="0" evt="onNext">
-                  <p:tgtEl>
-                    <p:sldTgt/>
-                  </p:tgtEl>
-                </p:cond>
-              </p:nextCondLst>
-            </p:seq>
-          </p:childTnLst>
-        </p:cTn>
-      </p:par>
-    </p:tnLst>
-  </p:timing>
 </p:sld>
 </file>
 
@@ -6299,33 +6201,6 @@
       </p:sp>
     </p:spTree>
   </p:cSld>
-  <p:timing>
-    <p:tnLst>
-      <p:par>
-        <p:cTn id="21" dur="indefinite" restart="never" nodeType="tmRoot">
-          <p:childTnLst>
-            <p:seq>
-              <p:cTn id="22" dur="indefinite" nodeType="mainSeq"/>
-              <p:prevCondLst>
-                <p:cond delay="0" evt="onPrev">
-                  <p:tgtEl>
-                    <p:sldTgt/>
-                  </p:tgtEl>
-                </p:cond>
-              </p:prevCondLst>
-              <p:nextCondLst>
-                <p:cond delay="0" evt="onNext">
-                  <p:tgtEl>
-                    <p:sldTgt/>
-                  </p:tgtEl>
-                </p:cond>
-              </p:nextCondLst>
-            </p:seq>
-          </p:childTnLst>
-        </p:cTn>
-      </p:par>
-    </p:tnLst>
-  </p:timing>
 </p:sld>
 </file>
 
@@ -6417,33 +6292,6 @@
       </p:sp>
     </p:spTree>
   </p:cSld>
-  <p:timing>
-    <p:tnLst>
-      <p:par>
-        <p:cTn id="23" dur="indefinite" restart="never" nodeType="tmRoot">
-          <p:childTnLst>
-            <p:seq>
-              <p:cTn id="24" dur="indefinite" nodeType="mainSeq"/>
-              <p:prevCondLst>
-                <p:cond delay="0" evt="onPrev">
-                  <p:tgtEl>
-                    <p:sldTgt/>
-                  </p:tgtEl>
-                </p:cond>
-              </p:prevCondLst>
-              <p:nextCondLst>
-                <p:cond delay="0" evt="onNext">
-                  <p:tgtEl>
-                    <p:sldTgt/>
-                  </p:tgtEl>
-                </p:cond>
-              </p:nextCondLst>
-            </p:seq>
-          </p:childTnLst>
-        </p:cTn>
-      </p:par>
-    </p:tnLst>
-  </p:timing>
 </p:sld>
 </file>
 
@@ -6472,8 +6320,8 @@
         </p:nvSpPr>
         <p:spPr>
           <a:xfrm>
-            <a:off x="532440" y="1042560"/>
-            <a:ext cx="9979560" cy="5869440"/>
+            <a:off x="504000" y="1898640"/>
+            <a:ext cx="10068840" cy="4601160"/>
           </a:xfrm>
           <a:prstGeom prst="rect">
             <a:avLst/>
@@ -6493,446 +6341,114 @@
                 </a:solidFill>
                 <a:latin typeface="Arial"/>
               </a:rPr>
-              <a:t>linux</a:t>
-            </a:r>
-            <a:r>
-              <a:rPr b="0" lang="en-US" sz="1800" spc="-1" strike="noStrike">
-                <a:solidFill>
-                  <a:srgbClr val="ffffff"/>
-                </a:solidFill>
-                <a:latin typeface="Arial"/>
-              </a:rPr>
-              <a:t>下进程间通信方式：</a:t>
-            </a:r>
-            <a:endParaRPr b="0" lang="en-US" sz="1800" spc="-1" strike="noStrike">
-              <a:latin typeface="Arial"/>
-            </a:endParaRPr>
-          </a:p>
-          <a:p>
-            <a:endParaRPr b="0" lang="en-US" sz="1800" spc="-1" strike="noStrike">
-              <a:latin typeface="Arial"/>
-            </a:endParaRPr>
-          </a:p>
-          <a:p>
-            <a:r>
-              <a:rPr b="0" lang="en-US" sz="1800" spc="-1" strike="noStrike">
-                <a:solidFill>
-                  <a:srgbClr val="ffffff"/>
-                </a:solidFill>
-                <a:latin typeface="Arial"/>
-              </a:rPr>
-              <a:t>                                   </a:t>
-            </a:r>
-            <a:r>
-              <a:rPr b="0" lang="en-US" sz="1800" spc="-1" strike="noStrike">
-                <a:solidFill>
-                  <a:srgbClr val="ffffff"/>
-                </a:solidFill>
-                <a:latin typeface="Arial"/>
-              </a:rPr>
-              <a:t>1. </a:t>
-            </a:r>
-            <a:r>
-              <a:rPr b="0" lang="en-US" sz="1800" spc="-1" strike="noStrike">
-                <a:solidFill>
-                  <a:srgbClr val="ffffff"/>
-                </a:solidFill>
-                <a:latin typeface="Arial"/>
-              </a:rPr>
-              <a:t>匿名管道</a:t>
-            </a:r>
-            <a:r>
-              <a:rPr b="0" lang="en-US" sz="1800" spc="-1" strike="noStrike">
-                <a:solidFill>
-                  <a:srgbClr val="ffffff"/>
-                </a:solidFill>
-                <a:latin typeface="Arial"/>
-              </a:rPr>
-              <a:t>pipe</a:t>
-            </a:r>
-            <a:endParaRPr b="0" lang="en-US" sz="1800" spc="-1" strike="noStrike">
-              <a:latin typeface="Arial"/>
-            </a:endParaRPr>
-          </a:p>
-          <a:p>
-            <a:r>
-              <a:rPr b="0" lang="en-US" sz="1800" spc="-1" strike="noStrike">
-                <a:solidFill>
-                  <a:srgbClr val="ffffff"/>
-                </a:solidFill>
-                <a:latin typeface="Arial"/>
-              </a:rPr>
-              <a:t>	</a:t>
-            </a:r>
-            <a:r>
-              <a:rPr b="0" lang="en-US" sz="1800" spc="-1" strike="noStrike">
-                <a:solidFill>
-                  <a:srgbClr val="ffffff"/>
-                </a:solidFill>
-                <a:latin typeface="Arial"/>
-              </a:rPr>
-              <a:t>                            </a:t>
-            </a:r>
-            <a:r>
-              <a:rPr b="0" lang="en-US" sz="1800" spc="-1" strike="noStrike">
-                <a:solidFill>
-                  <a:srgbClr val="ffffff"/>
-                </a:solidFill>
-                <a:latin typeface="Arial"/>
-              </a:rPr>
-              <a:t>2. </a:t>
-            </a:r>
-            <a:r>
-              <a:rPr b="0" lang="en-US" sz="1800" spc="-1" strike="noStrike">
-                <a:solidFill>
-                  <a:srgbClr val="ffffff"/>
-                </a:solidFill>
-                <a:latin typeface="Arial"/>
-              </a:rPr>
-              <a:t>具名管道</a:t>
-            </a:r>
-            <a:r>
-              <a:rPr b="0" lang="en-US" sz="1800" spc="-1" strike="noStrike">
-                <a:solidFill>
-                  <a:srgbClr val="ffffff"/>
-                </a:solidFill>
-                <a:latin typeface="Arial"/>
-              </a:rPr>
-              <a:t>FIFO</a:t>
-            </a:r>
-            <a:endParaRPr b="0" lang="en-US" sz="1800" spc="-1" strike="noStrike">
-              <a:latin typeface="Arial"/>
-            </a:endParaRPr>
-          </a:p>
-          <a:p>
-            <a:r>
-              <a:rPr b="0" lang="en-US" sz="1800" spc="-1" strike="noStrike">
-                <a:solidFill>
-                  <a:srgbClr val="ffffff"/>
-                </a:solidFill>
-                <a:latin typeface="Arial"/>
-              </a:rPr>
-              <a:t>	</a:t>
-            </a:r>
-            <a:r>
-              <a:rPr b="0" lang="en-US" sz="1800" spc="-1" strike="noStrike">
-                <a:solidFill>
-                  <a:srgbClr val="ffffff"/>
-                </a:solidFill>
-                <a:latin typeface="Arial"/>
-              </a:rPr>
-              <a:t>   </a:t>
-            </a:r>
-            <a:r>
-              <a:rPr b="0" lang="en-US" sz="1800" spc="-1" strike="noStrike">
-                <a:solidFill>
-                  <a:srgbClr val="ffffff"/>
-                </a:solidFill>
-                <a:latin typeface="Arial"/>
-              </a:rPr>
-              <a:t>	</a:t>
-            </a:r>
-            <a:r>
-              <a:rPr b="0" lang="en-US" sz="1800" spc="-1" strike="noStrike">
-                <a:solidFill>
-                  <a:srgbClr val="ffffff"/>
-                </a:solidFill>
-                <a:latin typeface="Arial"/>
-              </a:rPr>
-              <a:t>	</a:t>
-            </a:r>
-            <a:r>
-              <a:rPr b="0" lang="en-US" sz="1800" spc="-1" strike="noStrike">
-                <a:solidFill>
-                  <a:srgbClr val="ffffff"/>
-                </a:solidFill>
-                <a:latin typeface="Arial"/>
-              </a:rPr>
-              <a:t>	</a:t>
-            </a:r>
-            <a:r>
-              <a:rPr b="0" lang="en-US" sz="1800" spc="-1" strike="noStrike">
-                <a:solidFill>
-                  <a:srgbClr val="ffffff"/>
-                </a:solidFill>
-                <a:latin typeface="Arial"/>
-              </a:rPr>
-              <a:t>	</a:t>
-            </a:r>
-            <a:r>
-              <a:rPr b="0" lang="en-US" sz="1800" spc="-1" strike="noStrike">
-                <a:solidFill>
-                  <a:srgbClr val="ffffff"/>
-                </a:solidFill>
-                <a:latin typeface="Arial"/>
-              </a:rPr>
-              <a:t>3.  POSIX</a:t>
-            </a:r>
-            <a:r>
-              <a:rPr b="0" lang="en-US" sz="1800" spc="-1" strike="noStrike">
-                <a:solidFill>
-                  <a:srgbClr val="ffffff"/>
-                </a:solidFill>
-                <a:latin typeface="Arial"/>
-              </a:rPr>
-              <a:t>消息队列</a:t>
-            </a:r>
-            <a:endParaRPr b="0" lang="en-US" sz="1800" spc="-1" strike="noStrike">
-              <a:latin typeface="Arial"/>
-            </a:endParaRPr>
-          </a:p>
-          <a:p>
-            <a:r>
-              <a:rPr b="0" lang="en-US" sz="1800" spc="-1" strike="noStrike">
-                <a:solidFill>
-                  <a:srgbClr val="ffffff"/>
-                </a:solidFill>
-                <a:latin typeface="Arial"/>
-              </a:rPr>
-              <a:t>	</a:t>
-            </a:r>
-            <a:r>
-              <a:rPr b="0" lang="en-US" sz="1800" spc="-1" strike="noStrike">
-                <a:solidFill>
-                  <a:srgbClr val="ffffff"/>
-                </a:solidFill>
-                <a:latin typeface="Arial"/>
-              </a:rPr>
-              <a:t>	</a:t>
-            </a:r>
-            <a:r>
-              <a:rPr b="0" lang="en-US" sz="1800" spc="-1" strike="noStrike">
-                <a:solidFill>
-                  <a:srgbClr val="ffffff"/>
-                </a:solidFill>
-                <a:latin typeface="Arial"/>
-              </a:rPr>
-              <a:t>	</a:t>
-            </a:r>
-            <a:r>
-              <a:rPr b="0" lang="en-US" sz="1800" spc="-1" strike="noStrike">
-                <a:solidFill>
-                  <a:srgbClr val="ffffff"/>
-                </a:solidFill>
-                <a:latin typeface="Arial"/>
-              </a:rPr>
-              <a:t>	</a:t>
-            </a:r>
-            <a:r>
-              <a:rPr b="0" lang="en-US" sz="1800" spc="-1" strike="noStrike">
-                <a:solidFill>
-                  <a:srgbClr val="ffffff"/>
-                </a:solidFill>
-                <a:latin typeface="Arial"/>
-              </a:rPr>
-              <a:t>	</a:t>
-            </a:r>
-            <a:r>
-              <a:rPr b="0" lang="en-US" sz="1800" spc="-1" strike="noStrike">
-                <a:solidFill>
-                  <a:srgbClr val="ffffff"/>
-                </a:solidFill>
-                <a:latin typeface="Arial"/>
-              </a:rPr>
-              <a:t>4. </a:t>
-            </a:r>
-            <a:r>
-              <a:rPr b="0" lang="en-US" sz="1800" spc="-1" strike="noStrike">
-                <a:solidFill>
-                  <a:srgbClr val="ffffff"/>
-                </a:solidFill>
-                <a:latin typeface="Arial"/>
-              </a:rPr>
-              <a:t>共享内存</a:t>
-            </a:r>
-            <a:endParaRPr b="0" lang="en-US" sz="1800" spc="-1" strike="noStrike">
-              <a:latin typeface="Arial"/>
-            </a:endParaRPr>
-          </a:p>
-          <a:p>
-            <a:r>
-              <a:rPr b="0" lang="en-US" sz="1800" spc="-1" strike="noStrike">
-                <a:solidFill>
-                  <a:srgbClr val="ffffff"/>
-                </a:solidFill>
-                <a:latin typeface="Arial"/>
-              </a:rPr>
-              <a:t>	</a:t>
-            </a:r>
-            <a:r>
-              <a:rPr b="0" lang="en-US" sz="1800" spc="-1" strike="noStrike">
-                <a:solidFill>
-                  <a:srgbClr val="ffffff"/>
-                </a:solidFill>
-                <a:latin typeface="Arial"/>
-              </a:rPr>
-              <a:t>	</a:t>
-            </a:r>
-            <a:r>
-              <a:rPr b="0" lang="en-US" sz="1800" spc="-1" strike="noStrike">
-                <a:solidFill>
-                  <a:srgbClr val="ffffff"/>
-                </a:solidFill>
-                <a:latin typeface="Arial"/>
-              </a:rPr>
-              <a:t>	</a:t>
-            </a:r>
-            <a:r>
-              <a:rPr b="0" lang="en-US" sz="1800" spc="-1" strike="noStrike">
-                <a:solidFill>
-                  <a:srgbClr val="ffffff"/>
-                </a:solidFill>
-                <a:latin typeface="Arial"/>
-              </a:rPr>
-              <a:t>	</a:t>
-            </a:r>
-            <a:r>
-              <a:rPr b="0" lang="en-US" sz="1800" spc="-1" strike="noStrike">
-                <a:solidFill>
-                  <a:srgbClr val="ffffff"/>
-                </a:solidFill>
-                <a:latin typeface="Arial"/>
-              </a:rPr>
-              <a:t>	</a:t>
-            </a:r>
-            <a:r>
-              <a:rPr b="0" lang="en-US" sz="1800" spc="-1" strike="noStrike">
-                <a:solidFill>
-                  <a:srgbClr val="ffffff"/>
-                </a:solidFill>
-                <a:latin typeface="Arial"/>
-              </a:rPr>
-              <a:t>5. </a:t>
-            </a:r>
-            <a:r>
-              <a:rPr b="0" lang="en-US" sz="1800" spc="-1" strike="noStrike">
-                <a:solidFill>
-                  <a:srgbClr val="ffffff"/>
-                </a:solidFill>
-                <a:latin typeface="Arial"/>
-              </a:rPr>
-              <a:t>信号</a:t>
-            </a:r>
-            <a:endParaRPr b="0" lang="en-US" sz="1800" spc="-1" strike="noStrike">
-              <a:latin typeface="Arial"/>
-            </a:endParaRPr>
-          </a:p>
-          <a:p>
-            <a:r>
-              <a:rPr b="0" lang="en-US" sz="1800" spc="-1" strike="noStrike">
-                <a:solidFill>
-                  <a:srgbClr val="ffffff"/>
-                </a:solidFill>
-                <a:latin typeface="Arial"/>
-              </a:rPr>
-              <a:t>	</a:t>
-            </a:r>
-            <a:r>
-              <a:rPr b="0" lang="en-US" sz="1800" spc="-1" strike="noStrike">
-                <a:solidFill>
-                  <a:srgbClr val="ffffff"/>
-                </a:solidFill>
-                <a:latin typeface="Arial"/>
-              </a:rPr>
-              <a:t>	</a:t>
-            </a:r>
-            <a:r>
-              <a:rPr b="0" lang="en-US" sz="1800" spc="-1" strike="noStrike">
-                <a:solidFill>
-                  <a:srgbClr val="ffffff"/>
-                </a:solidFill>
-                <a:latin typeface="Arial"/>
-              </a:rPr>
-              <a:t>	</a:t>
-            </a:r>
-            <a:r>
-              <a:rPr b="0" lang="en-US" sz="1800" spc="-1" strike="noStrike">
-                <a:solidFill>
-                  <a:srgbClr val="ffffff"/>
-                </a:solidFill>
-                <a:latin typeface="Arial"/>
-              </a:rPr>
-              <a:t>	</a:t>
-            </a:r>
-            <a:r>
-              <a:rPr b="0" lang="en-US" sz="1800" spc="-1" strike="noStrike">
-                <a:solidFill>
-                  <a:srgbClr val="ffffff"/>
-                </a:solidFill>
-                <a:latin typeface="Arial"/>
-              </a:rPr>
-              <a:t>	</a:t>
-            </a:r>
-            <a:r>
-              <a:rPr b="0" lang="en-US" sz="1800" spc="-1" strike="noStrike">
-                <a:solidFill>
-                  <a:srgbClr val="ffffff"/>
-                </a:solidFill>
-                <a:latin typeface="Arial"/>
-              </a:rPr>
-              <a:t>6.  socket</a:t>
-            </a:r>
-            <a:endParaRPr b="0" lang="en-US" sz="1800" spc="-1" strike="noStrike">
-              <a:latin typeface="Arial"/>
-            </a:endParaRPr>
-          </a:p>
-          <a:p>
-            <a:r>
-              <a:rPr b="0" lang="en-US" sz="1800" spc="-1" strike="noStrike">
-                <a:solidFill>
-                  <a:srgbClr val="ffffff"/>
-                </a:solidFill>
-                <a:latin typeface="Arial"/>
-              </a:rPr>
-              <a:t>     </a:t>
-            </a:r>
-            <a:r>
-              <a:rPr b="0" lang="en-US" sz="1800" spc="-1" strike="noStrike">
-                <a:solidFill>
-                  <a:srgbClr val="ffffff"/>
-                </a:solidFill>
-                <a:latin typeface="Arial"/>
-              </a:rPr>
-              <a:t>进程间通信要首选</a:t>
-            </a:r>
-            <a:r>
-              <a:rPr b="0" lang="en-US" sz="1800" spc="-1" strike="noStrike">
-                <a:solidFill>
-                  <a:srgbClr val="ffffff"/>
-                </a:solidFill>
-                <a:latin typeface="Arial"/>
-              </a:rPr>
-              <a:t>socket, </a:t>
-            </a:r>
-            <a:r>
-              <a:rPr b="0" lang="en-US" sz="1800" spc="-1" strike="noStrike">
-                <a:solidFill>
-                  <a:srgbClr val="ffffff"/>
-                </a:solidFill>
-                <a:latin typeface="Arial"/>
-              </a:rPr>
-              <a:t>其最大的好处是：可以跨主机，具有伸缩性。如果一台机器的处理能力不够，很自然的就能用多台机器来处理。</a:t>
-            </a:r>
-            <a:endParaRPr b="0" lang="en-US" sz="1800" spc="-1" strike="noStrike">
-              <a:latin typeface="Arial"/>
-            </a:endParaRPr>
-          </a:p>
-          <a:p>
-            <a:endParaRPr b="0" lang="en-US" sz="1800" spc="-1" strike="noStrike">
-              <a:latin typeface="Arial"/>
-            </a:endParaRPr>
-          </a:p>
-          <a:p>
-            <a:endParaRPr b="0" lang="en-US" sz="1800" spc="-1" strike="noStrike">
-              <a:latin typeface="Arial"/>
-            </a:endParaRPr>
-          </a:p>
-          <a:p>
-            <a:endParaRPr b="0" lang="en-US" sz="1800" spc="-1" strike="noStrike">
-              <a:latin typeface="Arial"/>
-            </a:endParaRPr>
-          </a:p>
-          <a:p>
+              <a:t>TCP</a:t>
+            </a:r>
+            <a:r>
+              <a:rPr b="0" lang="en-US" sz="1800" spc="-1" strike="noStrike">
+                <a:solidFill>
+                  <a:srgbClr val="ffffff"/>
+                </a:solidFill>
+                <a:latin typeface="Arial"/>
+              </a:rPr>
+              <a:t>的粘包现象：</a:t>
+            </a:r>
+            <a:endParaRPr b="0" lang="en-US" sz="1800" spc="-1" strike="noStrike">
+              <a:latin typeface="Arial"/>
+            </a:endParaRPr>
+          </a:p>
+          <a:p>
+            <a:r>
+              <a:rPr b="0" lang="en-US" sz="1800" spc="-1" strike="noStrike">
+                <a:solidFill>
+                  <a:srgbClr val="ffffff"/>
+                </a:solidFill>
+                <a:latin typeface="Arial"/>
+              </a:rPr>
+              <a:t>        </a:t>
+            </a:r>
+            <a:r>
+              <a:rPr b="0" lang="en-US" sz="1800" spc="-1" strike="noStrike">
+                <a:solidFill>
+                  <a:srgbClr val="ffffff"/>
+                </a:solidFill>
+                <a:latin typeface="Arial"/>
+              </a:rPr>
+              <a:t>TCP</a:t>
+            </a:r>
+            <a:r>
+              <a:rPr b="0" lang="en-US" sz="1800" spc="-1" strike="noStrike">
+                <a:solidFill>
+                  <a:srgbClr val="ffffff"/>
+                </a:solidFill>
+                <a:latin typeface="Arial"/>
+              </a:rPr>
+              <a:t>粘包是指发送方发送的若干包数据到接收方接收时粘成一包，</a:t>
+            </a:r>
+            <a:endParaRPr b="0" lang="en-US" sz="1800" spc="-1" strike="noStrike">
+              <a:latin typeface="Arial"/>
+            </a:endParaRPr>
+          </a:p>
+          <a:p>
+            <a:r>
+              <a:rPr b="0" lang="en-US" sz="1800" spc="-1" strike="noStrike">
+                <a:solidFill>
+                  <a:srgbClr val="ffffff"/>
+                </a:solidFill>
+                <a:latin typeface="Arial"/>
+              </a:rPr>
+              <a:t>从接收缓冲区看，后一包数据的头紧接着前一包数据的尾。</a:t>
+            </a:r>
+            <a:endParaRPr b="0" lang="en-US" sz="1800" spc="-1" strike="noStrike">
+              <a:latin typeface="Arial"/>
+            </a:endParaRPr>
+          </a:p>
+          <a:p>
+            <a:r>
+              <a:rPr b="0" lang="en-US" sz="1800" spc="-1" strike="noStrike">
+                <a:solidFill>
+                  <a:srgbClr val="ffffff"/>
+                </a:solidFill>
+                <a:latin typeface="Arial"/>
+              </a:rPr>
+              <a:t>处理方法：</a:t>
+            </a:r>
+            <a:endParaRPr b="0" lang="en-US" sz="1800" spc="-1" strike="noStrike">
+              <a:latin typeface="Arial"/>
+            </a:endParaRPr>
+          </a:p>
+          <a:p>
+            <a:r>
+              <a:rPr b="0" lang="en-US" sz="1800" spc="-1" strike="noStrike">
+                <a:solidFill>
+                  <a:srgbClr val="ffffff"/>
+                </a:solidFill>
+                <a:latin typeface="Arial"/>
+              </a:rPr>
+              <a:t>       </a:t>
+            </a:r>
+            <a:r>
+              <a:rPr b="0" lang="en-US" sz="1800" spc="-1" strike="noStrike">
+                <a:solidFill>
+                  <a:srgbClr val="ffffff"/>
+                </a:solidFill>
+                <a:latin typeface="Arial"/>
+              </a:rPr>
+              <a:t>处理方法就是循环处理：应用程序在处理从缓存读来的分组时，</a:t>
+            </a:r>
+            <a:endParaRPr b="0" lang="en-US" sz="1800" spc="-1" strike="noStrike">
+              <a:latin typeface="Arial"/>
+            </a:endParaRPr>
+          </a:p>
+          <a:p>
+            <a:r>
+              <a:rPr b="0" lang="en-US" sz="1800" spc="-1" strike="noStrike">
+                <a:solidFill>
+                  <a:srgbClr val="ffffff"/>
+                </a:solidFill>
+                <a:latin typeface="Arial"/>
+              </a:rPr>
+              <a:t>读完一条数据时，就应该循环读下一条数据，直到所有的数据都被处理；但是如何判断每条数据的长度呢？</a:t>
+            </a:r>
             <a:endParaRPr b="0" lang="en-US" sz="1800" spc="-1" strike="noStrike">
               <a:latin typeface="Arial"/>
             </a:endParaRPr>
@@ -6941,33 +6457,6 @@
       </p:sp>
     </p:spTree>
   </p:cSld>
-  <p:timing>
-    <p:tnLst>
-      <p:par>
-        <p:cTn id="25" dur="indefinite" restart="never" nodeType="tmRoot">
-          <p:childTnLst>
-            <p:seq>
-              <p:cTn id="26" dur="indefinite" nodeType="mainSeq"/>
-              <p:prevCondLst>
-                <p:cond delay="0" evt="onPrev">
-                  <p:tgtEl>
-                    <p:sldTgt/>
-                  </p:tgtEl>
-                </p:cond>
-              </p:prevCondLst>
-              <p:nextCondLst>
-                <p:cond delay="0" evt="onNext">
-                  <p:tgtEl>
-                    <p:sldTgt/>
-                  </p:tgtEl>
-                </p:cond>
-              </p:nextCondLst>
-            </p:seq>
-          </p:childTnLst>
-        </p:cTn>
-      </p:par>
-    </p:tnLst>
-  </p:timing>
 </p:sld>
 </file>
 
@@ -6996,8 +6485,8 @@
         </p:nvSpPr>
         <p:spPr>
           <a:xfrm>
-            <a:off x="731160" y="1512000"/>
-            <a:ext cx="10068840" cy="6169680"/>
+            <a:off x="532440" y="1042560"/>
+            <a:ext cx="9979560" cy="6169320"/>
           </a:xfrm>
           <a:prstGeom prst="rect">
             <a:avLst/>
@@ -7017,68 +6506,385 @@
                 </a:solidFill>
                 <a:latin typeface="Arial"/>
               </a:rPr>
-              <a:t>讲一下服务器开发：</a:t>
-            </a:r>
-            <a:endParaRPr b="0" lang="en-US" sz="1800" spc="-1" strike="noStrike">
-              <a:latin typeface="Arial"/>
-            </a:endParaRPr>
-          </a:p>
-          <a:p>
-            <a:r>
-              <a:rPr b="0" lang="en-US" sz="1800" spc="-1" strike="noStrike">
-                <a:solidFill>
-                  <a:srgbClr val="ffffff"/>
-                </a:solidFill>
-                <a:latin typeface="Arial"/>
-              </a:rPr>
-              <a:t>        </a:t>
-            </a:r>
-            <a:r>
-              <a:rPr b="0" lang="en-US" sz="1800" spc="-1" strike="noStrike">
-                <a:solidFill>
-                  <a:srgbClr val="ffffff"/>
-                </a:solidFill>
-                <a:latin typeface="Arial"/>
-              </a:rPr>
-              <a:t>用一句话形容：跑在多核机器上的</a:t>
-            </a:r>
-            <a:r>
-              <a:rPr b="0" lang="en-US" sz="1800" spc="-1" strike="noStrike">
-                <a:solidFill>
-                  <a:srgbClr val="ffffff"/>
-                </a:solidFill>
-                <a:latin typeface="Arial"/>
-              </a:rPr>
-              <a:t>Linux</a:t>
-            </a:r>
-            <a:r>
-              <a:rPr b="0" lang="en-US" sz="1800" spc="-1" strike="noStrike">
-                <a:solidFill>
-                  <a:srgbClr val="ffffff"/>
-                </a:solidFill>
-                <a:latin typeface="Arial"/>
-              </a:rPr>
-              <a:t>用户态的没有用户界面的</a:t>
-            </a:r>
-            <a:endParaRPr b="0" lang="en-US" sz="1800" spc="-1" strike="noStrike">
-              <a:latin typeface="Arial"/>
-            </a:endParaRPr>
-          </a:p>
-          <a:p>
-            <a:r>
-              <a:rPr b="0" lang="en-US" sz="1800" spc="-1" strike="noStrike">
-                <a:solidFill>
-                  <a:srgbClr val="ffffff"/>
-                </a:solidFill>
-                <a:latin typeface="Arial"/>
-              </a:rPr>
-              <a:t>长期运行的网络应用程序。</a:t>
-            </a:r>
-            <a:endParaRPr b="0" lang="en-US" sz="1800" spc="-1" strike="noStrike">
-              <a:latin typeface="Arial"/>
-            </a:endParaRPr>
-          </a:p>
-          <a:p>
+              <a:t>linux</a:t>
+            </a:r>
+            <a:r>
+              <a:rPr b="0" lang="en-US" sz="1800" spc="-1" strike="noStrike">
+                <a:solidFill>
+                  <a:srgbClr val="ffffff"/>
+                </a:solidFill>
+                <a:latin typeface="Arial"/>
+              </a:rPr>
+              <a:t>下进程间通信方式：</a:t>
+            </a:r>
+            <a:endParaRPr b="0" lang="en-US" sz="1800" spc="-1" strike="noStrike">
+              <a:latin typeface="Arial"/>
+            </a:endParaRPr>
+          </a:p>
+          <a:p>
+            <a:endParaRPr b="0" lang="en-US" sz="1800" spc="-1" strike="noStrike">
+              <a:latin typeface="Arial"/>
+            </a:endParaRPr>
+          </a:p>
+          <a:p>
+            <a:r>
+              <a:rPr b="0" lang="en-US" sz="1800" spc="-1" strike="noStrike">
+                <a:solidFill>
+                  <a:srgbClr val="ffffff"/>
+                </a:solidFill>
+                <a:latin typeface="Arial"/>
+              </a:rPr>
+              <a:t>                                   </a:t>
+            </a:r>
+            <a:r>
+              <a:rPr b="0" lang="en-US" sz="1800" spc="-1" strike="noStrike">
+                <a:solidFill>
+                  <a:srgbClr val="ffffff"/>
+                </a:solidFill>
+                <a:latin typeface="Arial"/>
+              </a:rPr>
+              <a:t>1. </a:t>
+            </a:r>
+            <a:r>
+              <a:rPr b="0" lang="en-US" sz="1800" spc="-1" strike="noStrike">
+                <a:solidFill>
+                  <a:srgbClr val="ffffff"/>
+                </a:solidFill>
+                <a:latin typeface="Arial"/>
+              </a:rPr>
+              <a:t>匿名管道</a:t>
+            </a:r>
+            <a:r>
+              <a:rPr b="0" lang="en-US" sz="1800" spc="-1" strike="noStrike">
+                <a:solidFill>
+                  <a:srgbClr val="ffffff"/>
+                </a:solidFill>
+                <a:latin typeface="Arial"/>
+              </a:rPr>
+              <a:t>pipe</a:t>
+            </a:r>
+            <a:endParaRPr b="0" lang="en-US" sz="1800" spc="-1" strike="noStrike">
+              <a:latin typeface="Arial"/>
+            </a:endParaRPr>
+          </a:p>
+          <a:p>
+            <a:r>
+              <a:rPr b="0" lang="en-US" sz="1800" spc="-1" strike="noStrike">
+                <a:solidFill>
+                  <a:srgbClr val="ffffff"/>
+                </a:solidFill>
+                <a:latin typeface="Arial"/>
+              </a:rPr>
+              <a:t>	</a:t>
+            </a:r>
+            <a:r>
+              <a:rPr b="0" lang="en-US" sz="1800" spc="-1" strike="noStrike">
+                <a:solidFill>
+                  <a:srgbClr val="ffffff"/>
+                </a:solidFill>
+                <a:latin typeface="Arial"/>
+              </a:rPr>
+              <a:t>                            </a:t>
+            </a:r>
+            <a:r>
+              <a:rPr b="0" lang="en-US" sz="1800" spc="-1" strike="noStrike">
+                <a:solidFill>
+                  <a:srgbClr val="ffffff"/>
+                </a:solidFill>
+                <a:latin typeface="Arial"/>
+              </a:rPr>
+              <a:t>2. </a:t>
+            </a:r>
+            <a:r>
+              <a:rPr b="0" lang="en-US" sz="1800" spc="-1" strike="noStrike">
+                <a:solidFill>
+                  <a:srgbClr val="ffffff"/>
+                </a:solidFill>
+                <a:latin typeface="Arial"/>
+              </a:rPr>
+              <a:t>具名管道</a:t>
+            </a:r>
+            <a:r>
+              <a:rPr b="0" lang="en-US" sz="1800" spc="-1" strike="noStrike">
+                <a:solidFill>
+                  <a:srgbClr val="ffffff"/>
+                </a:solidFill>
+                <a:latin typeface="Arial"/>
+              </a:rPr>
+              <a:t>FIFO</a:t>
+            </a:r>
+            <a:endParaRPr b="0" lang="en-US" sz="1800" spc="-1" strike="noStrike">
+              <a:latin typeface="Arial"/>
+            </a:endParaRPr>
+          </a:p>
+          <a:p>
+            <a:r>
+              <a:rPr b="0" lang="en-US" sz="1800" spc="-1" strike="noStrike">
+                <a:solidFill>
+                  <a:srgbClr val="ffffff"/>
+                </a:solidFill>
+                <a:latin typeface="Arial"/>
+              </a:rPr>
+              <a:t>	</a:t>
+            </a:r>
+            <a:r>
+              <a:rPr b="0" lang="en-US" sz="1800" spc="-1" strike="noStrike">
+                <a:solidFill>
+                  <a:srgbClr val="ffffff"/>
+                </a:solidFill>
+                <a:latin typeface="Arial"/>
+              </a:rPr>
+              <a:t>   </a:t>
+            </a:r>
+            <a:r>
+              <a:rPr b="0" lang="en-US" sz="1800" spc="-1" strike="noStrike">
+                <a:solidFill>
+                  <a:srgbClr val="ffffff"/>
+                </a:solidFill>
+                <a:latin typeface="Arial"/>
+              </a:rPr>
+              <a:t>	</a:t>
+            </a:r>
+            <a:r>
+              <a:rPr b="0" lang="en-US" sz="1800" spc="-1" strike="noStrike">
+                <a:solidFill>
+                  <a:srgbClr val="ffffff"/>
+                </a:solidFill>
+                <a:latin typeface="Arial"/>
+              </a:rPr>
+              <a:t>	</a:t>
+            </a:r>
+            <a:r>
+              <a:rPr b="0" lang="en-US" sz="1800" spc="-1" strike="noStrike">
+                <a:solidFill>
+                  <a:srgbClr val="ffffff"/>
+                </a:solidFill>
+                <a:latin typeface="Arial"/>
+              </a:rPr>
+              <a:t>	</a:t>
+            </a:r>
+            <a:r>
+              <a:rPr b="0" lang="en-US" sz="1800" spc="-1" strike="noStrike">
+                <a:solidFill>
+                  <a:srgbClr val="ffffff"/>
+                </a:solidFill>
+                <a:latin typeface="Arial"/>
+              </a:rPr>
+              <a:t>	</a:t>
+            </a:r>
+            <a:r>
+              <a:rPr b="0" lang="en-US" sz="1800" spc="-1" strike="noStrike">
+                <a:solidFill>
+                  <a:srgbClr val="ffffff"/>
+                </a:solidFill>
+                <a:latin typeface="Arial"/>
+              </a:rPr>
+              <a:t>3.  POSIX</a:t>
+            </a:r>
+            <a:r>
+              <a:rPr b="0" lang="en-US" sz="1800" spc="-1" strike="noStrike">
+                <a:solidFill>
+                  <a:srgbClr val="ffffff"/>
+                </a:solidFill>
+                <a:latin typeface="Arial"/>
+              </a:rPr>
+              <a:t>消息队列</a:t>
+            </a:r>
+            <a:endParaRPr b="0" lang="en-US" sz="1800" spc="-1" strike="noStrike">
+              <a:latin typeface="Arial"/>
+            </a:endParaRPr>
+          </a:p>
+          <a:p>
+            <a:r>
+              <a:rPr b="0" lang="en-US" sz="1800" spc="-1" strike="noStrike">
+                <a:solidFill>
+                  <a:srgbClr val="ffffff"/>
+                </a:solidFill>
+                <a:latin typeface="Arial"/>
+              </a:rPr>
+              <a:t>	</a:t>
+            </a:r>
+            <a:r>
+              <a:rPr b="0" lang="en-US" sz="1800" spc="-1" strike="noStrike">
+                <a:solidFill>
+                  <a:srgbClr val="ffffff"/>
+                </a:solidFill>
+                <a:latin typeface="Arial"/>
+              </a:rPr>
+              <a:t>	</a:t>
+            </a:r>
+            <a:r>
+              <a:rPr b="0" lang="en-US" sz="1800" spc="-1" strike="noStrike">
+                <a:solidFill>
+                  <a:srgbClr val="ffffff"/>
+                </a:solidFill>
+                <a:latin typeface="Arial"/>
+              </a:rPr>
+              <a:t>	</a:t>
+            </a:r>
+            <a:r>
+              <a:rPr b="0" lang="en-US" sz="1800" spc="-1" strike="noStrike">
+                <a:solidFill>
+                  <a:srgbClr val="ffffff"/>
+                </a:solidFill>
+                <a:latin typeface="Arial"/>
+              </a:rPr>
+              <a:t>	</a:t>
+            </a:r>
+            <a:r>
+              <a:rPr b="0" lang="en-US" sz="1800" spc="-1" strike="noStrike">
+                <a:solidFill>
+                  <a:srgbClr val="ffffff"/>
+                </a:solidFill>
+                <a:latin typeface="Arial"/>
+              </a:rPr>
+              <a:t>	</a:t>
+            </a:r>
+            <a:r>
+              <a:rPr b="0" lang="en-US" sz="1800" spc="-1" strike="noStrike">
+                <a:solidFill>
+                  <a:srgbClr val="ffffff"/>
+                </a:solidFill>
+                <a:latin typeface="Arial"/>
+              </a:rPr>
+              <a:t>4. </a:t>
+            </a:r>
+            <a:r>
+              <a:rPr b="0" lang="en-US" sz="1800" spc="-1" strike="noStrike">
+                <a:solidFill>
+                  <a:srgbClr val="ffffff"/>
+                </a:solidFill>
+                <a:latin typeface="Arial"/>
+              </a:rPr>
+              <a:t>共享内存</a:t>
+            </a:r>
+            <a:endParaRPr b="0" lang="en-US" sz="1800" spc="-1" strike="noStrike">
+              <a:latin typeface="Arial"/>
+            </a:endParaRPr>
+          </a:p>
+          <a:p>
+            <a:r>
+              <a:rPr b="0" lang="en-US" sz="1800" spc="-1" strike="noStrike">
+                <a:solidFill>
+                  <a:srgbClr val="ffffff"/>
+                </a:solidFill>
+                <a:latin typeface="Arial"/>
+              </a:rPr>
+              <a:t>	</a:t>
+            </a:r>
+            <a:r>
+              <a:rPr b="0" lang="en-US" sz="1800" spc="-1" strike="noStrike">
+                <a:solidFill>
+                  <a:srgbClr val="ffffff"/>
+                </a:solidFill>
+                <a:latin typeface="Arial"/>
+              </a:rPr>
+              <a:t>	</a:t>
+            </a:r>
+            <a:r>
+              <a:rPr b="0" lang="en-US" sz="1800" spc="-1" strike="noStrike">
+                <a:solidFill>
+                  <a:srgbClr val="ffffff"/>
+                </a:solidFill>
+                <a:latin typeface="Arial"/>
+              </a:rPr>
+              <a:t>	</a:t>
+            </a:r>
+            <a:r>
+              <a:rPr b="0" lang="en-US" sz="1800" spc="-1" strike="noStrike">
+                <a:solidFill>
+                  <a:srgbClr val="ffffff"/>
+                </a:solidFill>
+                <a:latin typeface="Arial"/>
+              </a:rPr>
+              <a:t>	</a:t>
+            </a:r>
+            <a:r>
+              <a:rPr b="0" lang="en-US" sz="1800" spc="-1" strike="noStrike">
+                <a:solidFill>
+                  <a:srgbClr val="ffffff"/>
+                </a:solidFill>
+                <a:latin typeface="Arial"/>
+              </a:rPr>
+              <a:t>	</a:t>
+            </a:r>
+            <a:r>
+              <a:rPr b="0" lang="en-US" sz="1800" spc="-1" strike="noStrike">
+                <a:solidFill>
+                  <a:srgbClr val="ffffff"/>
+                </a:solidFill>
+                <a:latin typeface="Arial"/>
+              </a:rPr>
+              <a:t>5. </a:t>
+            </a:r>
+            <a:r>
+              <a:rPr b="0" lang="en-US" sz="1800" spc="-1" strike="noStrike">
+                <a:solidFill>
+                  <a:srgbClr val="ffffff"/>
+                </a:solidFill>
+                <a:latin typeface="Arial"/>
+              </a:rPr>
+              <a:t>信号</a:t>
+            </a:r>
+            <a:endParaRPr b="0" lang="en-US" sz="1800" spc="-1" strike="noStrike">
+              <a:latin typeface="Arial"/>
+            </a:endParaRPr>
+          </a:p>
+          <a:p>
+            <a:r>
+              <a:rPr b="0" lang="en-US" sz="1800" spc="-1" strike="noStrike">
+                <a:solidFill>
+                  <a:srgbClr val="ffffff"/>
+                </a:solidFill>
+                <a:latin typeface="Arial"/>
+              </a:rPr>
+              <a:t>	</a:t>
+            </a:r>
+            <a:r>
+              <a:rPr b="0" lang="en-US" sz="1800" spc="-1" strike="noStrike">
+                <a:solidFill>
+                  <a:srgbClr val="ffffff"/>
+                </a:solidFill>
+                <a:latin typeface="Arial"/>
+              </a:rPr>
+              <a:t>	</a:t>
+            </a:r>
+            <a:r>
+              <a:rPr b="0" lang="en-US" sz="1800" spc="-1" strike="noStrike">
+                <a:solidFill>
+                  <a:srgbClr val="ffffff"/>
+                </a:solidFill>
+                <a:latin typeface="Arial"/>
+              </a:rPr>
+              <a:t>	</a:t>
+            </a:r>
+            <a:r>
+              <a:rPr b="0" lang="en-US" sz="1800" spc="-1" strike="noStrike">
+                <a:solidFill>
+                  <a:srgbClr val="ffffff"/>
+                </a:solidFill>
+                <a:latin typeface="Arial"/>
+              </a:rPr>
+              <a:t>	</a:t>
+            </a:r>
+            <a:r>
+              <a:rPr b="0" lang="en-US" sz="1800" spc="-1" strike="noStrike">
+                <a:solidFill>
+                  <a:srgbClr val="ffffff"/>
+                </a:solidFill>
+                <a:latin typeface="Arial"/>
+              </a:rPr>
+              <a:t>	</a:t>
+            </a:r>
+            <a:r>
+              <a:rPr b="0" lang="en-US" sz="1800" spc="-1" strike="noStrike">
+                <a:solidFill>
+                  <a:srgbClr val="ffffff"/>
+                </a:solidFill>
+                <a:latin typeface="Arial"/>
+              </a:rPr>
+              <a:t>6.  socket</a:t>
+            </a:r>
             <a:endParaRPr b="0" lang="en-US" sz="1800" spc="-1" strike="noStrike">
               <a:latin typeface="Arial"/>
             </a:endParaRPr>
@@ -7100,152 +6906,25 @@
                 </a:solidFill>
                 <a:latin typeface="Arial"/>
               </a:rPr>
-              <a:t>开发服务端程序的一个基本任务是处理并发连接。大概有两种方式：</a:t>
-            </a:r>
-            <a:endParaRPr b="0" lang="en-US" sz="1800" spc="-1" strike="noStrike">
-              <a:latin typeface="Arial"/>
-            </a:endParaRPr>
-          </a:p>
-          <a:p>
-            <a:r>
-              <a:rPr b="0" lang="en-US" sz="1800" spc="-1" strike="noStrike">
-                <a:solidFill>
-                  <a:srgbClr val="ffffff"/>
-                </a:solidFill>
-                <a:latin typeface="Arial"/>
-              </a:rPr>
-              <a:t>1. </a:t>
-            </a:r>
-            <a:r>
-              <a:rPr b="0" lang="en-US" sz="1800" spc="-1" strike="noStrike">
-                <a:solidFill>
-                  <a:srgbClr val="ffffff"/>
-                </a:solidFill>
-                <a:latin typeface="Arial"/>
-              </a:rPr>
-              <a:t>一个线程只处理一个</a:t>
-            </a:r>
-            <a:r>
-              <a:rPr b="0" lang="en-US" sz="1800" spc="-1" strike="noStrike">
-                <a:solidFill>
-                  <a:srgbClr val="ffffff"/>
-                </a:solidFill>
-                <a:latin typeface="Arial"/>
-              </a:rPr>
-              <a:t>TCP</a:t>
-            </a:r>
-            <a:r>
-              <a:rPr b="0" lang="en-US" sz="1800" spc="-1" strike="noStrike">
-                <a:solidFill>
-                  <a:srgbClr val="ffffff"/>
-                </a:solidFill>
-                <a:latin typeface="Arial"/>
-              </a:rPr>
-              <a:t>连接，通常使用阻塞</a:t>
-            </a:r>
-            <a:r>
-              <a:rPr b="0" lang="en-US" sz="1800" spc="-1" strike="noStrike">
-                <a:solidFill>
-                  <a:srgbClr val="ffffff"/>
-                </a:solidFill>
-                <a:latin typeface="Arial"/>
-              </a:rPr>
-              <a:t>IO.</a:t>
-            </a:r>
-            <a:endParaRPr b="0" lang="en-US" sz="1800" spc="-1" strike="noStrike">
-              <a:latin typeface="Arial"/>
-            </a:endParaRPr>
-          </a:p>
-          <a:p>
-            <a:r>
-              <a:rPr b="0" lang="en-US" sz="1800" spc="-1" strike="noStrike">
-                <a:solidFill>
-                  <a:srgbClr val="ffffff"/>
-                </a:solidFill>
-                <a:latin typeface="Arial"/>
-              </a:rPr>
-              <a:t>2. </a:t>
-            </a:r>
-            <a:r>
-              <a:rPr b="0" lang="en-US" sz="1800" spc="-1" strike="noStrike">
-                <a:solidFill>
-                  <a:srgbClr val="ffffff"/>
-                </a:solidFill>
-                <a:latin typeface="Arial"/>
-              </a:rPr>
-              <a:t>一个线程处理多个</a:t>
-            </a:r>
-            <a:r>
-              <a:rPr b="0" lang="en-US" sz="1800" spc="-1" strike="noStrike">
-                <a:solidFill>
-                  <a:srgbClr val="ffffff"/>
-                </a:solidFill>
-                <a:latin typeface="Arial"/>
-              </a:rPr>
-              <a:t>TCP</a:t>
-            </a:r>
-            <a:r>
-              <a:rPr b="0" lang="en-US" sz="1800" spc="-1" strike="noStrike">
-                <a:solidFill>
-                  <a:srgbClr val="ffffff"/>
-                </a:solidFill>
-                <a:latin typeface="Arial"/>
-              </a:rPr>
-              <a:t>连接上的</a:t>
-            </a:r>
-            <a:r>
-              <a:rPr b="0" lang="en-US" sz="1800" spc="-1" strike="noStrike">
-                <a:solidFill>
-                  <a:srgbClr val="ffffff"/>
-                </a:solidFill>
-                <a:latin typeface="Arial"/>
-              </a:rPr>
-              <a:t>IO</a:t>
-            </a:r>
-            <a:r>
-              <a:rPr b="0" lang="en-US" sz="1800" spc="-1" strike="noStrike">
-                <a:solidFill>
-                  <a:srgbClr val="ffffff"/>
-                </a:solidFill>
-                <a:latin typeface="Arial"/>
-              </a:rPr>
-              <a:t>，通常使用非阻塞</a:t>
-            </a:r>
-            <a:r>
-              <a:rPr b="0" lang="en-US" sz="1800" spc="-1" strike="noStrike">
-                <a:solidFill>
-                  <a:srgbClr val="ffffff"/>
-                </a:solidFill>
-                <a:latin typeface="Arial"/>
-              </a:rPr>
-              <a:t>IO</a:t>
-            </a:r>
-            <a:r>
-              <a:rPr b="0" lang="en-US" sz="1800" spc="-1" strike="noStrike">
-                <a:solidFill>
-                  <a:srgbClr val="ffffff"/>
-                </a:solidFill>
-                <a:latin typeface="Arial"/>
-              </a:rPr>
-              <a:t>和</a:t>
-            </a:r>
-            <a:r>
-              <a:rPr b="0" lang="en-US" sz="1800" spc="-1" strike="noStrike">
-                <a:solidFill>
-                  <a:srgbClr val="ffffff"/>
-                </a:solidFill>
-                <a:latin typeface="Arial"/>
-              </a:rPr>
-              <a:t>I/O</a:t>
-            </a:r>
-            <a:r>
-              <a:rPr b="0" lang="en-US" sz="1800" spc="-1" strike="noStrike">
-                <a:solidFill>
-                  <a:srgbClr val="ffffff"/>
-                </a:solidFill>
-                <a:latin typeface="Arial"/>
-              </a:rPr>
-              <a:t>多路复用</a:t>
+              <a:t>进程间通信要首选</a:t>
+            </a:r>
+            <a:r>
+              <a:rPr b="0" lang="en-US" sz="1800" spc="-1" strike="noStrike">
+                <a:solidFill>
+                  <a:srgbClr val="ffffff"/>
+                </a:solidFill>
+                <a:latin typeface="Arial"/>
+              </a:rPr>
+              <a:t>socket, </a:t>
+            </a:r>
+            <a:r>
+              <a:rPr b="0" lang="en-US" sz="1800" spc="-1" strike="noStrike">
+                <a:solidFill>
+                  <a:srgbClr val="ffffff"/>
+                </a:solidFill>
+                <a:latin typeface="Arial"/>
+              </a:rPr>
+              <a:t>其最大的好处是：可以跨主机，具有伸缩性。如果一台机器的处理能力不够，很自然的就能用多台机器来处理。</a:t>
             </a:r>
             <a:endParaRPr b="0" lang="en-US" sz="1800" spc="-1" strike="noStrike">
               <a:latin typeface="Arial"/>
@@ -7275,33 +6954,6 @@
       </p:sp>
     </p:spTree>
   </p:cSld>
-  <p:timing>
-    <p:tnLst>
-      <p:par>
-        <p:cTn id="27" dur="indefinite" restart="never" nodeType="tmRoot">
-          <p:childTnLst>
-            <p:seq>
-              <p:cTn id="28" dur="indefinite" nodeType="mainSeq"/>
-              <p:prevCondLst>
-                <p:cond delay="0" evt="onPrev">
-                  <p:tgtEl>
-                    <p:sldTgt/>
-                  </p:tgtEl>
-                </p:cond>
-              </p:prevCondLst>
-              <p:nextCondLst>
-                <p:cond delay="0" evt="onNext">
-                  <p:tgtEl>
-                    <p:sldTgt/>
-                  </p:tgtEl>
-                </p:cond>
-              </p:nextCondLst>
-            </p:seq>
-          </p:childTnLst>
-        </p:cTn>
-      </p:par>
-    </p:tnLst>
-  </p:timing>
 </p:sld>
 </file>
 
@@ -7330,8 +6982,8 @@
         </p:nvSpPr>
         <p:spPr>
           <a:xfrm>
-            <a:off x="731520" y="1512000"/>
-            <a:ext cx="10068840" cy="7307640"/>
+            <a:off x="731160" y="1512000"/>
+            <a:ext cx="10068840" cy="6169680"/>
           </a:xfrm>
           <a:prstGeom prst="rect">
             <a:avLst/>
@@ -7344,6 +6996,15 @@
         <p:txBody>
           <a:bodyPr lIns="90000" rIns="90000" tIns="45000" bIns="45000"/>
           <a:p>
+            <a:r>
+              <a:rPr b="0" lang="en-US" sz="1800" spc="-1" strike="noStrike">
+                <a:solidFill>
+                  <a:srgbClr val="ffffff"/>
+                </a:solidFill>
+                <a:latin typeface="Arial"/>
+              </a:rPr>
+              <a:t>讲一下服务器开发：</a:t>
+            </a:r>
             <a:endParaRPr b="0" lang="en-US" sz="1800" spc="-1" strike="noStrike">
               <a:latin typeface="Arial"/>
             </a:endParaRPr>
@@ -7365,7 +7026,39 @@
                 </a:solidFill>
                 <a:latin typeface="Arial"/>
               </a:rPr>
-              <a:t>如果要在一台多核机器上提供一种服务，可用的模式有：</a:t>
+              <a:t>用一句话形容：跑在多核机器上的</a:t>
+            </a:r>
+            <a:r>
+              <a:rPr b="0" lang="en-US" sz="1800" spc="-1" strike="noStrike">
+                <a:solidFill>
+                  <a:srgbClr val="ffffff"/>
+                </a:solidFill>
+                <a:latin typeface="Arial"/>
+              </a:rPr>
+              <a:t>Linux</a:t>
+            </a:r>
+            <a:r>
+              <a:rPr b="0" lang="en-US" sz="1800" spc="-1" strike="noStrike">
+                <a:solidFill>
+                  <a:srgbClr val="ffffff"/>
+                </a:solidFill>
+                <a:latin typeface="Arial"/>
+              </a:rPr>
+              <a:t>用户态的没有用户界面的</a:t>
+            </a:r>
+            <a:endParaRPr b="0" lang="en-US" sz="1800" spc="-1" strike="noStrike">
+              <a:latin typeface="Arial"/>
+            </a:endParaRPr>
+          </a:p>
+          <a:p>
+            <a:r>
+              <a:rPr b="0" lang="en-US" sz="1800" spc="-1" strike="noStrike">
+                <a:solidFill>
+                  <a:srgbClr val="ffffff"/>
+                </a:solidFill>
+                <a:latin typeface="Arial"/>
+              </a:rPr>
+              <a:t>长期运行的网络应用程序。</a:t>
             </a:r>
             <a:endParaRPr b="0" lang="en-US" sz="1800" spc="-1" strike="noStrike">
               <a:latin typeface="Arial"/>
@@ -7393,6 +7086,20 @@
                 </a:solidFill>
                 <a:latin typeface="Arial"/>
               </a:rPr>
+              <a:t>开发服务端程序的一个基本任务是处理并发连接。大概有两种方式：</a:t>
+            </a:r>
+            <a:endParaRPr b="0" lang="en-US" sz="1800" spc="-1" strike="noStrike">
+              <a:latin typeface="Arial"/>
+            </a:endParaRPr>
+          </a:p>
+          <a:p>
+            <a:r>
+              <a:rPr b="0" lang="en-US" sz="1800" spc="-1" strike="noStrike">
+                <a:solidFill>
+                  <a:srgbClr val="ffffff"/>
+                </a:solidFill>
+                <a:latin typeface="Arial"/>
+              </a:rPr>
               <a:t>1. </a:t>
             </a:r>
             <a:r>
@@ -7402,45 +7109,40 @@
                 </a:solidFill>
                 <a:latin typeface="Arial"/>
               </a:rPr>
-              <a:t>运行一个单线程的进程。</a:t>
-            </a:r>
-            <a:endParaRPr b="0" lang="en-US" sz="1800" spc="-1" strike="noStrike">
-              <a:latin typeface="Arial"/>
-            </a:endParaRPr>
-          </a:p>
-          <a:p>
-            <a:r>
-              <a:rPr b="0" lang="en-US" sz="1800" spc="-1" strike="noStrike">
-                <a:solidFill>
-                  <a:srgbClr val="ffffff"/>
-                </a:solidFill>
-                <a:latin typeface="Arial"/>
-              </a:rPr>
-              <a:t>                   </a:t>
-            </a:r>
-            <a:r>
-              <a:rPr b="0" lang="en-US" sz="1800" spc="-1" strike="noStrike">
-                <a:solidFill>
-                  <a:srgbClr val="ffffff"/>
-                </a:solidFill>
-                <a:latin typeface="Arial"/>
-              </a:rPr>
-              <a:t>优点：简单， 缺点：非抢占的。</a:t>
-            </a:r>
-            <a:endParaRPr b="0" lang="en-US" sz="1800" spc="-1" strike="noStrike">
-              <a:latin typeface="Arial"/>
-            </a:endParaRPr>
-          </a:p>
-          <a:p>
-            <a:r>
-              <a:rPr b="0" lang="en-US" sz="1800" spc="-1" strike="noStrike">
-                <a:solidFill>
-                  <a:srgbClr val="ffffff"/>
-                </a:solidFill>
-                <a:latin typeface="Arial"/>
-              </a:rPr>
-              <a:t>     </a:t>
-            </a:r>
+              <a:t>一个线程只处理一个</a:t>
+            </a:r>
+            <a:r>
+              <a:rPr b="0" lang="en-US" sz="1800" spc="-1" strike="noStrike">
+                <a:solidFill>
+                  <a:srgbClr val="ffffff"/>
+                </a:solidFill>
+                <a:latin typeface="Arial"/>
+              </a:rPr>
+              <a:t>TCP</a:t>
+            </a:r>
+            <a:r>
+              <a:rPr b="0" lang="en-US" sz="1800" spc="-1" strike="noStrike">
+                <a:solidFill>
+                  <a:srgbClr val="ffffff"/>
+                </a:solidFill>
+                <a:latin typeface="Arial"/>
+              </a:rPr>
+              <a:t>连接，通常使用阻塞</a:t>
+            </a:r>
+            <a:r>
+              <a:rPr b="0" lang="en-US" sz="1800" spc="-1" strike="noStrike">
+                <a:solidFill>
+                  <a:srgbClr val="ffffff"/>
+                </a:solidFill>
+                <a:latin typeface="Arial"/>
+              </a:rPr>
+              <a:t>IO.</a:t>
+            </a:r>
+            <a:endParaRPr b="0" lang="en-US" sz="1800" spc="-1" strike="noStrike">
+              <a:latin typeface="Arial"/>
+            </a:endParaRPr>
+          </a:p>
+          <a:p>
             <a:r>
               <a:rPr b="0" lang="en-US" sz="1800" spc="-1" strike="noStrike">
                 <a:solidFill>
@@ -7457,163 +7159,79 @@
                 </a:solidFill>
                 <a:latin typeface="Arial"/>
               </a:rPr>
-              <a:t>运行一个多线程的进程。</a:t>
-            </a:r>
-            <a:endParaRPr b="0" lang="en-US" sz="1800" spc="-1" strike="noStrike">
-              <a:latin typeface="Arial"/>
-            </a:endParaRPr>
-          </a:p>
-          <a:p>
-            <a:r>
-              <a:rPr b="0" lang="en-US" sz="1800" spc="-1" strike="noStrike">
-                <a:solidFill>
-                  <a:srgbClr val="ffffff"/>
-                </a:solidFill>
-                <a:latin typeface="Arial"/>
-              </a:rPr>
-              <a:t>                    </a:t>
-            </a:r>
-            <a:r>
-              <a:rPr b="0" lang="en-US" sz="1800" spc="-1" strike="noStrike">
-                <a:solidFill>
-                  <a:srgbClr val="ffffff"/>
-                </a:solidFill>
-                <a:latin typeface="Arial"/>
-              </a:rPr>
-              <a:t>优点：提高响应速度， 缺点：多线程代码难写。</a:t>
-            </a:r>
-            <a:endParaRPr b="0" lang="en-US" sz="1800" spc="-1" strike="noStrike">
-              <a:latin typeface="Arial"/>
-            </a:endParaRPr>
-          </a:p>
-          <a:p>
-            <a:r>
-              <a:rPr b="0" lang="en-US" sz="1800" spc="-1" strike="noStrike">
-                <a:solidFill>
-                  <a:srgbClr val="ffffff"/>
-                </a:solidFill>
-                <a:latin typeface="Arial"/>
-              </a:rPr>
-              <a:t>     </a:t>
-            </a:r>
-            <a:r>
-              <a:rPr b="0" lang="en-US" sz="1800" spc="-1" strike="noStrike">
-                <a:solidFill>
-                  <a:srgbClr val="ffffff"/>
-                </a:solidFill>
-                <a:latin typeface="Arial"/>
-              </a:rPr>
-              <a:t>3. </a:t>
-            </a:r>
-            <a:r>
-              <a:rPr b="0" lang="en-US" sz="1800" spc="-1" strike="noStrike">
-                <a:solidFill>
-                  <a:srgbClr val="ffffff"/>
-                </a:solidFill>
-                <a:latin typeface="Arial"/>
-              </a:rPr>
-              <a:t>运行多个单线程的进程。</a:t>
-            </a:r>
-            <a:endParaRPr b="0" lang="en-US" sz="1800" spc="-1" strike="noStrike">
-              <a:latin typeface="Arial"/>
-            </a:endParaRPr>
-          </a:p>
-          <a:p>
-            <a:r>
-              <a:rPr b="0" lang="en-US" sz="1800" spc="-1" strike="noStrike">
-                <a:solidFill>
-                  <a:srgbClr val="ffffff"/>
-                </a:solidFill>
-                <a:latin typeface="Arial"/>
-              </a:rPr>
-              <a:t>	</a:t>
-            </a:r>
-            <a:r>
-              <a:rPr b="0" lang="en-US" sz="1800" spc="-1" strike="noStrike">
-                <a:solidFill>
-                  <a:srgbClr val="ffffff"/>
-                </a:solidFill>
-                <a:latin typeface="Arial"/>
-              </a:rPr>
-              <a:t>             </a:t>
-            </a:r>
-            <a:r>
-              <a:rPr b="0" lang="en-US" sz="1800" spc="-1" strike="noStrike">
-                <a:solidFill>
-                  <a:srgbClr val="ffffff"/>
-                </a:solidFill>
-                <a:latin typeface="Arial"/>
-              </a:rPr>
-              <a:t>优点：主流模式，比如</a:t>
-            </a:r>
-            <a:r>
-              <a:rPr b="0" lang="en-US" sz="1800" spc="-1" strike="noStrike">
-                <a:solidFill>
-                  <a:srgbClr val="ffffff"/>
-                </a:solidFill>
-                <a:latin typeface="Arial"/>
-              </a:rPr>
-              <a:t>httpd</a:t>
-            </a:r>
-            <a:endParaRPr b="0" lang="en-US" sz="1800" spc="-1" strike="noStrike">
-              <a:latin typeface="Arial"/>
-            </a:endParaRPr>
-          </a:p>
-          <a:p>
-            <a:endParaRPr b="0" lang="en-US" sz="1800" spc="-1" strike="noStrike">
-              <a:latin typeface="Arial"/>
-            </a:endParaRPr>
-          </a:p>
-          <a:p>
-            <a:r>
-              <a:rPr b="0" lang="en-US" sz="1800" spc="-1" strike="noStrike">
-                <a:solidFill>
-                  <a:srgbClr val="ffffff"/>
-                </a:solidFill>
-                <a:latin typeface="Arial"/>
-              </a:rPr>
-              <a:t>     </a:t>
-            </a:r>
-            <a:r>
-              <a:rPr b="0" lang="en-US" sz="1800" spc="-1" strike="noStrike">
-                <a:solidFill>
-                  <a:srgbClr val="ffffff"/>
-                </a:solidFill>
-                <a:latin typeface="Arial"/>
-              </a:rPr>
-              <a:t>4. </a:t>
-            </a:r>
-            <a:r>
-              <a:rPr b="0" lang="en-US" sz="1800" spc="-1" strike="noStrike">
-                <a:solidFill>
-                  <a:srgbClr val="ffffff"/>
-                </a:solidFill>
-                <a:latin typeface="Arial"/>
-              </a:rPr>
-              <a:t>运行多个多线程的进程。</a:t>
-            </a:r>
-            <a:endParaRPr b="0" lang="en-US" sz="1800" spc="-1" strike="noStrike">
-              <a:latin typeface="Arial"/>
-            </a:endParaRPr>
-          </a:p>
-          <a:p>
-            <a:r>
-              <a:rPr b="0" lang="en-US" sz="1800" spc="-1" strike="noStrike">
-                <a:solidFill>
-                  <a:srgbClr val="ffffff"/>
-                </a:solidFill>
-                <a:latin typeface="Arial"/>
-              </a:rPr>
-              <a:t>                                </a:t>
-            </a:r>
-            <a:r>
-              <a:rPr b="0" lang="en-US" sz="1800" spc="-1" strike="noStrike">
-                <a:solidFill>
-                  <a:srgbClr val="ffffff"/>
-                </a:solidFill>
-                <a:latin typeface="Arial"/>
-              </a:rPr>
-              <a:t>缺点：多线程代码难写</a:t>
+              <a:t>一个线程处理多个</a:t>
+            </a:r>
+            <a:r>
+              <a:rPr b="0" lang="en-US" sz="1800" spc="-1" strike="noStrike">
+                <a:solidFill>
+                  <a:srgbClr val="ffffff"/>
+                </a:solidFill>
+                <a:latin typeface="Arial"/>
+              </a:rPr>
+              <a:t>TCP</a:t>
+            </a:r>
+            <a:r>
+              <a:rPr b="0" lang="en-US" sz="1800" spc="-1" strike="noStrike">
+                <a:solidFill>
+                  <a:srgbClr val="ffffff"/>
+                </a:solidFill>
+                <a:latin typeface="Arial"/>
+              </a:rPr>
+              <a:t>连接上的</a:t>
+            </a:r>
+            <a:r>
+              <a:rPr b="0" lang="en-US" sz="1800" spc="-1" strike="noStrike">
+                <a:solidFill>
+                  <a:srgbClr val="ffffff"/>
+                </a:solidFill>
+                <a:latin typeface="Arial"/>
+              </a:rPr>
+              <a:t>IO</a:t>
+            </a:r>
+            <a:r>
+              <a:rPr b="0" lang="en-US" sz="1800" spc="-1" strike="noStrike">
+                <a:solidFill>
+                  <a:srgbClr val="ffffff"/>
+                </a:solidFill>
+                <a:latin typeface="Arial"/>
+              </a:rPr>
+              <a:t>，通常使用非阻塞</a:t>
+            </a:r>
+            <a:r>
+              <a:rPr b="0" lang="en-US" sz="1800" spc="-1" strike="noStrike">
+                <a:solidFill>
+                  <a:srgbClr val="ffffff"/>
+                </a:solidFill>
+                <a:latin typeface="Arial"/>
+              </a:rPr>
+              <a:t>IO</a:t>
+            </a:r>
+            <a:r>
+              <a:rPr b="0" lang="en-US" sz="1800" spc="-1" strike="noStrike">
+                <a:solidFill>
+                  <a:srgbClr val="ffffff"/>
+                </a:solidFill>
+                <a:latin typeface="Arial"/>
+              </a:rPr>
+              <a:t>和</a:t>
+            </a:r>
+            <a:r>
+              <a:rPr b="0" lang="en-US" sz="1800" spc="-1" strike="noStrike">
+                <a:solidFill>
+                  <a:srgbClr val="ffffff"/>
+                </a:solidFill>
+                <a:latin typeface="Arial"/>
+              </a:rPr>
+              <a:t>I/O</a:t>
+            </a:r>
+            <a:r>
+              <a:rPr b="0" lang="en-US" sz="1800" spc="-1" strike="noStrike">
+                <a:solidFill>
+                  <a:srgbClr val="ffffff"/>
+                </a:solidFill>
+                <a:latin typeface="Arial"/>
+              </a:rPr>
+              <a:t>多路复用</a:t>
             </a:r>
             <a:endParaRPr b="0" lang="en-US" sz="1800" spc="-1" strike="noStrike">
               <a:latin typeface="Arial"/>
@@ -7643,33 +7261,6 @@
       </p:sp>
     </p:spTree>
   </p:cSld>
-  <p:timing>
-    <p:tnLst>
-      <p:par>
-        <p:cTn id="29" dur="indefinite" restart="never" nodeType="tmRoot">
-          <p:childTnLst>
-            <p:seq>
-              <p:cTn id="30" dur="indefinite" nodeType="mainSeq"/>
-              <p:prevCondLst>
-                <p:cond delay="0" evt="onPrev">
-                  <p:tgtEl>
-                    <p:sldTgt/>
-                  </p:tgtEl>
-                </p:cond>
-              </p:prevCondLst>
-              <p:nextCondLst>
-                <p:cond delay="0" evt="onNext">
-                  <p:tgtEl>
-                    <p:sldTgt/>
-                  </p:tgtEl>
-                </p:cond>
-              </p:nextCondLst>
-            </p:seq>
-          </p:childTnLst>
-        </p:cTn>
-      </p:par>
-    </p:tnLst>
-  </p:timing>
 </p:sld>
 </file>
 
@@ -7698,8 +7289,8 @@
         </p:nvSpPr>
         <p:spPr>
           <a:xfrm>
-            <a:off x="432000" y="1571400"/>
-            <a:ext cx="10030680" cy="6126840"/>
+            <a:off x="731520" y="1512000"/>
+            <a:ext cx="10068840" cy="7307640"/>
           </a:xfrm>
           <a:prstGeom prst="rect">
             <a:avLst/>
@@ -7712,33 +7303,6 @@
         <p:txBody>
           <a:bodyPr lIns="90000" rIns="90000" tIns="45000" bIns="45000"/>
           <a:p>
-            <a:r>
-              <a:rPr b="0" lang="en-US" sz="1800" spc="-1" strike="noStrike">
-                <a:solidFill>
-                  <a:srgbClr val="ffffff"/>
-                </a:solidFill>
-                <a:latin typeface="Arial"/>
-              </a:rPr>
-              <a:t>讲一下</a:t>
-            </a:r>
-            <a:r>
-              <a:rPr b="0" lang="en-US" sz="1800" spc="-1" strike="noStrike">
-                <a:solidFill>
-                  <a:srgbClr val="ffffff"/>
-                </a:solidFill>
-                <a:latin typeface="Arial"/>
-              </a:rPr>
-              <a:t>I/O</a:t>
-            </a:r>
-            <a:r>
-              <a:rPr b="0" lang="en-US" sz="1800" spc="-1" strike="noStrike">
-                <a:solidFill>
-                  <a:srgbClr val="ffffff"/>
-                </a:solidFill>
-                <a:latin typeface="Arial"/>
-              </a:rPr>
-              <a:t>复用：</a:t>
-            </a:r>
             <a:endParaRPr b="0" lang="en-US" sz="1800" spc="-1" strike="noStrike">
               <a:latin typeface="Arial"/>
             </a:endParaRPr>
@@ -7760,16 +7324,7 @@
                 </a:solidFill>
                 <a:latin typeface="Arial"/>
               </a:rPr>
-              <a:t>I/O</a:t>
-            </a:r>
-            <a:r>
-              <a:rPr b="0" lang="en-US" sz="1800" spc="-1" strike="noStrike">
-                <a:solidFill>
-                  <a:srgbClr val="ffffff"/>
-                </a:solidFill>
-                <a:latin typeface="Arial"/>
-              </a:rPr>
-              <a:t>复用使得程序能同时监听多个文件描述符，能提高程序的性能。</a:t>
+              <a:t>如果要在一台多核机器上提供一种服务，可用的模式有：</a:t>
             </a:r>
             <a:endParaRPr b="0" lang="en-US" sz="1800" spc="-1" strike="noStrike">
               <a:latin typeface="Arial"/>
@@ -7797,325 +7352,227 @@
                 </a:solidFill>
                 <a:latin typeface="Arial"/>
               </a:rPr>
-              <a:t> </a:t>
-            </a:r>
-            <a:r>
-              <a:rPr b="0" lang="en-US" sz="1800" spc="-1" strike="noStrike">
-                <a:solidFill>
-                  <a:srgbClr val="ffffff"/>
-                </a:solidFill>
-                <a:latin typeface="Arial"/>
-              </a:rPr>
-              <a:t>I/O</a:t>
-            </a:r>
-            <a:r>
-              <a:rPr b="0" lang="en-US" sz="1800" spc="-1" strike="noStrike">
-                <a:solidFill>
-                  <a:srgbClr val="ffffff"/>
-                </a:solidFill>
-                <a:latin typeface="Arial"/>
-              </a:rPr>
-              <a:t>复用虽然能同时监听多个文件描述符，但它本身是阻塞的。并且当</a:t>
-            </a:r>
-            <a:endParaRPr b="0" lang="en-US" sz="1800" spc="-1" strike="noStrike">
-              <a:latin typeface="Arial"/>
-            </a:endParaRPr>
-          </a:p>
-          <a:p>
-            <a:r>
-              <a:rPr b="0" lang="en-US" sz="1800" spc="-1" strike="noStrike">
-                <a:solidFill>
-                  <a:srgbClr val="ffffff"/>
-                </a:solidFill>
-                <a:latin typeface="Arial"/>
-              </a:rPr>
-              <a:t>多个文件描述符同时就绪时，如果不采取额外的措施，程序只能按顺序依次处理其中的每一个文件描述符，这使得服务器程序看起来像是串行工作的。如果要实现并发，只能使用多进程或多线程等编程手段。</a:t>
-            </a:r>
-            <a:endParaRPr b="0" lang="en-US" sz="1800" spc="-1" strike="noStrike">
-              <a:latin typeface="Arial"/>
-            </a:endParaRPr>
-          </a:p>
-          <a:p>
-            <a:r>
-              <a:rPr b="0" lang="en-US" sz="1800" spc="-1" strike="noStrike">
-                <a:solidFill>
-                  <a:srgbClr val="ffffff"/>
-                </a:solidFill>
-                <a:latin typeface="Arial"/>
-              </a:rPr>
-              <a:t>      </a:t>
-            </a:r>
-            <a:r>
-              <a:rPr b="0" lang="en-US" sz="1800" spc="-1" strike="noStrike">
-                <a:solidFill>
-                  <a:srgbClr val="ffffff"/>
-                </a:solidFill>
-                <a:latin typeface="Arial"/>
-              </a:rPr>
-              <a:t>Linux</a:t>
-            </a:r>
-            <a:r>
-              <a:rPr b="0" lang="en-US" sz="1800" spc="-1" strike="noStrike">
-                <a:solidFill>
-                  <a:srgbClr val="ffffff"/>
-                </a:solidFill>
-                <a:latin typeface="Arial"/>
-              </a:rPr>
-              <a:t>下实现</a:t>
-            </a:r>
-            <a:r>
-              <a:rPr b="0" lang="en-US" sz="1800" spc="-1" strike="noStrike">
-                <a:solidFill>
-                  <a:srgbClr val="ffffff"/>
-                </a:solidFill>
-                <a:latin typeface="Arial"/>
-              </a:rPr>
-              <a:t>I/O</a:t>
-            </a:r>
-            <a:r>
-              <a:rPr b="0" lang="en-US" sz="1800" spc="-1" strike="noStrike">
-                <a:solidFill>
-                  <a:srgbClr val="ffffff"/>
-                </a:solidFill>
-                <a:latin typeface="Arial"/>
-              </a:rPr>
-              <a:t>复用的系统调用有：</a:t>
-            </a:r>
-            <a:r>
-              <a:rPr b="0" lang="en-US" sz="1800" spc="-1" strike="noStrike">
-                <a:solidFill>
-                  <a:srgbClr val="ffffff"/>
-                </a:solidFill>
-                <a:latin typeface="Arial"/>
-              </a:rPr>
-              <a:t>select</a:t>
-            </a:r>
-            <a:r>
-              <a:rPr b="0" lang="en-US" sz="1800" spc="-1" strike="noStrike">
-                <a:solidFill>
-                  <a:srgbClr val="ffffff"/>
-                </a:solidFill>
-                <a:latin typeface="Arial"/>
-              </a:rPr>
-              <a:t>、</a:t>
-            </a:r>
-            <a:r>
-              <a:rPr b="0" lang="en-US" sz="1800" spc="-1" strike="noStrike">
-                <a:solidFill>
-                  <a:srgbClr val="ffffff"/>
-                </a:solidFill>
-                <a:latin typeface="Arial"/>
-              </a:rPr>
-              <a:t>poll</a:t>
-            </a:r>
-            <a:r>
-              <a:rPr b="0" lang="en-US" sz="1800" spc="-1" strike="noStrike">
-                <a:solidFill>
-                  <a:srgbClr val="ffffff"/>
-                </a:solidFill>
-                <a:latin typeface="Arial"/>
-              </a:rPr>
-              <a:t>、</a:t>
-            </a:r>
-            <a:r>
-              <a:rPr b="0" lang="en-US" sz="1800" spc="-1" strike="noStrike">
-                <a:solidFill>
-                  <a:srgbClr val="ffffff"/>
-                </a:solidFill>
-                <a:latin typeface="Arial"/>
-              </a:rPr>
-              <a:t>epoll</a:t>
-            </a:r>
-            <a:r>
-              <a:rPr b="0" lang="en-US" sz="1800" spc="-1" strike="noStrike">
-                <a:solidFill>
-                  <a:srgbClr val="ffffff"/>
-                </a:solidFill>
-                <a:latin typeface="Arial"/>
-              </a:rPr>
-              <a:t>。</a:t>
-            </a:r>
-            <a:endParaRPr b="0" lang="en-US" sz="1800" spc="-1" strike="noStrike">
-              <a:latin typeface="Arial"/>
-            </a:endParaRPr>
-          </a:p>
-          <a:p>
-            <a:r>
-              <a:rPr b="0" lang="en-US" sz="1800" spc="-1" strike="noStrike">
-                <a:solidFill>
-                  <a:srgbClr val="ffffff"/>
-                </a:solidFill>
-                <a:latin typeface="Arial"/>
-              </a:rPr>
-              <a:t>三者区别：</a:t>
-            </a:r>
-            <a:endParaRPr b="0" lang="en-US" sz="1800" spc="-1" strike="noStrike">
-              <a:latin typeface="Arial"/>
-            </a:endParaRPr>
-          </a:p>
-          <a:p>
-            <a:r>
-              <a:rPr b="0" lang="en-US" sz="1800" spc="-1" strike="noStrike">
-                <a:solidFill>
-                  <a:srgbClr val="ffffff"/>
-                </a:solidFill>
-                <a:latin typeface="Arial"/>
-              </a:rPr>
-              <a:t>       </a:t>
-            </a:r>
-            <a:r>
-              <a:rPr b="0" lang="en-US" sz="1800" spc="-1" strike="noStrike">
-                <a:solidFill>
-                  <a:srgbClr val="ffffff"/>
-                </a:solidFill>
-                <a:latin typeface="Arial"/>
-              </a:rPr>
-              <a:t>1.select </a:t>
-            </a:r>
-            <a:r>
-              <a:rPr b="0" lang="en-US" sz="1800" spc="-1" strike="noStrike">
-                <a:solidFill>
-                  <a:srgbClr val="ffffff"/>
-                </a:solidFill>
-                <a:latin typeface="Arial"/>
-              </a:rPr>
-              <a:t>采用轮询的方式来检测就绪事件</a:t>
-            </a:r>
-            <a:r>
-              <a:rPr b="0" lang="en-US" sz="1800" spc="-1" strike="noStrike">
-                <a:solidFill>
-                  <a:srgbClr val="ffffff"/>
-                </a:solidFill>
-                <a:latin typeface="Arial"/>
-              </a:rPr>
-              <a:t>;</a:t>
-            </a:r>
-            <a:r>
-              <a:rPr b="0" lang="en-US" sz="1800" spc="-1" strike="noStrike">
-                <a:solidFill>
-                  <a:srgbClr val="ffffff"/>
-                </a:solidFill>
-                <a:latin typeface="Arial"/>
-              </a:rPr>
-              <a:t>文件描述符数有最大值限制</a:t>
-            </a:r>
-            <a:endParaRPr b="0" lang="en-US" sz="1800" spc="-1" strike="noStrike">
-              <a:latin typeface="Arial"/>
-            </a:endParaRPr>
-          </a:p>
-          <a:p>
-            <a:r>
-              <a:rPr b="0" lang="en-US" sz="1800" spc="-1" strike="noStrike">
-                <a:solidFill>
-                  <a:srgbClr val="ffffff"/>
-                </a:solidFill>
-                <a:latin typeface="Arial"/>
-              </a:rPr>
-              <a:t>       </a:t>
-            </a:r>
-            <a:r>
-              <a:rPr b="0" lang="en-US" sz="1800" spc="-1" strike="noStrike">
-                <a:solidFill>
-                  <a:srgbClr val="ffffff"/>
-                </a:solidFill>
-                <a:latin typeface="Arial"/>
-              </a:rPr>
-              <a:t>2. poll    </a:t>
-            </a:r>
-            <a:r>
-              <a:rPr b="0" lang="en-US" sz="1800" spc="-1" strike="noStrike">
-                <a:solidFill>
-                  <a:srgbClr val="ffffff"/>
-                </a:solidFill>
-                <a:latin typeface="Arial"/>
-              </a:rPr>
-              <a:t>采用轮询的方式来检测就绪事件</a:t>
-            </a:r>
-            <a:r>
-              <a:rPr b="0" lang="en-US" sz="1800" spc="-1" strike="noStrike">
-                <a:solidFill>
-                  <a:srgbClr val="ffffff"/>
-                </a:solidFill>
-                <a:latin typeface="Arial"/>
-              </a:rPr>
-              <a:t>;</a:t>
-            </a:r>
-            <a:r>
-              <a:rPr b="0" lang="en-US" sz="1800" spc="-1" strike="noStrike">
-                <a:solidFill>
-                  <a:srgbClr val="ffffff"/>
-                </a:solidFill>
-                <a:latin typeface="Arial"/>
-              </a:rPr>
-              <a:t>文件描述符最大</a:t>
-            </a:r>
-            <a:r>
-              <a:rPr b="0" lang="en-US" sz="1800" spc="-1" strike="noStrike">
-                <a:solidFill>
-                  <a:srgbClr val="ffffff"/>
-                </a:solidFill>
-                <a:latin typeface="Arial"/>
-              </a:rPr>
-              <a:t>65535</a:t>
-            </a:r>
-            <a:endParaRPr b="0" lang="en-US" sz="1800" spc="-1" strike="noStrike">
-              <a:latin typeface="Arial"/>
-            </a:endParaRPr>
-          </a:p>
-          <a:p>
-            <a:r>
-              <a:rPr b="0" lang="en-US" sz="1800" spc="-1" strike="noStrike">
-                <a:solidFill>
-                  <a:srgbClr val="ffffff"/>
-                </a:solidFill>
-                <a:latin typeface="Arial"/>
-              </a:rPr>
-              <a:t>       </a:t>
-            </a:r>
-            <a:r>
-              <a:rPr b="0" lang="en-US" sz="1800" spc="-1" strike="noStrike">
-                <a:solidFill>
-                  <a:srgbClr val="ffffff"/>
-                </a:solidFill>
-                <a:latin typeface="Arial"/>
-              </a:rPr>
-              <a:t>3. epoll   </a:t>
-            </a:r>
-            <a:r>
-              <a:rPr b="0" lang="en-US" sz="1800" spc="-1" strike="noStrike">
-                <a:solidFill>
-                  <a:srgbClr val="ffffff"/>
-                </a:solidFill>
-                <a:latin typeface="Arial"/>
-              </a:rPr>
-              <a:t>采用回调的方式来检测就绪事件</a:t>
-            </a:r>
-            <a:r>
-              <a:rPr b="0" lang="en-US" sz="1800" spc="-1" strike="noStrike">
-                <a:solidFill>
-                  <a:srgbClr val="ffffff"/>
-                </a:solidFill>
-                <a:latin typeface="Arial"/>
-              </a:rPr>
-              <a:t>;</a:t>
-            </a:r>
-            <a:r>
-              <a:rPr b="0" lang="en-US" sz="1800" spc="-1" strike="noStrike">
-                <a:solidFill>
-                  <a:srgbClr val="ffffff"/>
-                </a:solidFill>
-                <a:latin typeface="Arial"/>
-              </a:rPr>
-              <a:t>文件描述符最大</a:t>
-            </a:r>
-            <a:r>
-              <a:rPr b="0" lang="en-US" sz="1800" spc="-1" strike="noStrike">
-                <a:solidFill>
-                  <a:srgbClr val="ffffff"/>
-                </a:solidFill>
-                <a:latin typeface="Arial"/>
-              </a:rPr>
-              <a:t>65535</a:t>
+              <a:t>1. </a:t>
+            </a:r>
+            <a:r>
+              <a:rPr b="0" lang="en-US" sz="1800" spc="-1" strike="noStrike">
+                <a:solidFill>
+                  <a:srgbClr val="ffffff"/>
+                </a:solidFill>
+                <a:latin typeface="Arial"/>
+              </a:rPr>
+              <a:t>运行一个单线程的进程。</a:t>
+            </a:r>
+            <a:endParaRPr b="0" lang="en-US" sz="1800" spc="-1" strike="noStrike">
+              <a:latin typeface="Arial"/>
+            </a:endParaRPr>
+          </a:p>
+          <a:p>
+            <a:r>
+              <a:rPr b="0" lang="en-US" sz="1800" spc="-1" strike="noStrike">
+                <a:solidFill>
+                  <a:srgbClr val="ffffff"/>
+                </a:solidFill>
+                <a:latin typeface="Arial"/>
+              </a:rPr>
+              <a:t>                   </a:t>
+            </a:r>
+            <a:r>
+              <a:rPr b="0" lang="en-US" sz="1800" spc="-1" strike="noStrike">
+                <a:solidFill>
+                  <a:srgbClr val="ffffff"/>
+                </a:solidFill>
+                <a:latin typeface="Arial"/>
+              </a:rPr>
+              <a:t>优点：简单， 缺点：非抢占的。</a:t>
+            </a:r>
+            <a:endParaRPr b="0" lang="en-US" sz="1800" spc="-1" strike="noStrike">
+              <a:latin typeface="Arial"/>
+            </a:endParaRPr>
+          </a:p>
+          <a:p>
+            <a:r>
+              <a:rPr b="0" lang="en-US" sz="1800" spc="-1" strike="noStrike">
+                <a:solidFill>
+                  <a:srgbClr val="ffffff"/>
+                </a:solidFill>
+                <a:latin typeface="Arial"/>
+              </a:rPr>
+              <a:t>     </a:t>
+            </a:r>
+            <a:r>
+              <a:rPr b="0" lang="en-US" sz="1800" spc="-1" strike="noStrike">
+                <a:solidFill>
+                  <a:srgbClr val="ffffff"/>
+                </a:solidFill>
+                <a:latin typeface="Arial"/>
+              </a:rPr>
+              <a:t>2. </a:t>
+            </a:r>
+            <a:r>
+              <a:rPr b="0" lang="en-US" sz="1800" spc="-1" strike="noStrike">
+                <a:solidFill>
+                  <a:srgbClr val="ffffff"/>
+                </a:solidFill>
+                <a:latin typeface="Arial"/>
+              </a:rPr>
+              <a:t>运行一个多线程的进程。</a:t>
+            </a:r>
+            <a:endParaRPr b="0" lang="en-US" sz="1800" spc="-1" strike="noStrike">
+              <a:latin typeface="Arial"/>
+            </a:endParaRPr>
+          </a:p>
+          <a:p>
+            <a:r>
+              <a:rPr b="0" lang="en-US" sz="1800" spc="-1" strike="noStrike">
+                <a:solidFill>
+                  <a:srgbClr val="ffffff"/>
+                </a:solidFill>
+                <a:latin typeface="Arial"/>
+              </a:rPr>
+              <a:t>                    </a:t>
+            </a:r>
+            <a:r>
+              <a:rPr b="0" lang="en-US" sz="1800" spc="-1" strike="noStrike">
+                <a:solidFill>
+                  <a:srgbClr val="ffffff"/>
+                </a:solidFill>
+                <a:latin typeface="Arial"/>
+              </a:rPr>
+              <a:t>优点：提高响应速度， 缺点：多线程代码难写。</a:t>
+            </a:r>
+            <a:endParaRPr b="0" lang="en-US" sz="1800" spc="-1" strike="noStrike">
+              <a:latin typeface="Arial"/>
+            </a:endParaRPr>
+          </a:p>
+          <a:p>
+            <a:r>
+              <a:rPr b="0" lang="en-US" sz="1800" spc="-1" strike="noStrike">
+                <a:solidFill>
+                  <a:srgbClr val="ffffff"/>
+                </a:solidFill>
+                <a:latin typeface="Arial"/>
+              </a:rPr>
+              <a:t>     </a:t>
+            </a:r>
+            <a:r>
+              <a:rPr b="0" lang="en-US" sz="1800" spc="-1" strike="noStrike">
+                <a:solidFill>
+                  <a:srgbClr val="ffffff"/>
+                </a:solidFill>
+                <a:latin typeface="Arial"/>
+              </a:rPr>
+              <a:t>3. </a:t>
+            </a:r>
+            <a:r>
+              <a:rPr b="0" lang="en-US" sz="1800" spc="-1" strike="noStrike">
+                <a:solidFill>
+                  <a:srgbClr val="ffffff"/>
+                </a:solidFill>
+                <a:latin typeface="Arial"/>
+              </a:rPr>
+              <a:t>运行多个单线程的进程。</a:t>
+            </a:r>
+            <a:endParaRPr b="0" lang="en-US" sz="1800" spc="-1" strike="noStrike">
+              <a:latin typeface="Arial"/>
+            </a:endParaRPr>
+          </a:p>
+          <a:p>
+            <a:r>
+              <a:rPr b="0" lang="en-US" sz="1800" spc="-1" strike="noStrike">
+                <a:solidFill>
+                  <a:srgbClr val="ffffff"/>
+                </a:solidFill>
+                <a:latin typeface="Arial"/>
+              </a:rPr>
+              <a:t>	</a:t>
+            </a:r>
+            <a:r>
+              <a:rPr b="0" lang="en-US" sz="1800" spc="-1" strike="noStrike">
+                <a:solidFill>
+                  <a:srgbClr val="ffffff"/>
+                </a:solidFill>
+                <a:latin typeface="Arial"/>
+              </a:rPr>
+              <a:t>             </a:t>
+            </a:r>
+            <a:r>
+              <a:rPr b="0" lang="en-US" sz="1800" spc="-1" strike="noStrike">
+                <a:solidFill>
+                  <a:srgbClr val="ffffff"/>
+                </a:solidFill>
+                <a:latin typeface="Arial"/>
+              </a:rPr>
+              <a:t>优点：主流模式，比如</a:t>
+            </a:r>
+            <a:r>
+              <a:rPr b="0" lang="en-US" sz="1800" spc="-1" strike="noStrike">
+                <a:solidFill>
+                  <a:srgbClr val="ffffff"/>
+                </a:solidFill>
+                <a:latin typeface="Arial"/>
+              </a:rPr>
+              <a:t>httpd</a:t>
+            </a:r>
+            <a:endParaRPr b="0" lang="en-US" sz="1800" spc="-1" strike="noStrike">
+              <a:latin typeface="Arial"/>
+            </a:endParaRPr>
+          </a:p>
+          <a:p>
+            <a:endParaRPr b="0" lang="en-US" sz="1800" spc="-1" strike="noStrike">
+              <a:latin typeface="Arial"/>
+            </a:endParaRPr>
+          </a:p>
+          <a:p>
+            <a:r>
+              <a:rPr b="0" lang="en-US" sz="1800" spc="-1" strike="noStrike">
+                <a:solidFill>
+                  <a:srgbClr val="ffffff"/>
+                </a:solidFill>
+                <a:latin typeface="Arial"/>
+              </a:rPr>
+              <a:t>     </a:t>
+            </a:r>
+            <a:r>
+              <a:rPr b="0" lang="en-US" sz="1800" spc="-1" strike="noStrike">
+                <a:solidFill>
+                  <a:srgbClr val="ffffff"/>
+                </a:solidFill>
+                <a:latin typeface="Arial"/>
+              </a:rPr>
+              <a:t>4. </a:t>
+            </a:r>
+            <a:r>
+              <a:rPr b="0" lang="en-US" sz="1800" spc="-1" strike="noStrike">
+                <a:solidFill>
+                  <a:srgbClr val="ffffff"/>
+                </a:solidFill>
+                <a:latin typeface="Arial"/>
+              </a:rPr>
+              <a:t>运行多个多线程的进程。</a:t>
+            </a:r>
+            <a:endParaRPr b="0" lang="en-US" sz="1800" spc="-1" strike="noStrike">
+              <a:latin typeface="Arial"/>
+            </a:endParaRPr>
+          </a:p>
+          <a:p>
+            <a:r>
+              <a:rPr b="0" lang="en-US" sz="1800" spc="-1" strike="noStrike">
+                <a:solidFill>
+                  <a:srgbClr val="ffffff"/>
+                </a:solidFill>
+                <a:latin typeface="Arial"/>
+              </a:rPr>
+              <a:t>                                </a:t>
+            </a:r>
+            <a:r>
+              <a:rPr b="0" lang="en-US" sz="1800" spc="-1" strike="noStrike">
+                <a:solidFill>
+                  <a:srgbClr val="ffffff"/>
+                </a:solidFill>
+                <a:latin typeface="Arial"/>
+              </a:rPr>
+              <a:t>缺点：多线程代码难写</a:t>
             </a:r>
             <a:endParaRPr b="0" lang="en-US" sz="1800" spc="-1" strike="noStrike">
               <a:latin typeface="Arial"/>
@@ -8145,33 +7602,6 @@
       </p:sp>
     </p:spTree>
   </p:cSld>
-  <p:timing>
-    <p:tnLst>
-      <p:par>
-        <p:cTn id="31" dur="indefinite" restart="never" nodeType="tmRoot">
-          <p:childTnLst>
-            <p:seq>
-              <p:cTn id="32" dur="indefinite" nodeType="mainSeq"/>
-              <p:prevCondLst>
-                <p:cond delay="0" evt="onPrev">
-                  <p:tgtEl>
-                    <p:sldTgt/>
-                  </p:tgtEl>
-                </p:cond>
-              </p:prevCondLst>
-              <p:nextCondLst>
-                <p:cond delay="0" evt="onNext">
-                  <p:tgtEl>
-                    <p:sldTgt/>
-                  </p:tgtEl>
-                </p:cond>
-              </p:nextCondLst>
-            </p:seq>
-          </p:childTnLst>
-        </p:cTn>
-      </p:par>
-    </p:tnLst>
-  </p:timing>
 </p:sld>
 </file>
 
@@ -8200,8 +7630,8 @@
         </p:nvSpPr>
         <p:spPr>
           <a:xfrm>
-            <a:off x="1368000" y="1080000"/>
-            <a:ext cx="6840000" cy="12720600"/>
+            <a:off x="432000" y="1571400"/>
+            <a:ext cx="10030680" cy="7307640"/>
           </a:xfrm>
           <a:prstGeom prst="rect">
             <a:avLst/>
@@ -8221,217 +7651,77 @@
                 </a:solidFill>
                 <a:latin typeface="Arial"/>
               </a:rPr>
-              <a:t>讨论几个常用的系统检测工具：</a:t>
-            </a:r>
-            <a:endParaRPr b="0" lang="en-US" sz="1800" spc="-1" strike="noStrike">
-              <a:latin typeface="Arial"/>
-            </a:endParaRPr>
-          </a:p>
-          <a:p>
-            <a:r>
-              <a:rPr b="0" lang="en-US" sz="1800" spc="-1" strike="noStrike">
-                <a:solidFill>
-                  <a:srgbClr val="ffffff"/>
-                </a:solidFill>
-                <a:latin typeface="Arial"/>
-              </a:rPr>
-              <a:t>1. tcpdump</a:t>
-            </a:r>
-            <a:r>
-              <a:rPr b="0" lang="en-US" sz="1800" spc="-1" strike="noStrike">
-                <a:solidFill>
-                  <a:srgbClr val="ffffff"/>
-                </a:solidFill>
-                <a:latin typeface="Arial"/>
-              </a:rPr>
-              <a:t>：经典的网络抓包工具</a:t>
-            </a:r>
-            <a:endParaRPr b="0" lang="en-US" sz="1800" spc="-1" strike="noStrike">
-              <a:latin typeface="Arial"/>
-            </a:endParaRPr>
-          </a:p>
-          <a:p>
-            <a:endParaRPr b="0" lang="en-US" sz="1800" spc="-1" strike="noStrike">
-              <a:latin typeface="Arial"/>
-            </a:endParaRPr>
-          </a:p>
-          <a:p>
-            <a:r>
-              <a:rPr b="0" lang="en-US" sz="1800" spc="-1" strike="noStrike">
-                <a:solidFill>
-                  <a:srgbClr val="ffffff"/>
-                </a:solidFill>
-                <a:latin typeface="Arial"/>
-              </a:rPr>
-              <a:t>2. lsof</a:t>
-            </a:r>
-            <a:r>
-              <a:rPr b="0" lang="en-US" sz="1800" spc="-1" strike="noStrike">
-                <a:solidFill>
-                  <a:srgbClr val="ffffff"/>
-                </a:solidFill>
-                <a:latin typeface="Arial"/>
-              </a:rPr>
-              <a:t>：列出当前系统打开的文件描述符的工具</a:t>
-            </a:r>
-            <a:endParaRPr b="0" lang="en-US" sz="1800" spc="-1" strike="noStrike">
-              <a:latin typeface="Arial"/>
-            </a:endParaRPr>
-          </a:p>
-          <a:p>
-            <a:endParaRPr b="0" lang="en-US" sz="1800" spc="-1" strike="noStrike">
-              <a:latin typeface="Arial"/>
-            </a:endParaRPr>
-          </a:p>
-          <a:p>
-            <a:r>
-              <a:rPr b="0" lang="en-US" sz="1800" spc="-1" strike="noStrike">
-                <a:solidFill>
-                  <a:srgbClr val="ffffff"/>
-                </a:solidFill>
-                <a:latin typeface="Arial"/>
-              </a:rPr>
-              <a:t>3. strace</a:t>
-            </a:r>
-            <a:r>
-              <a:rPr b="0" lang="en-US" sz="1800" spc="-1" strike="noStrike">
-                <a:solidFill>
-                  <a:srgbClr val="ffffff"/>
-                </a:solidFill>
-                <a:latin typeface="Arial"/>
-              </a:rPr>
-              <a:t>：跟踪程序运行过程中执行的系统调用和</a:t>
-            </a:r>
-            <a:endParaRPr b="0" lang="en-US" sz="1800" spc="-1" strike="noStrike">
-              <a:latin typeface="Arial"/>
-            </a:endParaRPr>
-          </a:p>
-          <a:p>
-            <a:r>
-              <a:rPr b="0" lang="en-US" sz="1800" spc="-1" strike="noStrike">
-                <a:solidFill>
-                  <a:srgbClr val="ffffff"/>
-                </a:solidFill>
-                <a:latin typeface="Arial"/>
-              </a:rPr>
-              <a:t>接受到的信号，并将系统调用名、参数，返回值及信号名输出到标准输出或指定的文件。</a:t>
-            </a:r>
-            <a:endParaRPr b="0" lang="en-US" sz="1800" spc="-1" strike="noStrike">
-              <a:latin typeface="Arial"/>
-            </a:endParaRPr>
-          </a:p>
-          <a:p>
-            <a:endParaRPr b="0" lang="en-US" sz="1800" spc="-1" strike="noStrike">
-              <a:latin typeface="Arial"/>
-            </a:endParaRPr>
-          </a:p>
-          <a:p>
-            <a:r>
-              <a:rPr b="0" lang="en-US" sz="1800" spc="-1" strike="noStrike">
-                <a:solidFill>
-                  <a:srgbClr val="ffffff"/>
-                </a:solidFill>
-                <a:latin typeface="Arial"/>
-              </a:rPr>
-              <a:t>4. netstat</a:t>
-            </a:r>
-            <a:r>
-              <a:rPr b="0" lang="en-US" sz="1800" spc="-1" strike="noStrike">
-                <a:solidFill>
-                  <a:srgbClr val="ffffff"/>
-                </a:solidFill>
-                <a:latin typeface="Arial"/>
-              </a:rPr>
-              <a:t>：网络信息统计工具。可以打印本地网卡</a:t>
-            </a:r>
-            <a:endParaRPr b="0" lang="en-US" sz="1800" spc="-1" strike="noStrike">
-              <a:latin typeface="Arial"/>
-            </a:endParaRPr>
-          </a:p>
-          <a:p>
-            <a:r>
-              <a:rPr b="0" lang="en-US" sz="1800" spc="-1" strike="noStrike">
-                <a:solidFill>
-                  <a:srgbClr val="ffffff"/>
-                </a:solidFill>
-                <a:latin typeface="Arial"/>
-              </a:rPr>
-              <a:t>接口上的全部连接、路由表信息、网卡信息。</a:t>
-            </a:r>
-            <a:endParaRPr b="0" lang="en-US" sz="1800" spc="-1" strike="noStrike">
-              <a:latin typeface="Arial"/>
-            </a:endParaRPr>
-          </a:p>
-          <a:p>
-            <a:endParaRPr b="0" lang="en-US" sz="1800" spc="-1" strike="noStrike">
-              <a:latin typeface="Arial"/>
-            </a:endParaRPr>
-          </a:p>
-          <a:p>
-            <a:r>
-              <a:rPr b="0" lang="en-US" sz="1800" spc="-1" strike="noStrike">
-                <a:solidFill>
-                  <a:srgbClr val="ffffff"/>
-                </a:solidFill>
-                <a:latin typeface="Arial"/>
-              </a:rPr>
-              <a:t>5. vmstat</a:t>
-            </a:r>
-            <a:r>
-              <a:rPr b="0" lang="en-US" sz="1800" spc="-1" strike="noStrike">
-                <a:solidFill>
-                  <a:srgbClr val="ffffff"/>
-                </a:solidFill>
-                <a:latin typeface="Arial"/>
-              </a:rPr>
-              <a:t>：能输出系统的各种资料的使用情况，比如进程信息、内层使用、</a:t>
-            </a:r>
-            <a:r>
-              <a:rPr b="0" lang="en-US" sz="1800" spc="-1" strike="noStrike">
-                <a:solidFill>
-                  <a:srgbClr val="ffffff"/>
-                </a:solidFill>
-                <a:latin typeface="Arial"/>
-              </a:rPr>
-              <a:t>cpu</a:t>
-            </a:r>
-            <a:r>
-              <a:rPr b="0" lang="en-US" sz="1800" spc="-1" strike="noStrike">
-                <a:solidFill>
-                  <a:srgbClr val="ffffff"/>
-                </a:solidFill>
-                <a:latin typeface="Arial"/>
-              </a:rPr>
-              <a:t>使用率、</a:t>
-            </a:r>
-            <a:r>
-              <a:rPr b="0" lang="en-US" sz="1800" spc="-1" strike="noStrike">
-                <a:solidFill>
-                  <a:srgbClr val="ffffff"/>
-                </a:solidFill>
-                <a:latin typeface="Arial"/>
-              </a:rPr>
-              <a:t>io</a:t>
-            </a:r>
-            <a:r>
-              <a:rPr b="0" lang="en-US" sz="1800" spc="-1" strike="noStrike">
-                <a:solidFill>
-                  <a:srgbClr val="ffffff"/>
-                </a:solidFill>
-                <a:latin typeface="Arial"/>
-              </a:rPr>
-              <a:t>使用情况。</a:t>
-            </a:r>
-            <a:endParaRPr b="0" lang="en-US" sz="1800" spc="-1" strike="noStrike">
-              <a:latin typeface="Arial"/>
-            </a:endParaRPr>
-          </a:p>
-          <a:p>
-            <a:endParaRPr b="0" lang="en-US" sz="1800" spc="-1" strike="noStrike">
-              <a:latin typeface="Arial"/>
-            </a:endParaRPr>
-          </a:p>
-          <a:p>
+              <a:t>讲一下</a:t>
+            </a:r>
+            <a:r>
+              <a:rPr b="0" lang="en-US" sz="1800" spc="-1" strike="noStrike">
+                <a:solidFill>
+                  <a:srgbClr val="ffffff"/>
+                </a:solidFill>
+                <a:latin typeface="Arial"/>
+              </a:rPr>
+              <a:t>I/O</a:t>
+            </a:r>
+            <a:r>
+              <a:rPr b="0" lang="en-US" sz="1800" spc="-1" strike="noStrike">
+                <a:solidFill>
+                  <a:srgbClr val="ffffff"/>
+                </a:solidFill>
+                <a:latin typeface="Arial"/>
+              </a:rPr>
+              <a:t>复用：</a:t>
+            </a:r>
+            <a:endParaRPr b="0" lang="en-US" sz="1800" spc="-1" strike="noStrike">
+              <a:latin typeface="Arial"/>
+            </a:endParaRPr>
+          </a:p>
+          <a:p>
+            <a:r>
+              <a:rPr b="0" lang="en-US" sz="1800" spc="-1" strike="noStrike">
+                <a:solidFill>
+                  <a:srgbClr val="ffffff"/>
+                </a:solidFill>
+                <a:latin typeface="Arial"/>
+              </a:rPr>
+              <a:t>        </a:t>
+            </a:r>
+            <a:r>
+              <a:rPr b="0" lang="en-US" sz="1800" spc="-1" strike="noStrike">
+                <a:solidFill>
+                  <a:srgbClr val="ffffff"/>
+                </a:solidFill>
+                <a:latin typeface="Arial"/>
+              </a:rPr>
+              <a:t>I/O</a:t>
+            </a:r>
+            <a:r>
+              <a:rPr b="0" lang="en-US" sz="1800" spc="-1" strike="noStrike">
+                <a:solidFill>
+                  <a:srgbClr val="ffffff"/>
+                </a:solidFill>
+                <a:latin typeface="Arial"/>
+              </a:rPr>
+              <a:t>复用使得程序能同时监听多个文件描述符，能提高程序的性能。</a:t>
+            </a:r>
+            <a:endParaRPr b="0" lang="en-US" sz="1800" spc="-1" strike="noStrike">
+              <a:latin typeface="Arial"/>
+            </a:endParaRPr>
+          </a:p>
+          <a:p>
+            <a:endParaRPr b="0" lang="en-US" sz="1800" spc="-1" strike="noStrike">
+              <a:latin typeface="Arial"/>
+            </a:endParaRPr>
+          </a:p>
+          <a:p>
+            <a:r>
+              <a:rPr b="0" lang="en-US" sz="1800" spc="-1" strike="noStrike">
+                <a:solidFill>
+                  <a:srgbClr val="ffffff"/>
+                </a:solidFill>
+                <a:latin typeface="Arial"/>
+              </a:rPr>
+              <a:t>     </a:t>
+            </a:r>
             <a:r>
               <a:rPr b="0" lang="en-US" sz="1800" spc="-1" strike="noStrike">
                 <a:solidFill>
@@ -8441,41 +7731,324 @@
               </a:rPr>
               <a:t> </a:t>
             </a:r>
-            <a:endParaRPr b="0" lang="en-US" sz="1800" spc="-1" strike="noStrike">
-              <a:latin typeface="Arial"/>
-            </a:endParaRPr>
-          </a:p>
-          <a:p>
-            <a:endParaRPr b="0" lang="en-US" sz="1800" spc="-1" strike="noStrike">
-              <a:latin typeface="Arial"/>
-            </a:endParaRPr>
-          </a:p>
-          <a:p>
-            <a:endParaRPr b="0" lang="en-US" sz="1800" spc="-1" strike="noStrike">
-              <a:latin typeface="Arial"/>
-            </a:endParaRPr>
-          </a:p>
-          <a:p>
-            <a:endParaRPr b="0" lang="en-US" sz="1800" spc="-1" strike="noStrike">
-              <a:latin typeface="Arial"/>
-            </a:endParaRPr>
-          </a:p>
-          <a:p>
-            <a:endParaRPr b="0" lang="en-US" sz="1800" spc="-1" strike="noStrike">
-              <a:latin typeface="Arial"/>
-            </a:endParaRPr>
-          </a:p>
-          <a:p>
-            <a:endParaRPr b="0" lang="en-US" sz="1800" spc="-1" strike="noStrike">
-              <a:latin typeface="Arial"/>
-            </a:endParaRPr>
-          </a:p>
-          <a:p>
-            <a:endParaRPr b="0" lang="en-US" sz="1800" spc="-1" strike="noStrike">
-              <a:latin typeface="Arial"/>
-            </a:endParaRPr>
-          </a:p>
-          <a:p>
+            <a:r>
+              <a:rPr b="0" lang="en-US" sz="1800" spc="-1" strike="noStrike">
+                <a:solidFill>
+                  <a:srgbClr val="ffffff"/>
+                </a:solidFill>
+                <a:latin typeface="Arial"/>
+              </a:rPr>
+              <a:t>I/O</a:t>
+            </a:r>
+            <a:r>
+              <a:rPr b="0" lang="en-US" sz="1800" spc="-1" strike="noStrike">
+                <a:solidFill>
+                  <a:srgbClr val="ffffff"/>
+                </a:solidFill>
+                <a:latin typeface="Arial"/>
+              </a:rPr>
+              <a:t>复用虽然能同时监听多个文件描述符，但它本身是阻塞的。并且当</a:t>
+            </a:r>
+            <a:endParaRPr b="0" lang="en-US" sz="1800" spc="-1" strike="noStrike">
+              <a:latin typeface="Arial"/>
+            </a:endParaRPr>
+          </a:p>
+          <a:p>
+            <a:r>
+              <a:rPr b="0" lang="en-US" sz="1800" spc="-1" strike="noStrike">
+                <a:solidFill>
+                  <a:srgbClr val="ffffff"/>
+                </a:solidFill>
+                <a:latin typeface="Arial"/>
+              </a:rPr>
+              <a:t>多个文件描述符同时就绪时，如果不采取额外的措施，程序只能按顺序依次处理其中的每一个文件描述符，这使得服务器程序看起来像是串行工作的。如果要实现并发，只能使用多进程或多线程等编程手段。</a:t>
+            </a:r>
+            <a:endParaRPr b="0" lang="en-US" sz="1800" spc="-1" strike="noStrike">
+              <a:latin typeface="Arial"/>
+            </a:endParaRPr>
+          </a:p>
+          <a:p>
+            <a:r>
+              <a:rPr b="0" lang="en-US" sz="1800" spc="-1" strike="noStrike">
+                <a:solidFill>
+                  <a:srgbClr val="ffffff"/>
+                </a:solidFill>
+                <a:latin typeface="Arial"/>
+              </a:rPr>
+              <a:t>      </a:t>
+            </a:r>
+            <a:r>
+              <a:rPr b="0" lang="en-US" sz="1800" spc="-1" strike="noStrike">
+                <a:solidFill>
+                  <a:srgbClr val="ffffff"/>
+                </a:solidFill>
+                <a:latin typeface="Arial"/>
+              </a:rPr>
+              <a:t>Linux</a:t>
+            </a:r>
+            <a:r>
+              <a:rPr b="0" lang="en-US" sz="1800" spc="-1" strike="noStrike">
+                <a:solidFill>
+                  <a:srgbClr val="ffffff"/>
+                </a:solidFill>
+                <a:latin typeface="Arial"/>
+              </a:rPr>
+              <a:t>下实现</a:t>
+            </a:r>
+            <a:r>
+              <a:rPr b="0" lang="en-US" sz="1800" spc="-1" strike="noStrike">
+                <a:solidFill>
+                  <a:srgbClr val="ffffff"/>
+                </a:solidFill>
+                <a:latin typeface="Arial"/>
+              </a:rPr>
+              <a:t>I/O</a:t>
+            </a:r>
+            <a:r>
+              <a:rPr b="0" lang="en-US" sz="1800" spc="-1" strike="noStrike">
+                <a:solidFill>
+                  <a:srgbClr val="ffffff"/>
+                </a:solidFill>
+                <a:latin typeface="Arial"/>
+              </a:rPr>
+              <a:t>复用的系统调用有：</a:t>
+            </a:r>
+            <a:r>
+              <a:rPr b="0" lang="en-US" sz="1800" spc="-1" strike="noStrike">
+                <a:solidFill>
+                  <a:srgbClr val="ffffff"/>
+                </a:solidFill>
+                <a:latin typeface="Arial"/>
+              </a:rPr>
+              <a:t>select</a:t>
+            </a:r>
+            <a:r>
+              <a:rPr b="0" lang="en-US" sz="1800" spc="-1" strike="noStrike">
+                <a:solidFill>
+                  <a:srgbClr val="ffffff"/>
+                </a:solidFill>
+                <a:latin typeface="Arial"/>
+              </a:rPr>
+              <a:t>、</a:t>
+            </a:r>
+            <a:r>
+              <a:rPr b="0" lang="en-US" sz="1800" spc="-1" strike="noStrike">
+                <a:solidFill>
+                  <a:srgbClr val="ffffff"/>
+                </a:solidFill>
+                <a:latin typeface="Arial"/>
+              </a:rPr>
+              <a:t>poll</a:t>
+            </a:r>
+            <a:r>
+              <a:rPr b="0" lang="en-US" sz="1800" spc="-1" strike="noStrike">
+                <a:solidFill>
+                  <a:srgbClr val="ffffff"/>
+                </a:solidFill>
+                <a:latin typeface="Arial"/>
+              </a:rPr>
+              <a:t>、</a:t>
+            </a:r>
+            <a:r>
+              <a:rPr b="0" lang="en-US" sz="1800" spc="-1" strike="noStrike">
+                <a:solidFill>
+                  <a:srgbClr val="ffffff"/>
+                </a:solidFill>
+                <a:latin typeface="Arial"/>
+              </a:rPr>
+              <a:t>epoll</a:t>
+            </a:r>
+            <a:r>
+              <a:rPr b="0" lang="en-US" sz="1800" spc="-1" strike="noStrike">
+                <a:solidFill>
+                  <a:srgbClr val="ffffff"/>
+                </a:solidFill>
+                <a:latin typeface="Arial"/>
+              </a:rPr>
+              <a:t>。</a:t>
+            </a:r>
+            <a:endParaRPr b="0" lang="en-US" sz="1800" spc="-1" strike="noStrike">
+              <a:latin typeface="Arial"/>
+            </a:endParaRPr>
+          </a:p>
+          <a:p>
+            <a:r>
+              <a:rPr b="0" lang="en-US" sz="1800" spc="-1" strike="noStrike">
+                <a:solidFill>
+                  <a:srgbClr val="ffffff"/>
+                </a:solidFill>
+                <a:latin typeface="Arial"/>
+              </a:rPr>
+              <a:t>三者区别：</a:t>
+            </a:r>
+            <a:endParaRPr b="0" lang="en-US" sz="1800" spc="-1" strike="noStrike">
+              <a:latin typeface="Arial"/>
+            </a:endParaRPr>
+          </a:p>
+          <a:p>
+            <a:r>
+              <a:rPr b="0" lang="en-US" sz="1800" spc="-1" strike="noStrike">
+                <a:solidFill>
+                  <a:srgbClr val="ffffff"/>
+                </a:solidFill>
+                <a:latin typeface="Arial"/>
+              </a:rPr>
+              <a:t>       </a:t>
+            </a:r>
+            <a:r>
+              <a:rPr b="0" lang="en-US" sz="1800" spc="-1" strike="noStrike">
+                <a:solidFill>
+                  <a:srgbClr val="ffffff"/>
+                </a:solidFill>
+                <a:latin typeface="Arial"/>
+              </a:rPr>
+              <a:t>1.select </a:t>
+            </a:r>
+            <a:r>
+              <a:rPr b="0" lang="en-US" sz="1800" spc="-1" strike="noStrike">
+                <a:solidFill>
+                  <a:srgbClr val="ffffff"/>
+                </a:solidFill>
+                <a:latin typeface="Arial"/>
+              </a:rPr>
+              <a:t>采用轮询的方式来检测就绪事件</a:t>
+            </a:r>
+            <a:r>
+              <a:rPr b="0" lang="en-US" sz="1800" spc="-1" strike="noStrike">
+                <a:solidFill>
+                  <a:srgbClr val="ffffff"/>
+                </a:solidFill>
+                <a:latin typeface="Arial"/>
+              </a:rPr>
+              <a:t>;</a:t>
+            </a:r>
+            <a:r>
+              <a:rPr b="0" lang="en-US" sz="1800" spc="-1" strike="noStrike">
+                <a:solidFill>
+                  <a:srgbClr val="ffffff"/>
+                </a:solidFill>
+                <a:latin typeface="Arial"/>
+              </a:rPr>
+              <a:t>文件描述符数有最大值限制</a:t>
+            </a:r>
+            <a:endParaRPr b="0" lang="en-US" sz="1800" spc="-1" strike="noStrike">
+              <a:latin typeface="Arial"/>
+            </a:endParaRPr>
+          </a:p>
+          <a:p>
+            <a:r>
+              <a:rPr b="0" lang="en-US" sz="1800" spc="-1" strike="noStrike">
+                <a:solidFill>
+                  <a:srgbClr val="ffffff"/>
+                </a:solidFill>
+                <a:latin typeface="Arial"/>
+              </a:rPr>
+              <a:t>       </a:t>
+            </a:r>
+            <a:r>
+              <a:rPr b="0" lang="en-US" sz="1800" spc="-1" strike="noStrike">
+                <a:solidFill>
+                  <a:srgbClr val="ffffff"/>
+                </a:solidFill>
+                <a:latin typeface="Arial"/>
+              </a:rPr>
+              <a:t>2. poll    </a:t>
+            </a:r>
+            <a:r>
+              <a:rPr b="0" lang="en-US" sz="1800" spc="-1" strike="noStrike">
+                <a:solidFill>
+                  <a:srgbClr val="ffffff"/>
+                </a:solidFill>
+                <a:latin typeface="Arial"/>
+              </a:rPr>
+              <a:t>采用轮询的方式来检测就绪事件</a:t>
+            </a:r>
+            <a:r>
+              <a:rPr b="0" lang="en-US" sz="1800" spc="-1" strike="noStrike">
+                <a:solidFill>
+                  <a:srgbClr val="ffffff"/>
+                </a:solidFill>
+                <a:latin typeface="Arial"/>
+              </a:rPr>
+              <a:t>;</a:t>
+            </a:r>
+            <a:r>
+              <a:rPr b="0" lang="en-US" sz="1800" spc="-1" strike="noStrike">
+                <a:solidFill>
+                  <a:srgbClr val="ffffff"/>
+                </a:solidFill>
+                <a:latin typeface="Arial"/>
+              </a:rPr>
+              <a:t>文件描述符最大</a:t>
+            </a:r>
+            <a:r>
+              <a:rPr b="0" lang="en-US" sz="1800" spc="-1" strike="noStrike">
+                <a:solidFill>
+                  <a:srgbClr val="ffffff"/>
+                </a:solidFill>
+                <a:latin typeface="Arial"/>
+              </a:rPr>
+              <a:t>65535</a:t>
+            </a:r>
+            <a:endParaRPr b="0" lang="en-US" sz="1800" spc="-1" strike="noStrike">
+              <a:latin typeface="Arial"/>
+            </a:endParaRPr>
+          </a:p>
+          <a:p>
+            <a:r>
+              <a:rPr b="0" lang="en-US" sz="1800" spc="-1" strike="noStrike">
+                <a:solidFill>
+                  <a:srgbClr val="ffffff"/>
+                </a:solidFill>
+                <a:latin typeface="Arial"/>
+              </a:rPr>
+              <a:t>       </a:t>
+            </a:r>
+            <a:r>
+              <a:rPr b="0" lang="en-US" sz="1800" spc="-1" strike="noStrike">
+                <a:solidFill>
+                  <a:srgbClr val="ffffff"/>
+                </a:solidFill>
+                <a:latin typeface="Arial"/>
+              </a:rPr>
+              <a:t>3. epoll   </a:t>
+            </a:r>
+            <a:r>
+              <a:rPr b="0" lang="en-US" sz="1800" spc="-1" strike="noStrike">
+                <a:solidFill>
+                  <a:srgbClr val="ffffff"/>
+                </a:solidFill>
+                <a:latin typeface="Arial"/>
+              </a:rPr>
+              <a:t>采用回调的方式来检测就绪事件</a:t>
+            </a:r>
+            <a:r>
+              <a:rPr b="0" lang="en-US" sz="1800" spc="-1" strike="noStrike">
+                <a:solidFill>
+                  <a:srgbClr val="ffffff"/>
+                </a:solidFill>
+                <a:latin typeface="Arial"/>
+              </a:rPr>
+              <a:t>;</a:t>
+            </a:r>
+            <a:r>
+              <a:rPr b="0" lang="en-US" sz="1800" spc="-1" strike="noStrike">
+                <a:solidFill>
+                  <a:srgbClr val="ffffff"/>
+                </a:solidFill>
+                <a:latin typeface="Arial"/>
+              </a:rPr>
+              <a:t>文件描述符最大</a:t>
+            </a:r>
+            <a:r>
+              <a:rPr b="0" lang="en-US" sz="1800" spc="-1" strike="noStrike">
+                <a:solidFill>
+                  <a:srgbClr val="ffffff"/>
+                </a:solidFill>
+                <a:latin typeface="Arial"/>
+              </a:rPr>
+              <a:t>65535</a:t>
+            </a:r>
             <a:endParaRPr b="0" lang="en-US" sz="1800" spc="-1" strike="noStrike">
               <a:latin typeface="Arial"/>
             </a:endParaRPr>
@@ -8504,33 +8077,6 @@
       </p:sp>
     </p:spTree>
   </p:cSld>
-  <p:timing>
-    <p:tnLst>
-      <p:par>
-        <p:cTn id="33" dur="indefinite" restart="never" nodeType="tmRoot">
-          <p:childTnLst>
-            <p:seq>
-              <p:cTn id="34" dur="indefinite" nodeType="mainSeq"/>
-              <p:prevCondLst>
-                <p:cond delay="0" evt="onPrev">
-                  <p:tgtEl>
-                    <p:sldTgt/>
-                  </p:tgtEl>
-                </p:cond>
-              </p:prevCondLst>
-              <p:nextCondLst>
-                <p:cond delay="0" evt="onNext">
-                  <p:tgtEl>
-                    <p:sldTgt/>
-                  </p:tgtEl>
-                </p:cond>
-              </p:nextCondLst>
-            </p:seq>
-          </p:childTnLst>
-        </p:cTn>
-      </p:par>
-    </p:tnLst>
-  </p:timing>
 </p:sld>
 </file>
 
@@ -8559,8 +8105,8 @@
         </p:nvSpPr>
         <p:spPr>
           <a:xfrm>
-            <a:off x="504000" y="1080000"/>
-            <a:ext cx="9071640" cy="1728000"/>
+            <a:off x="1368000" y="1080000"/>
+            <a:ext cx="6840000" cy="12720600"/>
           </a:xfrm>
           <a:prstGeom prst="rect">
             <a:avLst/>
@@ -8571,75 +8117,291 @@
           </a:ln>
         </p:spPr>
         <p:txBody>
-          <a:bodyPr lIns="0" rIns="0" tIns="0" bIns="0" anchor="ctr"/>
-          <a:p>
-            <a:pPr algn="ctr"/>
-            <a:r>
-              <a:rPr b="0" lang="en-US" sz="5860" spc="-1" strike="noStrike">
-                <a:solidFill>
-                  <a:srgbClr val="ffffff"/>
-                </a:solidFill>
-                <a:latin typeface="Arial"/>
-              </a:rPr>
-              <a:t>thanks</a:t>
-            </a:r>
-            <a:endParaRPr b="0" lang="en-US" sz="5860" spc="-1" strike="noStrike">
-              <a:solidFill>
-                <a:srgbClr val="ffffff"/>
-              </a:solidFill>
-              <a:latin typeface="Arial"/>
-            </a:endParaRPr>
-          </a:p>
-        </p:txBody>
-      </p:sp>
-      <p:sp>
-        <p:nvSpPr>
-          <p:cNvPr id="181" name="TextShape 2"/>
-          <p:cNvSpPr txBox="1"/>
-          <p:nvPr/>
-        </p:nvSpPr>
-        <p:spPr>
-          <a:xfrm>
-            <a:off x="504000" y="3168000"/>
-            <a:ext cx="9071640" cy="3672000"/>
-          </a:xfrm>
-          <a:prstGeom prst="rect">
-            <a:avLst/>
-          </a:prstGeom>
-          <a:noFill/>
-          <a:ln>
-            <a:noFill/>
-          </a:ln>
-        </p:spPr>
-        <p:txBody>
-          <a:bodyPr lIns="0" rIns="0" tIns="0" bIns="0">
-            <a:normAutofit/>
-          </a:bodyPr>
-          <a:p>
-            <a:pPr marL="432000" indent="-324000">
-              <a:spcBef>
-                <a:spcPts val="1888"/>
-              </a:spcBef>
-              <a:buClr>
-                <a:srgbClr val="ffffff"/>
-              </a:buClr>
-              <a:buSzPct val="45000"/>
-              <a:buFont typeface="Wingdings" charset="2"/>
-              <a:buChar char=""/>
-            </a:pPr>
-            <a:r>
-              <a:rPr b="0" lang="en-US" sz="4260" spc="-1" strike="noStrike">
-                <a:solidFill>
-                  <a:srgbClr val="ffffff"/>
-                </a:solidFill>
-                <a:latin typeface="Arial"/>
-              </a:rPr>
-              <a:t>It is over</a:t>
-            </a:r>
-            <a:endParaRPr b="0" lang="en-US" sz="4260" spc="-1" strike="noStrike">
-              <a:solidFill>
-                <a:srgbClr val="ffffff"/>
-              </a:solidFill>
+          <a:bodyPr lIns="90000" rIns="90000" tIns="45000" bIns="45000"/>
+          <a:p>
+            <a:r>
+              <a:rPr b="0" lang="en-US" sz="1800" spc="-1" strike="noStrike">
+                <a:solidFill>
+                  <a:srgbClr val="ffffff"/>
+                </a:solidFill>
+                <a:latin typeface="Arial"/>
+              </a:rPr>
+              <a:t>讨论几个常用的系统检测工具：</a:t>
+            </a:r>
+            <a:endParaRPr b="0" lang="en-US" sz="1800" spc="-1" strike="noStrike">
+              <a:latin typeface="Arial"/>
+            </a:endParaRPr>
+          </a:p>
+          <a:p>
+            <a:r>
+              <a:rPr b="0" lang="en-US" sz="1800" spc="-1" strike="noStrike">
+                <a:solidFill>
+                  <a:srgbClr val="ffffff"/>
+                </a:solidFill>
+                <a:latin typeface="Arial"/>
+              </a:rPr>
+              <a:t>1. tcpdump</a:t>
+            </a:r>
+            <a:r>
+              <a:rPr b="0" lang="en-US" sz="1800" spc="-1" strike="noStrike">
+                <a:solidFill>
+                  <a:srgbClr val="ffffff"/>
+                </a:solidFill>
+                <a:latin typeface="Arial"/>
+              </a:rPr>
+              <a:t>：经典的网络抓包工具</a:t>
+            </a:r>
+            <a:endParaRPr b="0" lang="en-US" sz="1800" spc="-1" strike="noStrike">
+              <a:latin typeface="Arial"/>
+            </a:endParaRPr>
+          </a:p>
+          <a:p>
+            <a:endParaRPr b="0" lang="en-US" sz="1800" spc="-1" strike="noStrike">
+              <a:latin typeface="Arial"/>
+            </a:endParaRPr>
+          </a:p>
+          <a:p>
+            <a:r>
+              <a:rPr b="0" lang="en-US" sz="1800" spc="-1" strike="noStrike">
+                <a:solidFill>
+                  <a:srgbClr val="ffffff"/>
+                </a:solidFill>
+                <a:latin typeface="Arial"/>
+              </a:rPr>
+              <a:t>2. lsof</a:t>
+            </a:r>
+            <a:r>
+              <a:rPr b="0" lang="en-US" sz="1800" spc="-1" strike="noStrike">
+                <a:solidFill>
+                  <a:srgbClr val="ffffff"/>
+                </a:solidFill>
+                <a:latin typeface="Arial"/>
+              </a:rPr>
+              <a:t>：列出当前系统打开的文件描述符的工具</a:t>
+            </a:r>
+            <a:endParaRPr b="0" lang="en-US" sz="1800" spc="-1" strike="noStrike">
+              <a:latin typeface="Arial"/>
+            </a:endParaRPr>
+          </a:p>
+          <a:p>
+            <a:endParaRPr b="0" lang="en-US" sz="1800" spc="-1" strike="noStrike">
+              <a:latin typeface="Arial"/>
+            </a:endParaRPr>
+          </a:p>
+          <a:p>
+            <a:r>
+              <a:rPr b="0" lang="en-US" sz="1800" spc="-1" strike="noStrike">
+                <a:solidFill>
+                  <a:srgbClr val="ffffff"/>
+                </a:solidFill>
+                <a:latin typeface="Arial"/>
+              </a:rPr>
+              <a:t>3. strace</a:t>
+            </a:r>
+            <a:r>
+              <a:rPr b="0" lang="en-US" sz="1800" spc="-1" strike="noStrike">
+                <a:solidFill>
+                  <a:srgbClr val="ffffff"/>
+                </a:solidFill>
+                <a:latin typeface="Arial"/>
+              </a:rPr>
+              <a:t>：跟踪程序运行过程中执行的系统调用和</a:t>
+            </a:r>
+            <a:endParaRPr b="0" lang="en-US" sz="1800" spc="-1" strike="noStrike">
+              <a:latin typeface="Arial"/>
+            </a:endParaRPr>
+          </a:p>
+          <a:p>
+            <a:r>
+              <a:rPr b="0" lang="en-US" sz="1800" spc="-1" strike="noStrike">
+                <a:solidFill>
+                  <a:srgbClr val="ffffff"/>
+                </a:solidFill>
+                <a:latin typeface="Arial"/>
+              </a:rPr>
+              <a:t>接受到的信号，并将系统调用名、参数，返回值及信号名输出到标准输出或指定的文件。</a:t>
+            </a:r>
+            <a:endParaRPr b="0" lang="en-US" sz="1800" spc="-1" strike="noStrike">
+              <a:latin typeface="Arial"/>
+            </a:endParaRPr>
+          </a:p>
+          <a:p>
+            <a:endParaRPr b="0" lang="en-US" sz="1800" spc="-1" strike="noStrike">
+              <a:latin typeface="Arial"/>
+            </a:endParaRPr>
+          </a:p>
+          <a:p>
+            <a:r>
+              <a:rPr b="0" lang="en-US" sz="1800" spc="-1" strike="noStrike">
+                <a:solidFill>
+                  <a:srgbClr val="ffffff"/>
+                </a:solidFill>
+                <a:latin typeface="Arial"/>
+              </a:rPr>
+              <a:t>4. netstat</a:t>
+            </a:r>
+            <a:r>
+              <a:rPr b="0" lang="en-US" sz="1800" spc="-1" strike="noStrike">
+                <a:solidFill>
+                  <a:srgbClr val="ffffff"/>
+                </a:solidFill>
+                <a:latin typeface="Arial"/>
+              </a:rPr>
+              <a:t>：网络信息统计工具。可以打印本地网卡</a:t>
+            </a:r>
+            <a:endParaRPr b="0" lang="en-US" sz="1800" spc="-1" strike="noStrike">
+              <a:latin typeface="Arial"/>
+            </a:endParaRPr>
+          </a:p>
+          <a:p>
+            <a:r>
+              <a:rPr b="0" lang="en-US" sz="1800" spc="-1" strike="noStrike">
+                <a:solidFill>
+                  <a:srgbClr val="ffffff"/>
+                </a:solidFill>
+                <a:latin typeface="Arial"/>
+              </a:rPr>
+              <a:t>接口上的全部连接、路由表信息、网卡信息。</a:t>
+            </a:r>
+            <a:endParaRPr b="0" lang="en-US" sz="1800" spc="-1" strike="noStrike">
+              <a:latin typeface="Arial"/>
+            </a:endParaRPr>
+          </a:p>
+          <a:p>
+            <a:endParaRPr b="0" lang="en-US" sz="1800" spc="-1" strike="noStrike">
+              <a:latin typeface="Arial"/>
+            </a:endParaRPr>
+          </a:p>
+          <a:p>
+            <a:r>
+              <a:rPr b="0" lang="en-US" sz="1800" spc="-1" strike="noStrike">
+                <a:solidFill>
+                  <a:srgbClr val="ffffff"/>
+                </a:solidFill>
+                <a:latin typeface="Arial"/>
+              </a:rPr>
+              <a:t>5. vmstat</a:t>
+            </a:r>
+            <a:r>
+              <a:rPr b="0" lang="en-US" sz="1800" spc="-1" strike="noStrike">
+                <a:solidFill>
+                  <a:srgbClr val="ffffff"/>
+                </a:solidFill>
+                <a:latin typeface="Arial"/>
+              </a:rPr>
+              <a:t>：能输出系统的各种资料的使用情况，比如进程信息、内层使用、</a:t>
+            </a:r>
+            <a:r>
+              <a:rPr b="0" lang="en-US" sz="1800" spc="-1" strike="noStrike">
+                <a:solidFill>
+                  <a:srgbClr val="ffffff"/>
+                </a:solidFill>
+                <a:latin typeface="Arial"/>
+              </a:rPr>
+              <a:t>cpu</a:t>
+            </a:r>
+            <a:r>
+              <a:rPr b="0" lang="en-US" sz="1800" spc="-1" strike="noStrike">
+                <a:solidFill>
+                  <a:srgbClr val="ffffff"/>
+                </a:solidFill>
+                <a:latin typeface="Arial"/>
+              </a:rPr>
+              <a:t>使用率、</a:t>
+            </a:r>
+            <a:r>
+              <a:rPr b="0" lang="en-US" sz="1800" spc="-1" strike="noStrike">
+                <a:solidFill>
+                  <a:srgbClr val="ffffff"/>
+                </a:solidFill>
+                <a:latin typeface="Arial"/>
+              </a:rPr>
+              <a:t>io</a:t>
+            </a:r>
+            <a:r>
+              <a:rPr b="0" lang="en-US" sz="1800" spc="-1" strike="noStrike">
+                <a:solidFill>
+                  <a:srgbClr val="ffffff"/>
+                </a:solidFill>
+                <a:latin typeface="Arial"/>
+              </a:rPr>
+              <a:t>使用情况。</a:t>
+            </a:r>
+            <a:endParaRPr b="0" lang="en-US" sz="1800" spc="-1" strike="noStrike">
+              <a:latin typeface="Arial"/>
+            </a:endParaRPr>
+          </a:p>
+          <a:p>
+            <a:endParaRPr b="0" lang="en-US" sz="1800" spc="-1" strike="noStrike">
+              <a:latin typeface="Arial"/>
+            </a:endParaRPr>
+          </a:p>
+          <a:p>
+            <a:r>
+              <a:rPr b="0" lang="en-US" sz="1800" spc="-1" strike="noStrike">
+                <a:solidFill>
+                  <a:srgbClr val="ffffff"/>
+                </a:solidFill>
+                <a:latin typeface="Arial"/>
+              </a:rPr>
+              <a:t> </a:t>
+            </a:r>
+            <a:endParaRPr b="0" lang="en-US" sz="1800" spc="-1" strike="noStrike">
+              <a:latin typeface="Arial"/>
+            </a:endParaRPr>
+          </a:p>
+          <a:p>
+            <a:endParaRPr b="0" lang="en-US" sz="1800" spc="-1" strike="noStrike">
+              <a:latin typeface="Arial"/>
+            </a:endParaRPr>
+          </a:p>
+          <a:p>
+            <a:endParaRPr b="0" lang="en-US" sz="1800" spc="-1" strike="noStrike">
+              <a:latin typeface="Arial"/>
+            </a:endParaRPr>
+          </a:p>
+          <a:p>
+            <a:endParaRPr b="0" lang="en-US" sz="1800" spc="-1" strike="noStrike">
+              <a:latin typeface="Arial"/>
+            </a:endParaRPr>
+          </a:p>
+          <a:p>
+            <a:endParaRPr b="0" lang="en-US" sz="1800" spc="-1" strike="noStrike">
+              <a:latin typeface="Arial"/>
+            </a:endParaRPr>
+          </a:p>
+          <a:p>
+            <a:endParaRPr b="0" lang="en-US" sz="1800" spc="-1" strike="noStrike">
+              <a:latin typeface="Arial"/>
+            </a:endParaRPr>
+          </a:p>
+          <a:p>
+            <a:endParaRPr b="0" lang="en-US" sz="1800" spc="-1" strike="noStrike">
+              <a:latin typeface="Arial"/>
+            </a:endParaRPr>
+          </a:p>
+          <a:p>
+            <a:endParaRPr b="0" lang="en-US" sz="1800" spc="-1" strike="noStrike">
+              <a:latin typeface="Arial"/>
+            </a:endParaRPr>
+          </a:p>
+          <a:p>
+            <a:endParaRPr b="0" lang="en-US" sz="1800" spc="-1" strike="noStrike">
+              <a:latin typeface="Arial"/>
+            </a:endParaRPr>
+          </a:p>
+          <a:p>
+            <a:endParaRPr b="0" lang="en-US" sz="1800" spc="-1" strike="noStrike">
+              <a:latin typeface="Arial"/>
+            </a:endParaRPr>
+          </a:p>
+          <a:p>
+            <a:endParaRPr b="0" lang="en-US" sz="1800" spc="-1" strike="noStrike">
+              <a:latin typeface="Arial"/>
+            </a:endParaRPr>
+          </a:p>
+          <a:p>
+            <a:endParaRPr b="0" lang="en-US" sz="1800" spc="-1" strike="noStrike">
               <a:latin typeface="Arial"/>
             </a:endParaRPr>
           </a:p>
@@ -8647,33 +8409,6 @@
       </p:sp>
     </p:spTree>
   </p:cSld>
-  <p:timing>
-    <p:tnLst>
-      <p:par>
-        <p:cTn id="35" dur="indefinite" restart="never" nodeType="tmRoot">
-          <p:childTnLst>
-            <p:seq>
-              <p:cTn id="36" dur="indefinite" nodeType="mainSeq"/>
-              <p:prevCondLst>
-                <p:cond delay="0" evt="onPrev">
-                  <p:tgtEl>
-                    <p:sldTgt/>
-                  </p:tgtEl>
-                </p:cond>
-              </p:prevCondLst>
-              <p:nextCondLst>
-                <p:cond delay="0" evt="onNext">
-                  <p:tgtEl>
-                    <p:sldTgt/>
-                  </p:tgtEl>
-                </p:cond>
-              </p:nextCondLst>
-            </p:seq>
-          </p:childTnLst>
-        </p:cTn>
-      </p:par>
-    </p:tnLst>
-  </p:timing>
 </p:sld>
 </file>
 
@@ -8696,14 +8431,14 @@
       </p:grpSpPr>
       <p:sp>
         <p:nvSpPr>
-          <p:cNvPr id="182" name="TextShape 1"/>
+          <p:cNvPr id="181" name="TextShape 1"/>
           <p:cNvSpPr txBox="1"/>
           <p:nvPr/>
         </p:nvSpPr>
         <p:spPr>
           <a:xfrm>
-            <a:off x="2376000" y="3168000"/>
-            <a:ext cx="7199640" cy="1262160"/>
+            <a:off x="504000" y="1080000"/>
+            <a:ext cx="9071640" cy="1728000"/>
           </a:xfrm>
           <a:prstGeom prst="rect">
             <a:avLst/>
@@ -8718,25 +8453,15 @@
           <a:p>
             <a:pPr algn="ctr"/>
             <a:r>
-              <a:rPr b="0" lang="en-US" sz="2200" spc="-1" strike="noStrike">
-                <a:solidFill>
-                  <a:srgbClr val="ffffff"/>
-                </a:solidFill>
-                <a:latin typeface="Arial"/>
-              </a:rPr>
-              <a:t>This work is licensed under a Creative Commons Attribution-ShareAlike 3.0 Unported License.</a:t>
-            </a:r>
-            <a:br/>
-            <a:r>
-              <a:rPr b="0" lang="en-US" sz="2200" spc="-1" strike="noStrike">
-                <a:solidFill>
-                  <a:srgbClr val="ffffff"/>
-                </a:solidFill>
-                <a:latin typeface="Arial"/>
-              </a:rPr>
-              <a:t>It makes use of the works of Mateus Machado Luna.</a:t>
-            </a:r>
-            <a:endParaRPr b="0" lang="en-US" sz="2200" spc="-1" strike="noStrike">
+              <a:rPr b="0" lang="en-US" sz="5860" spc="-1" strike="noStrike">
+                <a:solidFill>
+                  <a:srgbClr val="ffffff"/>
+                </a:solidFill>
+                <a:latin typeface="Arial"/>
+              </a:rPr>
+              <a:t>thanks</a:t>
+            </a:r>
+            <a:endParaRPr b="0" lang="en-US" sz="5860" spc="-1" strike="noStrike">
               <a:solidFill>
                 <a:srgbClr val="ffffff"/>
               </a:solidFill>
@@ -8745,58 +8470,61 @@
           </a:p>
         </p:txBody>
       </p:sp>
-      <p:pic>
-        <p:nvPicPr>
-          <p:cNvPr id="183" name="" descr=""/>
-          <p:cNvPicPr/>
+      <p:sp>
+        <p:nvSpPr>
+          <p:cNvPr id="182" name="TextShape 2"/>
+          <p:cNvSpPr txBox="1"/>
           <p:nvPr/>
-        </p:nvPicPr>
-        <p:blipFill>
-          <a:blip r:embed="rId1"/>
-          <a:stretch/>
-        </p:blipFill>
-        <p:spPr>
-          <a:xfrm>
-            <a:off x="816120" y="3621600"/>
-            <a:ext cx="1271880" cy="447480"/>
-          </a:xfrm>
-          <a:prstGeom prst="rect">
-            <a:avLst/>
-          </a:prstGeom>
+        </p:nvSpPr>
+        <p:spPr>
+          <a:xfrm>
+            <a:off x="504000" y="3168000"/>
+            <a:ext cx="9071640" cy="3672000"/>
+          </a:xfrm>
+          <a:prstGeom prst="rect">
+            <a:avLst/>
+          </a:prstGeom>
+          <a:noFill/>
           <a:ln>
             <a:noFill/>
           </a:ln>
         </p:spPr>
-      </p:pic>
+        <p:txBody>
+          <a:bodyPr lIns="0" rIns="0" tIns="0" bIns="0">
+            <a:normAutofit/>
+          </a:bodyPr>
+          <a:p>
+            <a:pPr marL="432000" indent="-324000">
+              <a:spcBef>
+                <a:spcPts val="1888"/>
+              </a:spcBef>
+              <a:buClr>
+                <a:srgbClr val="ffffff"/>
+              </a:buClr>
+              <a:buSzPct val="45000"/>
+              <a:buFont typeface="Wingdings" charset="2"/>
+              <a:buChar char=""/>
+            </a:pPr>
+            <a:r>
+              <a:rPr b="0" lang="en-US" sz="4260" spc="-1" strike="noStrike">
+                <a:solidFill>
+                  <a:srgbClr val="ffffff"/>
+                </a:solidFill>
+                <a:latin typeface="Arial"/>
+              </a:rPr>
+              <a:t>It is over</a:t>
+            </a:r>
+            <a:endParaRPr b="0" lang="en-US" sz="4260" spc="-1" strike="noStrike">
+              <a:solidFill>
+                <a:srgbClr val="ffffff"/>
+              </a:solidFill>
+              <a:latin typeface="Arial"/>
+            </a:endParaRPr>
+          </a:p>
+        </p:txBody>
+      </p:sp>
     </p:spTree>
   </p:cSld>
-  <p:timing>
-    <p:tnLst>
-      <p:par>
-        <p:cTn id="37" dur="indefinite" restart="never" nodeType="tmRoot">
-          <p:childTnLst>
-            <p:seq>
-              <p:cTn id="38" dur="indefinite" nodeType="mainSeq"/>
-              <p:prevCondLst>
-                <p:cond delay="0" evt="onPrev">
-                  <p:tgtEl>
-                    <p:sldTgt/>
-                  </p:tgtEl>
-                </p:cond>
-              </p:prevCondLst>
-              <p:nextCondLst>
-                <p:cond delay="0" evt="onNext">
-                  <p:tgtEl>
-                    <p:sldTgt/>
-                  </p:tgtEl>
-                </p:cond>
-              </p:nextCondLst>
-            </p:seq>
-          </p:childTnLst>
-        </p:cTn>
-      </p:par>
-    </p:tnLst>
-  </p:timing>
 </p:sld>
 </file>
 
@@ -9112,6 +8840,102 @@
       </p:par>
     </p:tnLst>
   </p:timing>
+</p:sld>
+</file>
+
+<file path=ppt/slides/slide20.xml><?xml version="1.0" encoding="utf-8"?>
+<p:sld xmlns:a="http://schemas.openxmlformats.org/drawingml/2006/main" xmlns:p="http://schemas.openxmlformats.org/presentationml/2006/main" xmlns:r="http://schemas.openxmlformats.org/officeDocument/2006/relationships" xmlns:p14="http://schemas.microsoft.com/office/powerpoint/2010/main" xmlns:p15="http://schemas.microsoft.com/office/powerpoint/2012/main" xmlns:mc="http://schemas.openxmlformats.org/markup-compatibility/2006">
+  <p:cSld>
+    <p:spTree>
+      <p:nvGrpSpPr>
+        <p:cNvPr id="1" name=""/>
+        <p:cNvGrpSpPr/>
+        <p:nvPr/>
+      </p:nvGrpSpPr>
+      <p:grpSpPr>
+        <a:xfrm>
+          <a:off x="0" y="0"/>
+          <a:ext cx="0" cy="0"/>
+          <a:chOff x="0" y="0"/>
+          <a:chExt cx="0" cy="0"/>
+        </a:xfrm>
+      </p:grpSpPr>
+      <p:sp>
+        <p:nvSpPr>
+          <p:cNvPr id="183" name="TextShape 1"/>
+          <p:cNvSpPr txBox="1"/>
+          <p:nvPr/>
+        </p:nvSpPr>
+        <p:spPr>
+          <a:xfrm>
+            <a:off x="2376000" y="3168000"/>
+            <a:ext cx="7199640" cy="1262160"/>
+          </a:xfrm>
+          <a:prstGeom prst="rect">
+            <a:avLst/>
+          </a:prstGeom>
+          <a:noFill/>
+          <a:ln>
+            <a:noFill/>
+          </a:ln>
+        </p:spPr>
+        <p:txBody>
+          <a:bodyPr lIns="0" rIns="0" tIns="0" bIns="0" anchor="ctr"/>
+          <a:p>
+            <a:pPr algn="ctr"/>
+            <a:r>
+              <a:rPr b="0" lang="en-US" sz="2200" spc="-1" strike="noStrike">
+                <a:solidFill>
+                  <a:srgbClr val="ffffff"/>
+                </a:solidFill>
+                <a:latin typeface="Arial"/>
+              </a:rPr>
+              <a:t>This work is licensed under a Creative Commons Attribution-ShareAlike 3.0 Unported License.</a:t>
+            </a:r>
+            <a:br/>
+            <a:r>
+              <a:rPr b="0" lang="en-US" sz="2200" spc="-1" strike="noStrike">
+                <a:solidFill>
+                  <a:srgbClr val="ffffff"/>
+                </a:solidFill>
+                <a:latin typeface="Arial"/>
+              </a:rPr>
+              <a:t>It makes use of the works of Mateus Machado Luna.</a:t>
+            </a:r>
+            <a:endParaRPr b="0" lang="en-US" sz="2200" spc="-1" strike="noStrike">
+              <a:solidFill>
+                <a:srgbClr val="ffffff"/>
+              </a:solidFill>
+              <a:latin typeface="Arial"/>
+            </a:endParaRPr>
+          </a:p>
+        </p:txBody>
+      </p:sp>
+      <p:pic>
+        <p:nvPicPr>
+          <p:cNvPr id="184" name="" descr=""/>
+          <p:cNvPicPr/>
+          <p:nvPr/>
+        </p:nvPicPr>
+        <p:blipFill>
+          <a:blip r:embed="rId1"/>
+          <a:stretch/>
+        </p:blipFill>
+        <p:spPr>
+          <a:xfrm>
+            <a:off x="816120" y="3621600"/>
+            <a:ext cx="1271880" cy="447480"/>
+          </a:xfrm>
+          <a:prstGeom prst="rect">
+            <a:avLst/>
+          </a:prstGeom>
+          <a:ln>
+            <a:noFill/>
+          </a:ln>
+        </p:spPr>
+      </p:pic>
+    </p:spTree>
+  </p:cSld>
 </p:sld>
 </file>
 
@@ -13228,33 +13052,6 @@
       </p:sp>
     </p:spTree>
   </p:cSld>
-  <p:timing>
-    <p:tnLst>
-      <p:par>
-        <p:cTn id="17" dur="indefinite" restart="never" nodeType="tmRoot">
-          <p:childTnLst>
-            <p:seq>
-              <p:cTn id="18" dur="indefinite" nodeType="mainSeq"/>
-              <p:prevCondLst>
-                <p:cond delay="0" evt="onPrev">
-                  <p:tgtEl>
-                    <p:sldTgt/>
-                  </p:tgtEl>
-                </p:cond>
-              </p:prevCondLst>
-              <p:nextCondLst>
-                <p:cond delay="0" evt="onNext">
-                  <p:tgtEl>
-                    <p:sldTgt/>
-                  </p:tgtEl>
-                </p:cond>
-              </p:nextCondLst>
-            </p:seq>
-          </p:childTnLst>
-        </p:cTn>
-      </p:par>
-    </p:tnLst>
-  </p:timing>
 </p:sld>
 </file>
 
